--- a/powerpoint/architect/Crafting CF App Like An Architect.pptx
+++ b/powerpoint/architect/Crafting CF App Like An Architect.pptx
@@ -5,10 +5,10 @@
     <p:sldMasterId id="2147483660" r:id="rId2"/>
   </p:sldMasterIdLst>
   <p:notesMasterIdLst>
-    <p:notesMasterId r:id="rId34"/>
+    <p:notesMasterId r:id="rId35"/>
   </p:notesMasterIdLst>
   <p:handoutMasterIdLst>
-    <p:handoutMasterId r:id="rId35"/>
+    <p:handoutMasterId r:id="rId36"/>
   </p:handoutMasterIdLst>
   <p:sldIdLst>
     <p:sldId id="357" r:id="rId3"/>
@@ -18,35 +18,36 @@
     <p:sldId id="361" r:id="rId7"/>
     <p:sldId id="362" r:id="rId8"/>
     <p:sldId id="363" r:id="rId9"/>
-    <p:sldId id="364" r:id="rId10"/>
-    <p:sldId id="365" r:id="rId11"/>
-    <p:sldId id="366" r:id="rId12"/>
-    <p:sldId id="367" r:id="rId13"/>
-    <p:sldId id="368" r:id="rId14"/>
-    <p:sldId id="369" r:id="rId15"/>
-    <p:sldId id="370" r:id="rId16"/>
-    <p:sldId id="371" r:id="rId17"/>
-    <p:sldId id="382" r:id="rId18"/>
-    <p:sldId id="372" r:id="rId19"/>
-    <p:sldId id="373" r:id="rId20"/>
-    <p:sldId id="374" r:id="rId21"/>
-    <p:sldId id="375" r:id="rId22"/>
-    <p:sldId id="376" r:id="rId23"/>
-    <p:sldId id="377" r:id="rId24"/>
-    <p:sldId id="378" r:id="rId25"/>
-    <p:sldId id="379" r:id="rId26"/>
-    <p:sldId id="380" r:id="rId27"/>
-    <p:sldId id="381" r:id="rId28"/>
-    <p:sldId id="383" r:id="rId29"/>
-    <p:sldId id="384" r:id="rId30"/>
-    <p:sldId id="385" r:id="rId31"/>
-    <p:sldId id="386" r:id="rId32"/>
-    <p:sldId id="387" r:id="rId33"/>
+    <p:sldId id="388" r:id="rId10"/>
+    <p:sldId id="364" r:id="rId11"/>
+    <p:sldId id="365" r:id="rId12"/>
+    <p:sldId id="366" r:id="rId13"/>
+    <p:sldId id="367" r:id="rId14"/>
+    <p:sldId id="368" r:id="rId15"/>
+    <p:sldId id="369" r:id="rId16"/>
+    <p:sldId id="370" r:id="rId17"/>
+    <p:sldId id="371" r:id="rId18"/>
+    <p:sldId id="382" r:id="rId19"/>
+    <p:sldId id="372" r:id="rId20"/>
+    <p:sldId id="373" r:id="rId21"/>
+    <p:sldId id="374" r:id="rId22"/>
+    <p:sldId id="375" r:id="rId23"/>
+    <p:sldId id="376" r:id="rId24"/>
+    <p:sldId id="377" r:id="rId25"/>
+    <p:sldId id="378" r:id="rId26"/>
+    <p:sldId id="379" r:id="rId27"/>
+    <p:sldId id="380" r:id="rId28"/>
+    <p:sldId id="381" r:id="rId29"/>
+    <p:sldId id="383" r:id="rId30"/>
+    <p:sldId id="384" r:id="rId31"/>
+    <p:sldId id="385" r:id="rId32"/>
+    <p:sldId id="386" r:id="rId33"/>
+    <p:sldId id="387" r:id="rId34"/>
   </p:sldIdLst>
   <p:sldSz cx="12188825" cy="6858000"/>
   <p:notesSz cx="6858000" cy="9144000"/>
   <p:custDataLst>
-    <p:tags r:id="rId36"/>
+    <p:tags r:id="rId37"/>
   </p:custDataLst>
   <p:defaultTextStyle>
     <a:defPPr>
@@ -5101,7 +5102,7 @@
       <dgm:spPr/>
     </dgm:pt>
     <dgm:pt modelId="{5BB36E95-EC7E-428B-A6E7-C8170358D1B0}" type="pres">
-      <dgm:prSet presAssocID="{04A42EE0-D816-4618-BBC4-D4C45CFAA575}" presName="node" presStyleLbl="node1" presStyleIdx="0" presStyleCnt="3">
+      <dgm:prSet presAssocID="{04A42EE0-D816-4618-BBC4-D4C45CFAA575}" presName="node" presStyleLbl="node1" presStyleIdx="0" presStyleCnt="3" custLinFactX="-48797" custLinFactNeighborX="-100000" custLinFactNeighborY="-24364">
         <dgm:presLayoutVars>
           <dgm:bulletEnabled val="1"/>
         </dgm:presLayoutVars>
@@ -5117,7 +5118,7 @@
       <dgm:spPr/>
     </dgm:pt>
     <dgm:pt modelId="{E907C7BB-9C1B-4976-904A-50D78C80DBFA}" type="pres">
-      <dgm:prSet presAssocID="{BD3ED433-FCA4-4E6E-842E-40ACDB09394C}" presName="node" presStyleLbl="node1" presStyleIdx="1" presStyleCnt="3">
+      <dgm:prSet presAssocID="{BD3ED433-FCA4-4E6E-842E-40ACDB09394C}" presName="node" presStyleLbl="node1" presStyleIdx="1" presStyleCnt="3" custLinFactNeighborX="1074" custLinFactNeighborY="-1281">
         <dgm:presLayoutVars>
           <dgm:bulletEnabled val="1"/>
         </dgm:presLayoutVars>
@@ -5133,7 +5134,7 @@
       <dgm:spPr/>
     </dgm:pt>
     <dgm:pt modelId="{9692CC84-FC76-43EE-A69F-7FD6FF904F6F}" type="pres">
-      <dgm:prSet presAssocID="{D91922FB-B4FF-4116-90AF-7A2D0A3F467A}" presName="node" presStyleLbl="node1" presStyleIdx="2" presStyleCnt="3">
+      <dgm:prSet presAssocID="{D91922FB-B4FF-4116-90AF-7A2D0A3F467A}" presName="node" presStyleLbl="node1" presStyleIdx="2" presStyleCnt="3" custLinFactNeighborX="2985" custLinFactNeighborY="32426">
         <dgm:presLayoutVars>
           <dgm:bulletEnabled val="1"/>
         </dgm:presLayoutVars>
@@ -5312,7 +5313,7 @@
       <dgm:spPr/>
     </dgm:pt>
     <dgm:pt modelId="{294D044A-DFDA-4B97-A530-B859D3C18332}" type="pres">
-      <dgm:prSet presAssocID="{B4FAE31B-2BC9-4158-AE32-403328556CAB}" presName="node" presStyleLbl="node1" presStyleIdx="1" presStyleCnt="3">
+      <dgm:prSet presAssocID="{B4FAE31B-2BC9-4158-AE32-403328556CAB}" presName="node" presStyleLbl="node1" presStyleIdx="1" presStyleCnt="3" custLinFactNeighborX="-1072" custLinFactNeighborY="29634">
         <dgm:presLayoutVars>
           <dgm:bulletEnabled val="1"/>
         </dgm:presLayoutVars>
@@ -5328,7 +5329,7 @@
       <dgm:spPr/>
     </dgm:pt>
     <dgm:pt modelId="{00F7CE4A-2E20-4FD7-8B63-5E9E8E3217EE}" type="pres">
-      <dgm:prSet presAssocID="{3E9D3B09-A701-4203-A837-2CCD5016716D}" presName="node" presStyleLbl="node1" presStyleIdx="2" presStyleCnt="3">
+      <dgm:prSet presAssocID="{3E9D3B09-A701-4203-A837-2CCD5016716D}" presName="node" presStyleLbl="node1" presStyleIdx="2" presStyleCnt="3" custLinFactNeighborX="-1307" custLinFactNeighborY="46942">
         <dgm:presLayoutVars>
           <dgm:bulletEnabled val="1"/>
         </dgm:presLayoutVars>
@@ -5510,7 +5511,7 @@
       <dgm:spPr/>
     </dgm:pt>
     <dgm:pt modelId="{1A37F961-DA5F-42BC-BDBF-EABB1BF4EA57}" type="pres">
-      <dgm:prSet presAssocID="{DE52C233-E831-46CF-910E-BF917479B9C0}" presName="node" presStyleLbl="node1" presStyleIdx="1" presStyleCnt="3">
+      <dgm:prSet presAssocID="{DE52C233-E831-46CF-910E-BF917479B9C0}" presName="node" presStyleLbl="node1" presStyleIdx="1" presStyleCnt="3" custLinFactNeighborX="-381" custLinFactNeighborY="42393">
         <dgm:presLayoutVars>
           <dgm:bulletEnabled val="1"/>
         </dgm:presLayoutVars>
@@ -5526,7 +5527,7 @@
       <dgm:spPr/>
     </dgm:pt>
     <dgm:pt modelId="{3BC3E0F5-B11A-4811-9FA5-E7A9DC563358}" type="pres">
-      <dgm:prSet presAssocID="{35F10D2E-F7EE-447D-A567-B366E073319F}" presName="node" presStyleLbl="node1" presStyleIdx="2" presStyleCnt="3">
+      <dgm:prSet presAssocID="{35F10D2E-F7EE-447D-A567-B366E073319F}" presName="node" presStyleLbl="node1" presStyleIdx="2" presStyleCnt="3" custLinFactNeighborX="3365" custLinFactNeighborY="65656">
         <dgm:presLayoutVars>
           <dgm:bulletEnabled val="1"/>
         </dgm:presLayoutVars>
@@ -7027,8 +7028,8 @@
       </dsp:nvSpPr>
       <dsp:spPr>
         <a:xfrm>
-          <a:off x="5569" y="1637768"/>
-          <a:ext cx="1664531" cy="998718"/>
+          <a:off x="0" y="1255053"/>
+          <a:ext cx="1464357" cy="878614"/>
         </a:xfrm>
         <a:prstGeom prst="roundRect">
           <a:avLst>
@@ -7037,398 +7038,6 @@
         </a:prstGeom>
         <a:solidFill>
           <a:schemeClr val="accent6">
-            <a:hueOff val="0"/>
-            <a:satOff val="0"/>
-            <a:lumOff val="0"/>
-            <a:alphaOff val="0"/>
-          </a:schemeClr>
-        </a:solidFill>
-        <a:ln w="12700" cap="flat" cmpd="sng" algn="ctr">
-          <a:solidFill>
-            <a:schemeClr val="lt1">
-              <a:hueOff val="0"/>
-              <a:satOff val="0"/>
-              <a:lumOff val="0"/>
-              <a:alphaOff val="0"/>
-            </a:schemeClr>
-          </a:solidFill>
-          <a:prstDash val="solid"/>
-          <a:miter lim="800000"/>
-        </a:ln>
-        <a:effectLst/>
-      </dsp:spPr>
-      <dsp:style>
-        <a:lnRef idx="2">
-          <a:scrgbClr r="0" g="0" b="0"/>
-        </a:lnRef>
-        <a:fillRef idx="1">
-          <a:scrgbClr r="0" g="0" b="0"/>
-        </a:fillRef>
-        <a:effectRef idx="0">
-          <a:scrgbClr r="0" g="0" b="0"/>
-        </a:effectRef>
-        <a:fontRef idx="minor">
-          <a:schemeClr val="lt1"/>
-        </a:fontRef>
-      </dsp:style>
-      <dsp:txBody>
-        <a:bodyPr spcFirstLastPara="0" vert="horz" wrap="square" lIns="80010" tIns="80010" rIns="80010" bIns="80010" numCol="1" spcCol="1270" anchor="ctr" anchorCtr="0">
-          <a:noAutofit/>
-        </a:bodyPr>
-        <a:lstStyle/>
-        <a:p>
-          <a:pPr marL="0" lvl="0" indent="0" algn="ctr" defTabSz="933450">
-            <a:lnSpc>
-              <a:spcPct val="90000"/>
-            </a:lnSpc>
-            <a:spcBef>
-              <a:spcPct val="0"/>
-            </a:spcBef>
-            <a:spcAft>
-              <a:spcPct val="35000"/>
-            </a:spcAft>
-            <a:buNone/>
-          </a:pPr>
-          <a:r>
-            <a:rPr lang="en-US" sz="2100" kern="1200" dirty="0"/>
-            <a:t>Read Initial specification</a:t>
-          </a:r>
-        </a:p>
-      </dsp:txBody>
-      <dsp:txXfrm>
-        <a:off x="34820" y="1667019"/>
-        <a:ext cx="1606029" cy="940216"/>
-      </dsp:txXfrm>
-    </dsp:sp>
-    <dsp:sp modelId="{6701307D-1CBE-4587-9DF2-124B7F19B241}">
-      <dsp:nvSpPr>
-        <dsp:cNvPr id="0" name=""/>
-        <dsp:cNvSpPr/>
-      </dsp:nvSpPr>
-      <dsp:spPr>
-        <a:xfrm>
-          <a:off x="1836553" y="1930726"/>
-          <a:ext cx="352880" cy="412803"/>
-        </a:xfrm>
-        <a:prstGeom prst="rightArrow">
-          <a:avLst>
-            <a:gd name="adj1" fmla="val 60000"/>
-            <a:gd name="adj2" fmla="val 50000"/>
-          </a:avLst>
-        </a:prstGeom>
-        <a:solidFill>
-          <a:schemeClr val="accent6">
-            <a:tint val="60000"/>
-            <a:hueOff val="0"/>
-            <a:satOff val="0"/>
-            <a:lumOff val="0"/>
-            <a:alphaOff val="0"/>
-          </a:schemeClr>
-        </a:solidFill>
-        <a:ln>
-          <a:noFill/>
-        </a:ln>
-        <a:effectLst/>
-      </dsp:spPr>
-      <dsp:style>
-        <a:lnRef idx="0">
-          <a:scrgbClr r="0" g="0" b="0"/>
-        </a:lnRef>
-        <a:fillRef idx="1">
-          <a:scrgbClr r="0" g="0" b="0"/>
-        </a:fillRef>
-        <a:effectRef idx="0">
-          <a:scrgbClr r="0" g="0" b="0"/>
-        </a:effectRef>
-        <a:fontRef idx="minor">
-          <a:schemeClr val="lt1"/>
-        </a:fontRef>
-      </dsp:style>
-      <dsp:txBody>
-        <a:bodyPr spcFirstLastPara="0" vert="horz" wrap="square" lIns="0" tIns="0" rIns="0" bIns="0" numCol="1" spcCol="1270" anchor="ctr" anchorCtr="0">
-          <a:noAutofit/>
-        </a:bodyPr>
-        <a:lstStyle/>
-        <a:p>
-          <a:pPr marL="0" lvl="0" indent="0" algn="ctr" defTabSz="755650">
-            <a:lnSpc>
-              <a:spcPct val="90000"/>
-            </a:lnSpc>
-            <a:spcBef>
-              <a:spcPct val="0"/>
-            </a:spcBef>
-            <a:spcAft>
-              <a:spcPct val="35000"/>
-            </a:spcAft>
-            <a:buNone/>
-          </a:pPr>
-          <a:endParaRPr lang="en-US" sz="1700" kern="1200"/>
-        </a:p>
-      </dsp:txBody>
-      <dsp:txXfrm>
-        <a:off x="1836553" y="2013287"/>
-        <a:ext cx="247016" cy="247681"/>
-      </dsp:txXfrm>
-    </dsp:sp>
-    <dsp:sp modelId="{E907C7BB-9C1B-4976-904A-50D78C80DBFA}">
-      <dsp:nvSpPr>
-        <dsp:cNvPr id="0" name=""/>
-        <dsp:cNvSpPr/>
-      </dsp:nvSpPr>
-      <dsp:spPr>
-        <a:xfrm>
-          <a:off x="2335912" y="1637768"/>
-          <a:ext cx="1664531" cy="998718"/>
-        </a:xfrm>
-        <a:prstGeom prst="roundRect">
-          <a:avLst>
-            <a:gd name="adj" fmla="val 10000"/>
-          </a:avLst>
-        </a:prstGeom>
-        <a:solidFill>
-          <a:schemeClr val="accent6">
-            <a:hueOff val="0"/>
-            <a:satOff val="0"/>
-            <a:lumOff val="0"/>
-            <a:alphaOff val="0"/>
-          </a:schemeClr>
-        </a:solidFill>
-        <a:ln w="12700" cap="flat" cmpd="sng" algn="ctr">
-          <a:solidFill>
-            <a:schemeClr val="lt1">
-              <a:hueOff val="0"/>
-              <a:satOff val="0"/>
-              <a:lumOff val="0"/>
-              <a:alphaOff val="0"/>
-            </a:schemeClr>
-          </a:solidFill>
-          <a:prstDash val="solid"/>
-          <a:miter lim="800000"/>
-        </a:ln>
-        <a:effectLst/>
-      </dsp:spPr>
-      <dsp:style>
-        <a:lnRef idx="2">
-          <a:scrgbClr r="0" g="0" b="0"/>
-        </a:lnRef>
-        <a:fillRef idx="1">
-          <a:scrgbClr r="0" g="0" b="0"/>
-        </a:fillRef>
-        <a:effectRef idx="0">
-          <a:scrgbClr r="0" g="0" b="0"/>
-        </a:effectRef>
-        <a:fontRef idx="minor">
-          <a:schemeClr val="lt1"/>
-        </a:fontRef>
-      </dsp:style>
-      <dsp:txBody>
-        <a:bodyPr spcFirstLastPara="0" vert="horz" wrap="square" lIns="80010" tIns="80010" rIns="80010" bIns="80010" numCol="1" spcCol="1270" anchor="ctr" anchorCtr="0">
-          <a:noAutofit/>
-        </a:bodyPr>
-        <a:lstStyle/>
-        <a:p>
-          <a:pPr marL="0" lvl="0" indent="0" algn="ctr" defTabSz="933450">
-            <a:lnSpc>
-              <a:spcPct val="90000"/>
-            </a:lnSpc>
-            <a:spcBef>
-              <a:spcPct val="0"/>
-            </a:spcBef>
-            <a:spcAft>
-              <a:spcPct val="35000"/>
-            </a:spcAft>
-            <a:buNone/>
-          </a:pPr>
-          <a:r>
-            <a:rPr lang="en-US" sz="2100" kern="1200" dirty="0"/>
-            <a:t>Visualize </a:t>
-          </a:r>
-        </a:p>
-      </dsp:txBody>
-      <dsp:txXfrm>
-        <a:off x="2365163" y="1667019"/>
-        <a:ext cx="1606029" cy="940216"/>
-      </dsp:txXfrm>
-    </dsp:sp>
-    <dsp:sp modelId="{0AA1E15F-B6B1-4B05-8FF3-D187D8EB0CE3}">
-      <dsp:nvSpPr>
-        <dsp:cNvPr id="0" name=""/>
-        <dsp:cNvSpPr/>
-      </dsp:nvSpPr>
-      <dsp:spPr>
-        <a:xfrm>
-          <a:off x="4166897" y="1930726"/>
-          <a:ext cx="352880" cy="412803"/>
-        </a:xfrm>
-        <a:prstGeom prst="rightArrow">
-          <a:avLst>
-            <a:gd name="adj1" fmla="val 60000"/>
-            <a:gd name="adj2" fmla="val 50000"/>
-          </a:avLst>
-        </a:prstGeom>
-        <a:solidFill>
-          <a:schemeClr val="accent6">
-            <a:tint val="60000"/>
-            <a:hueOff val="0"/>
-            <a:satOff val="0"/>
-            <a:lumOff val="0"/>
-            <a:alphaOff val="0"/>
-          </a:schemeClr>
-        </a:solidFill>
-        <a:ln>
-          <a:noFill/>
-        </a:ln>
-        <a:effectLst/>
-      </dsp:spPr>
-      <dsp:style>
-        <a:lnRef idx="0">
-          <a:scrgbClr r="0" g="0" b="0"/>
-        </a:lnRef>
-        <a:fillRef idx="1">
-          <a:scrgbClr r="0" g="0" b="0"/>
-        </a:fillRef>
-        <a:effectRef idx="0">
-          <a:scrgbClr r="0" g="0" b="0"/>
-        </a:effectRef>
-        <a:fontRef idx="minor">
-          <a:schemeClr val="lt1"/>
-        </a:fontRef>
-      </dsp:style>
-      <dsp:txBody>
-        <a:bodyPr spcFirstLastPara="0" vert="horz" wrap="square" lIns="0" tIns="0" rIns="0" bIns="0" numCol="1" spcCol="1270" anchor="ctr" anchorCtr="0">
-          <a:noAutofit/>
-        </a:bodyPr>
-        <a:lstStyle/>
-        <a:p>
-          <a:pPr marL="0" lvl="0" indent="0" algn="ctr" defTabSz="755650">
-            <a:lnSpc>
-              <a:spcPct val="90000"/>
-            </a:lnSpc>
-            <a:spcBef>
-              <a:spcPct val="0"/>
-            </a:spcBef>
-            <a:spcAft>
-              <a:spcPct val="35000"/>
-            </a:spcAft>
-            <a:buNone/>
-          </a:pPr>
-          <a:endParaRPr lang="en-US" sz="1700" kern="1200"/>
-        </a:p>
-      </dsp:txBody>
-      <dsp:txXfrm>
-        <a:off x="4166897" y="2013287"/>
-        <a:ext cx="247016" cy="247681"/>
-      </dsp:txXfrm>
-    </dsp:sp>
-    <dsp:sp modelId="{9692CC84-FC76-43EE-A69F-7FD6FF904F6F}">
-      <dsp:nvSpPr>
-        <dsp:cNvPr id="0" name=""/>
-        <dsp:cNvSpPr/>
-      </dsp:nvSpPr>
-      <dsp:spPr>
-        <a:xfrm>
-          <a:off x="4666256" y="1637768"/>
-          <a:ext cx="1664531" cy="998718"/>
-        </a:xfrm>
-        <a:prstGeom prst="roundRect">
-          <a:avLst>
-            <a:gd name="adj" fmla="val 10000"/>
-          </a:avLst>
-        </a:prstGeom>
-        <a:solidFill>
-          <a:schemeClr val="accent6">
-            <a:hueOff val="0"/>
-            <a:satOff val="0"/>
-            <a:lumOff val="0"/>
-            <a:alphaOff val="0"/>
-          </a:schemeClr>
-        </a:solidFill>
-        <a:ln w="12700" cap="flat" cmpd="sng" algn="ctr">
-          <a:solidFill>
-            <a:schemeClr val="lt1">
-              <a:hueOff val="0"/>
-              <a:satOff val="0"/>
-              <a:lumOff val="0"/>
-              <a:alphaOff val="0"/>
-            </a:schemeClr>
-          </a:solidFill>
-          <a:prstDash val="solid"/>
-          <a:miter lim="800000"/>
-        </a:ln>
-        <a:effectLst/>
-      </dsp:spPr>
-      <dsp:style>
-        <a:lnRef idx="2">
-          <a:scrgbClr r="0" g="0" b="0"/>
-        </a:lnRef>
-        <a:fillRef idx="1">
-          <a:scrgbClr r="0" g="0" b="0"/>
-        </a:fillRef>
-        <a:effectRef idx="0">
-          <a:scrgbClr r="0" g="0" b="0"/>
-        </a:effectRef>
-        <a:fontRef idx="minor">
-          <a:schemeClr val="lt1"/>
-        </a:fontRef>
-      </dsp:style>
-      <dsp:txBody>
-        <a:bodyPr spcFirstLastPara="0" vert="horz" wrap="square" lIns="80010" tIns="80010" rIns="80010" bIns="80010" numCol="1" spcCol="1270" anchor="ctr" anchorCtr="0">
-          <a:noAutofit/>
-        </a:bodyPr>
-        <a:lstStyle/>
-        <a:p>
-          <a:pPr marL="0" lvl="0" indent="0" algn="ctr" defTabSz="933450">
-            <a:lnSpc>
-              <a:spcPct val="90000"/>
-            </a:lnSpc>
-            <a:spcBef>
-              <a:spcPct val="0"/>
-            </a:spcBef>
-            <a:spcAft>
-              <a:spcPct val="35000"/>
-            </a:spcAft>
-            <a:buNone/>
-          </a:pPr>
-          <a:r>
-            <a:rPr lang="en-US" sz="2100" kern="1200" dirty="0"/>
-            <a:t>Know your environment</a:t>
-          </a:r>
-        </a:p>
-      </dsp:txBody>
-      <dsp:txXfrm>
-        <a:off x="4695507" y="1667019"/>
-        <a:ext cx="1606029" cy="940216"/>
-      </dsp:txXfrm>
-    </dsp:sp>
-  </dsp:spTree>
-</dsp:drawing>
-</file>
-
-<file path=ppt/diagrams/drawing2.xml><?xml version="1.0" encoding="utf-8"?>
-<dsp:drawing xmlns:dgm="http://schemas.openxmlformats.org/drawingml/2006/diagram" xmlns:dsp="http://schemas.microsoft.com/office/drawing/2008/diagram" xmlns:a="http://schemas.openxmlformats.org/drawingml/2006/main">
-  <dsp:spTree>
-    <dsp:nvGrpSpPr>
-      <dsp:cNvPr id="0" name=""/>
-      <dsp:cNvGrpSpPr/>
-    </dsp:nvGrpSpPr>
-    <dsp:grpSpPr/>
-    <dsp:sp modelId="{9BE020C5-0327-4B7E-838A-87D434CB6CFA}">
-      <dsp:nvSpPr>
-        <dsp:cNvPr id="0" name=""/>
-        <dsp:cNvSpPr/>
-      </dsp:nvSpPr>
-      <dsp:spPr>
-        <a:xfrm>
-          <a:off x="5580" y="1577862"/>
-          <a:ext cx="1667837" cy="1000702"/>
-        </a:xfrm>
-        <a:prstGeom prst="roundRect">
-          <a:avLst>
-            <a:gd name="adj" fmla="val 10000"/>
-          </a:avLst>
-        </a:prstGeom>
-        <a:solidFill>
-          <a:schemeClr val="accent5">
             <a:hueOff val="0"/>
             <a:satOff val="0"/>
             <a:lumOff val="0"/>
@@ -7483,24 +7092,24 @@
           </a:pPr>
           <a:r>
             <a:rPr lang="en-US" sz="1900" kern="1200" dirty="0"/>
-            <a:t>Meet with users ( not managers )</a:t>
+            <a:t>Read Initial specification</a:t>
           </a:r>
         </a:p>
       </dsp:txBody>
       <dsp:txXfrm>
-        <a:off x="34890" y="1607172"/>
-        <a:ext cx="1609217" cy="942082"/>
+        <a:off x="25734" y="1280787"/>
+        <a:ext cx="1412889" cy="827146"/>
       </dsp:txXfrm>
     </dsp:sp>
-    <dsp:sp modelId="{8221CBB1-A971-4D80-836A-899E52288B1B}">
+    <dsp:sp modelId="{6701307D-1CBE-4587-9DF2-124B7F19B241}">
       <dsp:nvSpPr>
         <dsp:cNvPr id="0" name=""/>
         <dsp:cNvSpPr/>
       </dsp:nvSpPr>
       <dsp:spPr>
-        <a:xfrm>
-          <a:off x="1840200" y="1871402"/>
-          <a:ext cx="353581" cy="413623"/>
+        <a:xfrm rot="337155">
+          <a:off x="1612826" y="1615066"/>
+          <a:ext cx="317902" cy="363160"/>
         </a:xfrm>
         <a:prstGeom prst="rightArrow">
           <a:avLst>
@@ -7509,7 +7118,7 @@
           </a:avLst>
         </a:prstGeom>
         <a:solidFill>
-          <a:schemeClr val="accent5">
+          <a:schemeClr val="accent6">
             <a:tint val="60000"/>
             <a:hueOff val="0"/>
             <a:satOff val="0"/>
@@ -7542,7 +7151,7 @@
         </a:bodyPr>
         <a:lstStyle/>
         <a:p>
-          <a:pPr marL="0" lvl="0" indent="0" algn="ctr" defTabSz="711200">
+          <a:pPr marL="0" lvl="0" indent="0" algn="ctr" defTabSz="666750">
             <a:lnSpc>
               <a:spcPct val="90000"/>
             </a:lnSpc>
@@ -7554,23 +7163,23 @@
             </a:spcAft>
             <a:buNone/>
           </a:pPr>
-          <a:endParaRPr lang="en-US" sz="1600" kern="1200"/>
+          <a:endParaRPr lang="en-US" sz="1500" kern="1200"/>
         </a:p>
       </dsp:txBody>
       <dsp:txXfrm>
-        <a:off x="1840200" y="1954127"/>
-        <a:ext cx="247507" cy="248173"/>
+        <a:off x="1613055" y="1683029"/>
+        <a:ext cx="222531" cy="217896"/>
       </dsp:txXfrm>
     </dsp:sp>
-    <dsp:sp modelId="{294D044A-DFDA-4B97-A530-B859D3C18332}">
+    <dsp:sp modelId="{E907C7BB-9C1B-4976-904A-50D78C80DBFA}">
       <dsp:nvSpPr>
         <dsp:cNvPr id="0" name=""/>
         <dsp:cNvSpPr/>
       </dsp:nvSpPr>
       <dsp:spPr>
         <a:xfrm>
-          <a:off x="2340551" y="1577862"/>
-          <a:ext cx="1667837" cy="1000702"/>
+          <a:off x="2061290" y="1457864"/>
+          <a:ext cx="1464357" cy="878614"/>
         </a:xfrm>
         <a:prstGeom prst="roundRect">
           <a:avLst>
@@ -7578,7 +7187,7 @@
           </a:avLst>
         </a:prstGeom>
         <a:solidFill>
-          <a:schemeClr val="accent5">
+          <a:schemeClr val="accent6">
             <a:hueOff val="0"/>
             <a:satOff val="0"/>
             <a:lumOff val="0"/>
@@ -7633,24 +7242,24 @@
           </a:pPr>
           <a:r>
             <a:rPr lang="en-US" sz="1900" kern="1200" dirty="0"/>
-            <a:t>Write down any manual process</a:t>
+            <a:t>Visualize </a:t>
           </a:r>
         </a:p>
       </dsp:txBody>
       <dsp:txXfrm>
-        <a:off x="2369861" y="1607172"/>
-        <a:ext cx="1609217" cy="942082"/>
+        <a:off x="2087024" y="1483598"/>
+        <a:ext cx="1412889" cy="827146"/>
       </dsp:txXfrm>
     </dsp:sp>
-    <dsp:sp modelId="{2322AB05-2B48-46DC-BAF0-ADE956818257}">
+    <dsp:sp modelId="{0AA1E15F-B6B1-4B05-8FF3-D187D8EB0CE3}">
       <dsp:nvSpPr>
         <dsp:cNvPr id="0" name=""/>
         <dsp:cNvSpPr/>
       </dsp:nvSpPr>
       <dsp:spPr>
-        <a:xfrm>
-          <a:off x="4175172" y="1871402"/>
-          <a:ext cx="353581" cy="413623"/>
+        <a:xfrm rot="493531">
+          <a:off x="3670126" y="1864935"/>
+          <a:ext cx="312925" cy="363160"/>
         </a:xfrm>
         <a:prstGeom prst="rightArrow">
           <a:avLst>
@@ -7659,7 +7268,7 @@
           </a:avLst>
         </a:prstGeom>
         <a:solidFill>
-          <a:schemeClr val="accent5">
+          <a:schemeClr val="accent6">
             <a:tint val="60000"/>
             <a:hueOff val="0"/>
             <a:satOff val="0"/>
@@ -7692,7 +7301,7 @@
         </a:bodyPr>
         <a:lstStyle/>
         <a:p>
-          <a:pPr marL="0" lvl="0" indent="0" algn="ctr" defTabSz="711200">
+          <a:pPr marL="0" lvl="0" indent="0" algn="ctr" defTabSz="666750">
             <a:lnSpc>
               <a:spcPct val="90000"/>
             </a:lnSpc>
@@ -7704,23 +7313,23 @@
             </a:spcAft>
             <a:buNone/>
           </a:pPr>
-          <a:endParaRPr lang="en-US" sz="1600" kern="1200"/>
+          <a:endParaRPr lang="en-US" sz="1500" kern="1200"/>
         </a:p>
       </dsp:txBody>
       <dsp:txXfrm>
-        <a:off x="4175172" y="1954127"/>
-        <a:ext cx="247507" cy="248173"/>
+        <a:off x="3670609" y="1930852"/>
+        <a:ext cx="219048" cy="217896"/>
       </dsp:txXfrm>
     </dsp:sp>
-    <dsp:sp modelId="{00F7CE4A-2E20-4FD7-8B63-5E9E8E3217EE}">
+    <dsp:sp modelId="{9692CC84-FC76-43EE-A69F-7FD6FF904F6F}">
       <dsp:nvSpPr>
         <dsp:cNvPr id="0" name=""/>
         <dsp:cNvSpPr/>
       </dsp:nvSpPr>
       <dsp:spPr>
         <a:xfrm>
-          <a:off x="4675523" y="1577862"/>
-          <a:ext cx="1667837" cy="1000702"/>
+          <a:off x="4109999" y="1754018"/>
+          <a:ext cx="1464357" cy="878614"/>
         </a:xfrm>
         <a:prstGeom prst="roundRect">
           <a:avLst>
@@ -7728,7 +7337,7 @@
           </a:avLst>
         </a:prstGeom>
         <a:solidFill>
-          <a:schemeClr val="accent5">
+          <a:schemeClr val="accent6">
             <a:hueOff val="0"/>
             <a:satOff val="0"/>
             <a:lumOff val="0"/>
@@ -7783,20 +7392,20 @@
           </a:pPr>
           <a:r>
             <a:rPr lang="en-US" sz="1900" kern="1200" dirty="0"/>
-            <a:t>Draft your solutions</a:t>
+            <a:t>Know your environment</a:t>
           </a:r>
         </a:p>
       </dsp:txBody>
       <dsp:txXfrm>
-        <a:off x="4704833" y="1607172"/>
-        <a:ext cx="1609217" cy="942082"/>
+        <a:off x="4135733" y="1779752"/>
+        <a:ext cx="1412889" cy="827146"/>
       </dsp:txXfrm>
     </dsp:sp>
   </dsp:spTree>
 </dsp:drawing>
 </file>
 
-<file path=ppt/diagrams/drawing3.xml><?xml version="1.0" encoding="utf-8"?>
+<file path=ppt/diagrams/drawing2.xml><?xml version="1.0" encoding="utf-8"?>
 <dsp:drawing xmlns:dgm="http://schemas.openxmlformats.org/drawingml/2006/diagram" xmlns:dsp="http://schemas.microsoft.com/office/drawing/2008/diagram" xmlns:a="http://schemas.openxmlformats.org/drawingml/2006/main">
   <dsp:spTree>
     <dsp:nvGrpSpPr>
@@ -7804,15 +7413,15 @@
       <dsp:cNvGrpSpPr/>
     </dsp:nvGrpSpPr>
     <dsp:grpSpPr/>
-    <dsp:sp modelId="{C84762D0-60F5-4640-A8AB-0883C4F4F5C2}">
+    <dsp:sp modelId="{9BE020C5-0327-4B7E-838A-87D434CB6CFA}">
       <dsp:nvSpPr>
         <dsp:cNvPr id="0" name=""/>
         <dsp:cNvSpPr/>
       </dsp:nvSpPr>
       <dsp:spPr>
         <a:xfrm>
-          <a:off x="5580" y="1771890"/>
-          <a:ext cx="1667837" cy="1000702"/>
+          <a:off x="4910" y="1605280"/>
+          <a:ext cx="1467663" cy="963153"/>
         </a:xfrm>
         <a:prstGeom prst="roundRect">
           <a:avLst>
@@ -7820,7 +7429,7 @@
           </a:avLst>
         </a:prstGeom>
         <a:solidFill>
-          <a:schemeClr val="accent2">
+          <a:schemeClr val="accent5">
             <a:hueOff val="0"/>
             <a:satOff val="0"/>
             <a:lumOff val="0"/>
@@ -7856,12 +7465,12 @@
         </a:fontRef>
       </dsp:style>
       <dsp:txBody>
-        <a:bodyPr spcFirstLastPara="0" vert="horz" wrap="square" lIns="64770" tIns="64770" rIns="64770" bIns="64770" numCol="1" spcCol="1270" anchor="ctr" anchorCtr="0">
+        <a:bodyPr spcFirstLastPara="0" vert="horz" wrap="square" lIns="68580" tIns="68580" rIns="68580" bIns="68580" numCol="1" spcCol="1270" anchor="ctr" anchorCtr="0">
           <a:noAutofit/>
         </a:bodyPr>
         <a:lstStyle/>
         <a:p>
-          <a:pPr marL="0" lvl="0" indent="0" algn="ctr" defTabSz="755650">
+          <a:pPr marL="0" lvl="0" indent="0" algn="ctr" defTabSz="800100">
             <a:lnSpc>
               <a:spcPct val="90000"/>
             </a:lnSpc>
@@ -7874,25 +7483,25 @@
             <a:buNone/>
           </a:pPr>
           <a:r>
-            <a:rPr lang="en-US" sz="1700" kern="1200" dirty="0"/>
-            <a:t>Timeline/budget</a:t>
+            <a:rPr lang="en-US" sz="1800" kern="1200" dirty="0"/>
+            <a:t>Meet with users ( not managers )</a:t>
           </a:r>
         </a:p>
       </dsp:txBody>
       <dsp:txXfrm>
-        <a:off x="34890" y="1801200"/>
-        <a:ext cx="1609217" cy="942082"/>
+        <a:off x="33120" y="1633490"/>
+        <a:ext cx="1411243" cy="906733"/>
       </dsp:txXfrm>
     </dsp:sp>
-    <dsp:sp modelId="{1DF21A21-B003-4958-9BAD-B4659E9E52E2}">
+    <dsp:sp modelId="{8221CBB1-A971-4D80-836A-899E52288B1B}">
       <dsp:nvSpPr>
         <dsp:cNvPr id="0" name=""/>
         <dsp:cNvSpPr/>
       </dsp:nvSpPr>
       <dsp:spPr>
-        <a:xfrm>
-          <a:off x="1840200" y="2065430"/>
-          <a:ext cx="353581" cy="413623"/>
+        <a:xfrm rot="475938">
+          <a:off x="1616279" y="2048791"/>
+          <a:ext cx="310782" cy="363980"/>
         </a:xfrm>
         <a:prstGeom prst="rightArrow">
           <a:avLst>
@@ -7901,7 +7510,7 @@
           </a:avLst>
         </a:prstGeom>
         <a:solidFill>
-          <a:schemeClr val="accent2">
+          <a:schemeClr val="accent5">
             <a:tint val="60000"/>
             <a:hueOff val="0"/>
             <a:satOff val="0"/>
@@ -7950,19 +7559,19 @@
         </a:p>
       </dsp:txBody>
       <dsp:txXfrm>
-        <a:off x="1840200" y="2148155"/>
-        <a:ext cx="247507" cy="248173"/>
+        <a:off x="1616725" y="2115154"/>
+        <a:ext cx="217547" cy="218388"/>
       </dsp:txXfrm>
     </dsp:sp>
-    <dsp:sp modelId="{1A37F961-DA5F-42BC-BDBF-EABB1BF4EA57}">
+    <dsp:sp modelId="{294D044A-DFDA-4B97-A530-B859D3C18332}">
       <dsp:nvSpPr>
         <dsp:cNvPr id="0" name=""/>
         <dsp:cNvSpPr/>
       </dsp:nvSpPr>
       <dsp:spPr>
         <a:xfrm>
-          <a:off x="2340551" y="1771890"/>
-          <a:ext cx="1667837" cy="1000702"/>
+          <a:off x="2053345" y="1890701"/>
+          <a:ext cx="1467663" cy="963153"/>
         </a:xfrm>
         <a:prstGeom prst="roundRect">
           <a:avLst>
@@ -7970,7 +7579,7 @@
           </a:avLst>
         </a:prstGeom>
         <a:solidFill>
-          <a:schemeClr val="accent2">
+          <a:schemeClr val="accent5">
             <a:hueOff val="0"/>
             <a:satOff val="0"/>
             <a:lumOff val="0"/>
@@ -8006,12 +7615,12 @@
         </a:fontRef>
       </dsp:style>
       <dsp:txBody>
-        <a:bodyPr spcFirstLastPara="0" vert="horz" wrap="square" lIns="64770" tIns="64770" rIns="64770" bIns="64770" numCol="1" spcCol="1270" anchor="ctr" anchorCtr="0">
+        <a:bodyPr spcFirstLastPara="0" vert="horz" wrap="square" lIns="68580" tIns="68580" rIns="68580" bIns="68580" numCol="1" spcCol="1270" anchor="ctr" anchorCtr="0">
           <a:noAutofit/>
         </a:bodyPr>
         <a:lstStyle/>
         <a:p>
-          <a:pPr marL="0" lvl="0" indent="0" algn="ctr" defTabSz="755650">
+          <a:pPr marL="0" lvl="0" indent="0" algn="ctr" defTabSz="800100">
             <a:lnSpc>
               <a:spcPct val="90000"/>
             </a:lnSpc>
@@ -8024,25 +7633,25 @@
             <a:buNone/>
           </a:pPr>
           <a:r>
-            <a:rPr lang="en-US" sz="1700" kern="1200" dirty="0"/>
-            <a:t>Define/Find resources</a:t>
+            <a:rPr lang="en-US" sz="1800" kern="1200" dirty="0"/>
+            <a:t>Write down any manual process</a:t>
           </a:r>
         </a:p>
       </dsp:txBody>
       <dsp:txXfrm>
-        <a:off x="2369861" y="1801200"/>
-        <a:ext cx="1609217" cy="942082"/>
+        <a:off x="2081555" y="1918911"/>
+        <a:ext cx="1411243" cy="906733"/>
       </dsp:txXfrm>
     </dsp:sp>
-    <dsp:sp modelId="{004BA20A-F441-4062-9C6D-28CD53A7A010}">
+    <dsp:sp modelId="{2322AB05-2B48-46DC-BAF0-ADE956818257}">
       <dsp:nvSpPr>
         <dsp:cNvPr id="0" name=""/>
         <dsp:cNvSpPr/>
       </dsp:nvSpPr>
       <dsp:spPr>
-        <a:xfrm>
-          <a:off x="4175172" y="2065430"/>
-          <a:ext cx="353581" cy="413623"/>
+        <a:xfrm rot="278485">
+          <a:off x="3666919" y="2274352"/>
+          <a:ext cx="311434" cy="363980"/>
         </a:xfrm>
         <a:prstGeom prst="rightArrow">
           <a:avLst>
@@ -8051,7 +7660,7 @@
           </a:avLst>
         </a:prstGeom>
         <a:solidFill>
-          <a:schemeClr val="accent2">
+          <a:schemeClr val="accent5">
             <a:tint val="60000"/>
             <a:hueOff val="0"/>
             <a:satOff val="0"/>
@@ -8100,19 +7709,111 @@
         </a:p>
       </dsp:txBody>
       <dsp:txXfrm>
-        <a:off x="4175172" y="2148155"/>
-        <a:ext cx="247507" cy="248173"/>
+        <a:off x="3667072" y="2343368"/>
+        <a:ext cx="218004" cy="218388"/>
       </dsp:txXfrm>
     </dsp:sp>
-    <dsp:sp modelId="{3BC3E0F5-B11A-4811-9FA5-E7A9DC563358}">
+    <dsp:sp modelId="{00F7CE4A-2E20-4FD7-8B63-5E9E8E3217EE}">
       <dsp:nvSpPr>
         <dsp:cNvPr id="0" name=""/>
         <dsp:cNvSpPr/>
       </dsp:nvSpPr>
       <dsp:spPr>
         <a:xfrm>
-          <a:off x="4675523" y="1771890"/>
-          <a:ext cx="1667837" cy="1000702"/>
+          <a:off x="4106694" y="2057403"/>
+          <a:ext cx="1467663" cy="963153"/>
+        </a:xfrm>
+        <a:prstGeom prst="roundRect">
+          <a:avLst>
+            <a:gd name="adj" fmla="val 10000"/>
+          </a:avLst>
+        </a:prstGeom>
+        <a:solidFill>
+          <a:schemeClr val="accent5">
+            <a:hueOff val="0"/>
+            <a:satOff val="0"/>
+            <a:lumOff val="0"/>
+            <a:alphaOff val="0"/>
+          </a:schemeClr>
+        </a:solidFill>
+        <a:ln w="12700" cap="flat" cmpd="sng" algn="ctr">
+          <a:solidFill>
+            <a:schemeClr val="lt1">
+              <a:hueOff val="0"/>
+              <a:satOff val="0"/>
+              <a:lumOff val="0"/>
+              <a:alphaOff val="0"/>
+            </a:schemeClr>
+          </a:solidFill>
+          <a:prstDash val="solid"/>
+          <a:miter lim="800000"/>
+        </a:ln>
+        <a:effectLst/>
+      </dsp:spPr>
+      <dsp:style>
+        <a:lnRef idx="2">
+          <a:scrgbClr r="0" g="0" b="0"/>
+        </a:lnRef>
+        <a:fillRef idx="1">
+          <a:scrgbClr r="0" g="0" b="0"/>
+        </a:fillRef>
+        <a:effectRef idx="0">
+          <a:scrgbClr r="0" g="0" b="0"/>
+        </a:effectRef>
+        <a:fontRef idx="minor">
+          <a:schemeClr val="lt1"/>
+        </a:fontRef>
+      </dsp:style>
+      <dsp:txBody>
+        <a:bodyPr spcFirstLastPara="0" vert="horz" wrap="square" lIns="68580" tIns="68580" rIns="68580" bIns="68580" numCol="1" spcCol="1270" anchor="ctr" anchorCtr="0">
+          <a:noAutofit/>
+        </a:bodyPr>
+        <a:lstStyle/>
+        <a:p>
+          <a:pPr marL="0" lvl="0" indent="0" algn="ctr" defTabSz="800100">
+            <a:lnSpc>
+              <a:spcPct val="90000"/>
+            </a:lnSpc>
+            <a:spcBef>
+              <a:spcPct val="0"/>
+            </a:spcBef>
+            <a:spcAft>
+              <a:spcPct val="35000"/>
+            </a:spcAft>
+            <a:buNone/>
+          </a:pPr>
+          <a:r>
+            <a:rPr lang="en-US" sz="1800" kern="1200" dirty="0"/>
+            <a:t>Draft your solutions</a:t>
+          </a:r>
+        </a:p>
+      </dsp:txBody>
+      <dsp:txXfrm>
+        <a:off x="4134904" y="2085613"/>
+        <a:ext cx="1411243" cy="906733"/>
+      </dsp:txXfrm>
+    </dsp:sp>
+  </dsp:spTree>
+</dsp:drawing>
+</file>
+
+<file path=ppt/diagrams/drawing3.xml><?xml version="1.0" encoding="utf-8"?>
+<dsp:drawing xmlns:dgm="http://schemas.openxmlformats.org/drawingml/2006/diagram" xmlns:dsp="http://schemas.microsoft.com/office/drawing/2008/diagram" xmlns:a="http://schemas.openxmlformats.org/drawingml/2006/main">
+  <dsp:spTree>
+    <dsp:nvGrpSpPr>
+      <dsp:cNvPr id="0" name=""/>
+      <dsp:cNvGrpSpPr/>
+    </dsp:nvGrpSpPr>
+    <dsp:grpSpPr/>
+    <dsp:sp modelId="{C84762D0-60F5-4640-A8AB-0883C4F4F5C2}">
+      <dsp:nvSpPr>
+        <dsp:cNvPr id="0" name=""/>
+        <dsp:cNvSpPr/>
+      </dsp:nvSpPr>
+      <dsp:spPr>
+        <a:xfrm>
+          <a:off x="4910" y="1841393"/>
+          <a:ext cx="1467663" cy="880597"/>
         </a:xfrm>
         <a:prstGeom prst="roundRect">
           <a:avLst>
@@ -8156,12 +7857,12 @@
         </a:fontRef>
       </dsp:style>
       <dsp:txBody>
-        <a:bodyPr spcFirstLastPara="0" vert="horz" wrap="square" lIns="64770" tIns="64770" rIns="64770" bIns="64770" numCol="1" spcCol="1270" anchor="ctr" anchorCtr="0">
+        <a:bodyPr spcFirstLastPara="0" vert="horz" wrap="square" lIns="57150" tIns="57150" rIns="57150" bIns="57150" numCol="1" spcCol="1270" anchor="ctr" anchorCtr="0">
           <a:noAutofit/>
         </a:bodyPr>
         <a:lstStyle/>
         <a:p>
-          <a:pPr marL="0" lvl="0" indent="0" algn="ctr" defTabSz="755650">
+          <a:pPr marL="0" lvl="0" indent="0" algn="ctr" defTabSz="666750">
             <a:lnSpc>
               <a:spcPct val="90000"/>
             </a:lnSpc>
@@ -8174,14 +7875,314 @@
             <a:buNone/>
           </a:pPr>
           <a:r>
-            <a:rPr lang="en-US" sz="1700" kern="1200" dirty="0"/>
+            <a:rPr lang="en-US" sz="1500" kern="1200" dirty="0"/>
+            <a:t>Timeline/budget</a:t>
+          </a:r>
+        </a:p>
+      </dsp:txBody>
+      <dsp:txXfrm>
+        <a:off x="30702" y="1867185"/>
+        <a:ext cx="1416079" cy="829013"/>
+      </dsp:txXfrm>
+    </dsp:sp>
+    <dsp:sp modelId="{1DF21A21-B003-4958-9BAD-B4659E9E52E2}">
+      <dsp:nvSpPr>
+        <dsp:cNvPr id="0" name=""/>
+        <dsp:cNvSpPr/>
+      </dsp:nvSpPr>
+      <dsp:spPr>
+        <a:xfrm rot="618504">
+          <a:off x="1616238" y="2287953"/>
+          <a:ext cx="315044" cy="363980"/>
+        </a:xfrm>
+        <a:prstGeom prst="rightArrow">
+          <a:avLst>
+            <a:gd name="adj1" fmla="val 60000"/>
+            <a:gd name="adj2" fmla="val 50000"/>
+          </a:avLst>
+        </a:prstGeom>
+        <a:solidFill>
+          <a:schemeClr val="accent2">
+            <a:tint val="60000"/>
+            <a:hueOff val="0"/>
+            <a:satOff val="0"/>
+            <a:lumOff val="0"/>
+            <a:alphaOff val="0"/>
+          </a:schemeClr>
+        </a:solidFill>
+        <a:ln>
+          <a:noFill/>
+        </a:ln>
+        <a:effectLst/>
+      </dsp:spPr>
+      <dsp:style>
+        <a:lnRef idx="0">
+          <a:scrgbClr r="0" g="0" b="0"/>
+        </a:lnRef>
+        <a:fillRef idx="1">
+          <a:scrgbClr r="0" g="0" b="0"/>
+        </a:fillRef>
+        <a:effectRef idx="0">
+          <a:scrgbClr r="0" g="0" b="0"/>
+        </a:effectRef>
+        <a:fontRef idx="minor">
+          <a:schemeClr val="lt1"/>
+        </a:fontRef>
+      </dsp:style>
+      <dsp:txBody>
+        <a:bodyPr spcFirstLastPara="0" vert="horz" wrap="square" lIns="0" tIns="0" rIns="0" bIns="0" numCol="1" spcCol="1270" anchor="ctr" anchorCtr="0">
+          <a:noAutofit/>
+        </a:bodyPr>
+        <a:lstStyle/>
+        <a:p>
+          <a:pPr marL="0" lvl="0" indent="0" algn="ctr" defTabSz="533400">
+            <a:lnSpc>
+              <a:spcPct val="90000"/>
+            </a:lnSpc>
+            <a:spcBef>
+              <a:spcPct val="0"/>
+            </a:spcBef>
+            <a:spcAft>
+              <a:spcPct val="35000"/>
+            </a:spcAft>
+            <a:buNone/>
+          </a:pPr>
+          <a:endParaRPr lang="en-US" sz="1200" kern="1200"/>
+        </a:p>
+      </dsp:txBody>
+      <dsp:txXfrm>
+        <a:off x="1617001" y="2352293"/>
+        <a:ext cx="220531" cy="218388"/>
+      </dsp:txXfrm>
+    </dsp:sp>
+    <dsp:sp modelId="{1A37F961-DA5F-42BC-BDBF-EABB1BF4EA57}">
+      <dsp:nvSpPr>
+        <dsp:cNvPr id="0" name=""/>
+        <dsp:cNvSpPr/>
+      </dsp:nvSpPr>
+      <dsp:spPr>
+        <a:xfrm>
+          <a:off x="2057402" y="2214704"/>
+          <a:ext cx="1467663" cy="880597"/>
+        </a:xfrm>
+        <a:prstGeom prst="roundRect">
+          <a:avLst>
+            <a:gd name="adj" fmla="val 10000"/>
+          </a:avLst>
+        </a:prstGeom>
+        <a:solidFill>
+          <a:schemeClr val="accent2">
+            <a:hueOff val="0"/>
+            <a:satOff val="0"/>
+            <a:lumOff val="0"/>
+            <a:alphaOff val="0"/>
+          </a:schemeClr>
+        </a:solidFill>
+        <a:ln w="12700" cap="flat" cmpd="sng" algn="ctr">
+          <a:solidFill>
+            <a:schemeClr val="lt1">
+              <a:hueOff val="0"/>
+              <a:satOff val="0"/>
+              <a:lumOff val="0"/>
+              <a:alphaOff val="0"/>
+            </a:schemeClr>
+          </a:solidFill>
+          <a:prstDash val="solid"/>
+          <a:miter lim="800000"/>
+        </a:ln>
+        <a:effectLst/>
+      </dsp:spPr>
+      <dsp:style>
+        <a:lnRef idx="2">
+          <a:scrgbClr r="0" g="0" b="0"/>
+        </a:lnRef>
+        <a:fillRef idx="1">
+          <a:scrgbClr r="0" g="0" b="0"/>
+        </a:fillRef>
+        <a:effectRef idx="0">
+          <a:scrgbClr r="0" g="0" b="0"/>
+        </a:effectRef>
+        <a:fontRef idx="minor">
+          <a:schemeClr val="lt1"/>
+        </a:fontRef>
+      </dsp:style>
+      <dsp:txBody>
+        <a:bodyPr spcFirstLastPara="0" vert="horz" wrap="square" lIns="57150" tIns="57150" rIns="57150" bIns="57150" numCol="1" spcCol="1270" anchor="ctr" anchorCtr="0">
+          <a:noAutofit/>
+        </a:bodyPr>
+        <a:lstStyle/>
+        <a:p>
+          <a:pPr marL="0" lvl="0" indent="0" algn="ctr" defTabSz="666750">
+            <a:lnSpc>
+              <a:spcPct val="90000"/>
+            </a:lnSpc>
+            <a:spcBef>
+              <a:spcPct val="0"/>
+            </a:spcBef>
+            <a:spcAft>
+              <a:spcPct val="35000"/>
+            </a:spcAft>
+            <a:buNone/>
+          </a:pPr>
+          <a:r>
+            <a:rPr lang="en-US" sz="1500" kern="1200" dirty="0"/>
+            <a:t>Define/Find resources</a:t>
+          </a:r>
+        </a:p>
+      </dsp:txBody>
+      <dsp:txXfrm>
+        <a:off x="2083194" y="2240496"/>
+        <a:ext cx="1416079" cy="829013"/>
+      </dsp:txXfrm>
+    </dsp:sp>
+    <dsp:sp modelId="{004BA20A-F441-4062-9C6D-28CD53A7A010}">
+      <dsp:nvSpPr>
+        <dsp:cNvPr id="0" name=""/>
+        <dsp:cNvSpPr/>
+      </dsp:nvSpPr>
+      <dsp:spPr>
+        <a:xfrm rot="340433">
+          <a:off x="3672843" y="2576325"/>
+          <a:ext cx="316483" cy="363980"/>
+        </a:xfrm>
+        <a:prstGeom prst="rightArrow">
+          <a:avLst>
+            <a:gd name="adj1" fmla="val 60000"/>
+            <a:gd name="adj2" fmla="val 50000"/>
+          </a:avLst>
+        </a:prstGeom>
+        <a:solidFill>
+          <a:schemeClr val="accent2">
+            <a:tint val="60000"/>
+            <a:hueOff val="0"/>
+            <a:satOff val="0"/>
+            <a:lumOff val="0"/>
+            <a:alphaOff val="0"/>
+          </a:schemeClr>
+        </a:solidFill>
+        <a:ln>
+          <a:noFill/>
+        </a:ln>
+        <a:effectLst/>
+      </dsp:spPr>
+      <dsp:style>
+        <a:lnRef idx="0">
+          <a:scrgbClr r="0" g="0" b="0"/>
+        </a:lnRef>
+        <a:fillRef idx="1">
+          <a:scrgbClr r="0" g="0" b="0"/>
+        </a:fillRef>
+        <a:effectRef idx="0">
+          <a:scrgbClr r="0" g="0" b="0"/>
+        </a:effectRef>
+        <a:fontRef idx="minor">
+          <a:schemeClr val="lt1"/>
+        </a:fontRef>
+      </dsp:style>
+      <dsp:txBody>
+        <a:bodyPr spcFirstLastPara="0" vert="horz" wrap="square" lIns="0" tIns="0" rIns="0" bIns="0" numCol="1" spcCol="1270" anchor="ctr" anchorCtr="0">
+          <a:noAutofit/>
+        </a:bodyPr>
+        <a:lstStyle/>
+        <a:p>
+          <a:pPr marL="0" lvl="0" indent="0" algn="ctr" defTabSz="533400">
+            <a:lnSpc>
+              <a:spcPct val="90000"/>
+            </a:lnSpc>
+            <a:spcBef>
+              <a:spcPct val="0"/>
+            </a:spcBef>
+            <a:spcAft>
+              <a:spcPct val="35000"/>
+            </a:spcAft>
+            <a:buNone/>
+          </a:pPr>
+          <a:endParaRPr lang="en-US" sz="1200" kern="1200"/>
+        </a:p>
+      </dsp:txBody>
+      <dsp:txXfrm>
+        <a:off x="3673076" y="2644428"/>
+        <a:ext cx="221538" cy="218388"/>
+      </dsp:txXfrm>
+    </dsp:sp>
+    <dsp:sp modelId="{3BC3E0F5-B11A-4811-9FA5-E7A9DC563358}">
+      <dsp:nvSpPr>
+        <dsp:cNvPr id="0" name=""/>
+        <dsp:cNvSpPr/>
+      </dsp:nvSpPr>
+      <dsp:spPr>
+        <a:xfrm>
+          <a:off x="4119277" y="2419558"/>
+          <a:ext cx="1467663" cy="880597"/>
+        </a:xfrm>
+        <a:prstGeom prst="roundRect">
+          <a:avLst>
+            <a:gd name="adj" fmla="val 10000"/>
+          </a:avLst>
+        </a:prstGeom>
+        <a:solidFill>
+          <a:schemeClr val="accent2">
+            <a:hueOff val="0"/>
+            <a:satOff val="0"/>
+            <a:lumOff val="0"/>
+            <a:alphaOff val="0"/>
+          </a:schemeClr>
+        </a:solidFill>
+        <a:ln w="12700" cap="flat" cmpd="sng" algn="ctr">
+          <a:solidFill>
+            <a:schemeClr val="lt1">
+              <a:hueOff val="0"/>
+              <a:satOff val="0"/>
+              <a:lumOff val="0"/>
+              <a:alphaOff val="0"/>
+            </a:schemeClr>
+          </a:solidFill>
+          <a:prstDash val="solid"/>
+          <a:miter lim="800000"/>
+        </a:ln>
+        <a:effectLst/>
+      </dsp:spPr>
+      <dsp:style>
+        <a:lnRef idx="2">
+          <a:scrgbClr r="0" g="0" b="0"/>
+        </a:lnRef>
+        <a:fillRef idx="1">
+          <a:scrgbClr r="0" g="0" b="0"/>
+        </a:fillRef>
+        <a:effectRef idx="0">
+          <a:scrgbClr r="0" g="0" b="0"/>
+        </a:effectRef>
+        <a:fontRef idx="minor">
+          <a:schemeClr val="lt1"/>
+        </a:fontRef>
+      </dsp:style>
+      <dsp:txBody>
+        <a:bodyPr spcFirstLastPara="0" vert="horz" wrap="square" lIns="57150" tIns="57150" rIns="57150" bIns="57150" numCol="1" spcCol="1270" anchor="ctr" anchorCtr="0">
+          <a:noAutofit/>
+        </a:bodyPr>
+        <a:lstStyle/>
+        <a:p>
+          <a:pPr marL="0" lvl="0" indent="0" algn="ctr" defTabSz="666750">
+            <a:lnSpc>
+              <a:spcPct val="90000"/>
+            </a:lnSpc>
+            <a:spcBef>
+              <a:spcPct val="0"/>
+            </a:spcBef>
+            <a:spcAft>
+              <a:spcPct val="35000"/>
+            </a:spcAft>
+            <a:buNone/>
+          </a:pPr>
+          <a:r>
+            <a:rPr lang="en-US" sz="1500" kern="1200" dirty="0"/>
             <a:t>Craft your first demo</a:t>
           </a:r>
         </a:p>
       </dsp:txBody>
       <dsp:txXfrm>
-        <a:off x="4704833" y="1801200"/>
-        <a:ext cx="1609217" cy="942082"/>
+        <a:off x="4145069" y="2445350"/>
+        <a:ext cx="1416079" cy="829013"/>
       </dsp:txXfrm>
     </dsp:sp>
   </dsp:spTree>
@@ -17911,7 +17912,7 @@
           <a:p>
             <a:fld id="{59088EAF-6ECA-4616-85EF-35AA19C641F3}" type="datetimeFigureOut">
               <a:rPr lang="en-US"/>
-              <a:t>9/16/2016</a:t>
+              <a:t>9/21/2016</a:t>
             </a:fld>
             <a:endParaRPr/>
           </a:p>
@@ -18076,7 +18077,7 @@
           <a:p>
             <a:fld id="{3ABD2D7A-D230-4F91-BD59-0A39C2703BA8}" type="datetimeFigureOut">
               <a:rPr lang="en-US"/>
-              <a:t>9/16/2016</a:t>
+              <a:t>9/21/2016</a:t>
             </a:fld>
             <a:endParaRPr/>
           </a:p>
@@ -18488,7 +18489,7 @@
           <a:p>
             <a:fld id="{43BAF7D2-47D3-439E-B818-706FF392AEFA}" type="datetimeFigureOut">
               <a:rPr lang="en-IN" smtClean="0"/>
-              <a:t>16-09-2016</a:t>
+              <a:t>21-09-2016</a:t>
             </a:fld>
             <a:endParaRPr lang="en-IN"/>
           </a:p>
@@ -18658,7 +18659,7 @@
           <a:p>
             <a:fld id="{43BAF7D2-47D3-439E-B818-706FF392AEFA}" type="datetimeFigureOut">
               <a:rPr lang="en-IN" smtClean="0"/>
-              <a:t>16-09-2016</a:t>
+              <a:t>21-09-2016</a:t>
             </a:fld>
             <a:endParaRPr lang="en-IN"/>
           </a:p>
@@ -18838,7 +18839,7 @@
           <a:p>
             <a:fld id="{43BAF7D2-47D3-439E-B818-706FF392AEFA}" type="datetimeFigureOut">
               <a:rPr lang="en-IN" smtClean="0"/>
-              <a:t>16-09-2016</a:t>
+              <a:t>21-09-2016</a:t>
             </a:fld>
             <a:endParaRPr lang="en-IN"/>
           </a:p>
@@ -19144,7 +19145,7 @@
           <a:p>
             <a:fld id="{43BAF7D2-47D3-439E-B818-706FF392AEFA}" type="datetimeFigureOut">
               <a:rPr lang="en-IN" smtClean="0"/>
-              <a:t>16-09-2016</a:t>
+              <a:t>21-09-2016</a:t>
             </a:fld>
             <a:endParaRPr lang="en-IN"/>
           </a:p>
@@ -19511,7 +19512,7 @@
           <a:p>
             <a:fld id="{43BAF7D2-47D3-439E-B818-706FF392AEFA}" type="datetimeFigureOut">
               <a:rPr lang="en-IN" smtClean="0"/>
-              <a:t>16-09-2016</a:t>
+              <a:t>21-09-2016</a:t>
             </a:fld>
             <a:endParaRPr lang="en-IN"/>
           </a:p>
@@ -19629,7 +19630,7 @@
           <a:p>
             <a:fld id="{43BAF7D2-47D3-439E-B818-706FF392AEFA}" type="datetimeFigureOut">
               <a:rPr lang="en-IN" smtClean="0"/>
-              <a:t>16-09-2016</a:t>
+              <a:t>21-09-2016</a:t>
             </a:fld>
             <a:endParaRPr lang="en-IN"/>
           </a:p>
@@ -19724,7 +19725,7 @@
           <a:p>
             <a:fld id="{43BAF7D2-47D3-439E-B818-706FF392AEFA}" type="datetimeFigureOut">
               <a:rPr lang="en-IN" smtClean="0"/>
-              <a:t>16-09-2016</a:t>
+              <a:t>21-09-2016</a:t>
             </a:fld>
             <a:endParaRPr lang="en-IN"/>
           </a:p>
@@ -20001,7 +20002,7 @@
           <a:p>
             <a:fld id="{43BAF7D2-47D3-439E-B818-706FF392AEFA}" type="datetimeFigureOut">
               <a:rPr lang="en-IN" smtClean="0"/>
-              <a:t>16-09-2016</a:t>
+              <a:t>21-09-2016</a:t>
             </a:fld>
             <a:endParaRPr lang="en-IN"/>
           </a:p>
@@ -20258,7 +20259,7 @@
           <a:p>
             <a:fld id="{43BAF7D2-47D3-439E-B818-706FF392AEFA}" type="datetimeFigureOut">
               <a:rPr lang="en-IN" smtClean="0"/>
-              <a:t>16-09-2016</a:t>
+              <a:t>21-09-2016</a:t>
             </a:fld>
             <a:endParaRPr lang="en-IN"/>
           </a:p>
@@ -20480,7 +20481,7 @@
           <a:p>
             <a:fld id="{43BAF7D2-47D3-439E-B818-706FF392AEFA}" type="datetimeFigureOut">
               <a:rPr lang="en-IN" smtClean="0"/>
-              <a:t>16-09-2016</a:t>
+              <a:t>21-09-2016</a:t>
             </a:fld>
             <a:endParaRPr lang="en-IN"/>
           </a:p>
@@ -20993,6 +20994,768 @@
 </file>
 
 <file path=ppt/slides/slide10.xml><?xml version="1.0" encoding="utf-8"?>
+<p:sld xmlns:a="http://schemas.openxmlformats.org/drawingml/2006/main" xmlns:r="http://schemas.openxmlformats.org/officeDocument/2006/relationships" xmlns:p="http://schemas.openxmlformats.org/presentationml/2006/main" show="0">
+  <p:cSld>
+    <p:spTree>
+      <p:nvGrpSpPr>
+        <p:cNvPr id="1" name=""/>
+        <p:cNvGrpSpPr/>
+        <p:nvPr/>
+      </p:nvGrpSpPr>
+      <p:grpSpPr>
+        <a:xfrm>
+          <a:off x="0" y="0"/>
+          <a:ext cx="0" cy="0"/>
+          <a:chOff x="0" y="0"/>
+          <a:chExt cx="0" cy="0"/>
+        </a:xfrm>
+      </p:grpSpPr>
+      <p:sp>
+        <p:nvSpPr>
+          <p:cNvPr id="6" name="Title 1"/>
+          <p:cNvSpPr txBox="1">
+            <a:spLocks/>
+          </p:cNvSpPr>
+          <p:nvPr/>
+        </p:nvSpPr>
+        <p:spPr>
+          <a:xfrm>
+            <a:off x="244634" y="893"/>
+            <a:ext cx="10789459" cy="1363224"/>
+          </a:xfrm>
+          <a:prstGeom prst="rect">
+            <a:avLst/>
+          </a:prstGeom>
+        </p:spPr>
+        <p:txBody>
+          <a:bodyPr vert="horz" lIns="91416" tIns="45708" rIns="91416" bIns="45708" rtlCol="0" anchor="ctr">
+            <a:normAutofit/>
+          </a:bodyPr>
+          <a:lstStyle>
+            <a:lvl1pPr algn="ctr" defTabSz="914400" rtl="0" eaLnBrk="1" latinLnBrk="0" hangingPunct="1">
+              <a:lnSpc>
+                <a:spcPct val="90000"/>
+              </a:lnSpc>
+              <a:spcBef>
+                <a:spcPct val="0"/>
+              </a:spcBef>
+              <a:buNone/>
+              <a:defRPr sz="6000" kern="1200">
+                <a:solidFill>
+                  <a:schemeClr val="tx1"/>
+                </a:solidFill>
+                <a:latin typeface="+mj-lt"/>
+                <a:ea typeface="+mj-ea"/>
+                <a:cs typeface="+mj-cs"/>
+              </a:defRPr>
+            </a:lvl1pPr>
+          </a:lstStyle>
+          <a:p>
+            <a:pPr algn="l" defTabSz="914126"/>
+            <a:r>
+              <a:rPr lang="en-IN" sz="4400" b="1" dirty="0">
+                <a:solidFill>
+                  <a:srgbClr val="FFFF00"/>
+                </a:solidFill>
+                <a:latin typeface="Adobe Clean" panose="020B0503020404020204" pitchFamily="34" charset="0"/>
+              </a:rPr>
+              <a:t>Software Architect vs Building Architect</a:t>
+            </a:r>
+          </a:p>
+        </p:txBody>
+      </p:sp>
+      <p:sp>
+        <p:nvSpPr>
+          <p:cNvPr id="7" name="Content Placeholder 2"/>
+          <p:cNvSpPr txBox="1">
+            <a:spLocks/>
+          </p:cNvSpPr>
+          <p:nvPr/>
+        </p:nvSpPr>
+        <p:spPr>
+          <a:xfrm>
+            <a:off x="1598613" y="1866900"/>
+            <a:ext cx="4419599" cy="571500"/>
+          </a:xfrm>
+          <a:prstGeom prst="rect">
+            <a:avLst/>
+          </a:prstGeom>
+        </p:spPr>
+        <p:txBody>
+          <a:bodyPr vert="horz" lIns="91440" tIns="45720" rIns="91440" bIns="45720" rtlCol="0">
+            <a:normAutofit fontScale="85000" lnSpcReduction="20000"/>
+          </a:bodyPr>
+          <a:lstStyle>
+            <a:lvl1pPr marL="0" indent="0" algn="ctr" defTabSz="914126" rtl="0" eaLnBrk="1" latinLnBrk="0" hangingPunct="1">
+              <a:lnSpc>
+                <a:spcPct val="90000"/>
+              </a:lnSpc>
+              <a:spcBef>
+                <a:spcPts val="1000"/>
+              </a:spcBef>
+              <a:buFont typeface="Arial" panose="020B0604020202020204" pitchFamily="34" charset="0"/>
+              <a:buNone/>
+              <a:defRPr sz="2399" kern="1200">
+                <a:solidFill>
+                  <a:schemeClr val="tx1"/>
+                </a:solidFill>
+                <a:latin typeface="+mn-lt"/>
+                <a:ea typeface="+mn-ea"/>
+                <a:cs typeface="+mn-cs"/>
+              </a:defRPr>
+            </a:lvl1pPr>
+            <a:lvl2pPr marL="457063" indent="0" algn="ctr" defTabSz="914126" rtl="0" eaLnBrk="1" latinLnBrk="0" hangingPunct="1">
+              <a:lnSpc>
+                <a:spcPct val="90000"/>
+              </a:lnSpc>
+              <a:spcBef>
+                <a:spcPts val="500"/>
+              </a:spcBef>
+              <a:buFont typeface="Arial" panose="020B0604020202020204" pitchFamily="34" charset="0"/>
+              <a:buNone/>
+              <a:defRPr sz="1999" kern="1200">
+                <a:solidFill>
+                  <a:schemeClr val="tx1"/>
+                </a:solidFill>
+                <a:latin typeface="+mn-lt"/>
+                <a:ea typeface="+mn-ea"/>
+                <a:cs typeface="+mn-cs"/>
+              </a:defRPr>
+            </a:lvl2pPr>
+            <a:lvl3pPr marL="914126" indent="0" algn="ctr" defTabSz="914126" rtl="0" eaLnBrk="1" latinLnBrk="0" hangingPunct="1">
+              <a:lnSpc>
+                <a:spcPct val="90000"/>
+              </a:lnSpc>
+              <a:spcBef>
+                <a:spcPts val="500"/>
+              </a:spcBef>
+              <a:buFont typeface="Arial" panose="020B0604020202020204" pitchFamily="34" charset="0"/>
+              <a:buNone/>
+              <a:defRPr sz="1799" kern="1200">
+                <a:solidFill>
+                  <a:schemeClr val="tx1"/>
+                </a:solidFill>
+                <a:latin typeface="+mn-lt"/>
+                <a:ea typeface="+mn-ea"/>
+                <a:cs typeface="+mn-cs"/>
+              </a:defRPr>
+            </a:lvl3pPr>
+            <a:lvl4pPr marL="1371189" indent="0" algn="ctr" defTabSz="914126" rtl="0" eaLnBrk="1" latinLnBrk="0" hangingPunct="1">
+              <a:lnSpc>
+                <a:spcPct val="90000"/>
+              </a:lnSpc>
+              <a:spcBef>
+                <a:spcPts val="500"/>
+              </a:spcBef>
+              <a:buFont typeface="Arial" panose="020B0604020202020204" pitchFamily="34" charset="0"/>
+              <a:buNone/>
+              <a:defRPr sz="1600" kern="1200">
+                <a:solidFill>
+                  <a:schemeClr val="tx1"/>
+                </a:solidFill>
+                <a:latin typeface="+mn-lt"/>
+                <a:ea typeface="+mn-ea"/>
+                <a:cs typeface="+mn-cs"/>
+              </a:defRPr>
+            </a:lvl4pPr>
+            <a:lvl5pPr marL="1828251" indent="0" algn="ctr" defTabSz="914126" rtl="0" eaLnBrk="1" latinLnBrk="0" hangingPunct="1">
+              <a:lnSpc>
+                <a:spcPct val="90000"/>
+              </a:lnSpc>
+              <a:spcBef>
+                <a:spcPts val="500"/>
+              </a:spcBef>
+              <a:buFont typeface="Arial" panose="020B0604020202020204" pitchFamily="34" charset="0"/>
+              <a:buNone/>
+              <a:defRPr sz="1600" kern="1200">
+                <a:solidFill>
+                  <a:schemeClr val="tx1"/>
+                </a:solidFill>
+                <a:latin typeface="+mn-lt"/>
+                <a:ea typeface="+mn-ea"/>
+                <a:cs typeface="+mn-cs"/>
+              </a:defRPr>
+            </a:lvl5pPr>
+            <a:lvl6pPr marL="2285314" indent="0" algn="ctr" defTabSz="914126" rtl="0" eaLnBrk="1" latinLnBrk="0" hangingPunct="1">
+              <a:lnSpc>
+                <a:spcPct val="90000"/>
+              </a:lnSpc>
+              <a:spcBef>
+                <a:spcPts val="500"/>
+              </a:spcBef>
+              <a:buFont typeface="Arial" panose="020B0604020202020204" pitchFamily="34" charset="0"/>
+              <a:buNone/>
+              <a:defRPr sz="1600" kern="1200">
+                <a:solidFill>
+                  <a:schemeClr val="tx1"/>
+                </a:solidFill>
+                <a:latin typeface="+mn-lt"/>
+                <a:ea typeface="+mn-ea"/>
+                <a:cs typeface="+mn-cs"/>
+              </a:defRPr>
+            </a:lvl6pPr>
+            <a:lvl7pPr marL="2742377" indent="0" algn="ctr" defTabSz="914126" rtl="0" eaLnBrk="1" latinLnBrk="0" hangingPunct="1">
+              <a:lnSpc>
+                <a:spcPct val="90000"/>
+              </a:lnSpc>
+              <a:spcBef>
+                <a:spcPts val="500"/>
+              </a:spcBef>
+              <a:buFont typeface="Arial" panose="020B0604020202020204" pitchFamily="34" charset="0"/>
+              <a:buNone/>
+              <a:defRPr sz="1600" kern="1200">
+                <a:solidFill>
+                  <a:schemeClr val="tx1"/>
+                </a:solidFill>
+                <a:latin typeface="+mn-lt"/>
+                <a:ea typeface="+mn-ea"/>
+                <a:cs typeface="+mn-cs"/>
+              </a:defRPr>
+            </a:lvl7pPr>
+            <a:lvl8pPr marL="3199440" indent="0" algn="ctr" defTabSz="914126" rtl="0" eaLnBrk="1" latinLnBrk="0" hangingPunct="1">
+              <a:lnSpc>
+                <a:spcPct val="90000"/>
+              </a:lnSpc>
+              <a:spcBef>
+                <a:spcPts val="500"/>
+              </a:spcBef>
+              <a:buFont typeface="Arial" panose="020B0604020202020204" pitchFamily="34" charset="0"/>
+              <a:buNone/>
+              <a:defRPr sz="1600" kern="1200">
+                <a:solidFill>
+                  <a:schemeClr val="tx1"/>
+                </a:solidFill>
+                <a:latin typeface="+mn-lt"/>
+                <a:ea typeface="+mn-ea"/>
+                <a:cs typeface="+mn-cs"/>
+              </a:defRPr>
+            </a:lvl8pPr>
+            <a:lvl9pPr marL="3656503" indent="0" algn="ctr" defTabSz="914126" rtl="0" eaLnBrk="1" latinLnBrk="0" hangingPunct="1">
+              <a:lnSpc>
+                <a:spcPct val="90000"/>
+              </a:lnSpc>
+              <a:spcBef>
+                <a:spcPts val="500"/>
+              </a:spcBef>
+              <a:buFont typeface="Arial" panose="020B0604020202020204" pitchFamily="34" charset="0"/>
+              <a:buNone/>
+              <a:defRPr sz="1600" kern="1200">
+                <a:solidFill>
+                  <a:schemeClr val="tx1"/>
+                </a:solidFill>
+                <a:latin typeface="+mn-lt"/>
+                <a:ea typeface="+mn-ea"/>
+                <a:cs typeface="+mn-cs"/>
+              </a:defRPr>
+            </a:lvl9pPr>
+          </a:lstStyle>
+          <a:p>
+            <a:pPr algn="l"/>
+            <a:r>
+              <a:rPr lang="en-US" sz="2800" b="1" dirty="0"/>
+              <a:t>Building room floor plan</a:t>
+            </a:r>
+            <a:br>
+              <a:rPr lang="en-US" dirty="0"/>
+            </a:br>
+            <a:endParaRPr lang="en-US" dirty="0"/>
+          </a:p>
+        </p:txBody>
+      </p:sp>
+      <p:sp>
+        <p:nvSpPr>
+          <p:cNvPr id="8" name="Content Placeholder 3"/>
+          <p:cNvSpPr txBox="1">
+            <a:spLocks/>
+          </p:cNvSpPr>
+          <p:nvPr/>
+        </p:nvSpPr>
+        <p:spPr>
+          <a:xfrm>
+            <a:off x="6246812" y="1857292"/>
+            <a:ext cx="4419600" cy="581108"/>
+          </a:xfrm>
+          <a:prstGeom prst="rect">
+            <a:avLst/>
+          </a:prstGeom>
+        </p:spPr>
+        <p:txBody>
+          <a:bodyPr/>
+          <a:lstStyle>
+            <a:lvl1pPr marL="228531" indent="-228531" algn="l" defTabSz="914126" rtl="0" eaLnBrk="1" latinLnBrk="0" hangingPunct="1">
+              <a:lnSpc>
+                <a:spcPct val="90000"/>
+              </a:lnSpc>
+              <a:spcBef>
+                <a:spcPts val="1000"/>
+              </a:spcBef>
+              <a:buFont typeface="Arial" panose="020B0604020202020204" pitchFamily="34" charset="0"/>
+              <a:buChar char="•"/>
+              <a:defRPr sz="2799" kern="1200">
+                <a:solidFill>
+                  <a:schemeClr val="tx1"/>
+                </a:solidFill>
+                <a:latin typeface="+mn-lt"/>
+                <a:ea typeface="+mn-ea"/>
+                <a:cs typeface="+mn-cs"/>
+              </a:defRPr>
+            </a:lvl1pPr>
+            <a:lvl2pPr marL="685594" indent="-228531" algn="l" defTabSz="914126" rtl="0" eaLnBrk="1" latinLnBrk="0" hangingPunct="1">
+              <a:lnSpc>
+                <a:spcPct val="90000"/>
+              </a:lnSpc>
+              <a:spcBef>
+                <a:spcPts val="500"/>
+              </a:spcBef>
+              <a:buFont typeface="Arial" panose="020B0604020202020204" pitchFamily="34" charset="0"/>
+              <a:buChar char="•"/>
+              <a:defRPr sz="2399" kern="1200">
+                <a:solidFill>
+                  <a:schemeClr val="tx1"/>
+                </a:solidFill>
+                <a:latin typeface="+mn-lt"/>
+                <a:ea typeface="+mn-ea"/>
+                <a:cs typeface="+mn-cs"/>
+              </a:defRPr>
+            </a:lvl2pPr>
+            <a:lvl3pPr marL="1142657" indent="-228531" algn="l" defTabSz="914126" rtl="0" eaLnBrk="1" latinLnBrk="0" hangingPunct="1">
+              <a:lnSpc>
+                <a:spcPct val="90000"/>
+              </a:lnSpc>
+              <a:spcBef>
+                <a:spcPts val="500"/>
+              </a:spcBef>
+              <a:buFont typeface="Arial" panose="020B0604020202020204" pitchFamily="34" charset="0"/>
+              <a:buChar char="•"/>
+              <a:defRPr sz="1999" kern="1200">
+                <a:solidFill>
+                  <a:schemeClr val="tx1"/>
+                </a:solidFill>
+                <a:latin typeface="+mn-lt"/>
+                <a:ea typeface="+mn-ea"/>
+                <a:cs typeface="+mn-cs"/>
+              </a:defRPr>
+            </a:lvl3pPr>
+            <a:lvl4pPr marL="1599720" indent="-228531" algn="l" defTabSz="914126" rtl="0" eaLnBrk="1" latinLnBrk="0" hangingPunct="1">
+              <a:lnSpc>
+                <a:spcPct val="90000"/>
+              </a:lnSpc>
+              <a:spcBef>
+                <a:spcPts val="500"/>
+              </a:spcBef>
+              <a:buFont typeface="Arial" panose="020B0604020202020204" pitchFamily="34" charset="0"/>
+              <a:buChar char="•"/>
+              <a:defRPr sz="1799" kern="1200">
+                <a:solidFill>
+                  <a:schemeClr val="tx1"/>
+                </a:solidFill>
+                <a:latin typeface="+mn-lt"/>
+                <a:ea typeface="+mn-ea"/>
+                <a:cs typeface="+mn-cs"/>
+              </a:defRPr>
+            </a:lvl4pPr>
+            <a:lvl5pPr marL="2056783" indent="-228531" algn="l" defTabSz="914126" rtl="0" eaLnBrk="1" latinLnBrk="0" hangingPunct="1">
+              <a:lnSpc>
+                <a:spcPct val="90000"/>
+              </a:lnSpc>
+              <a:spcBef>
+                <a:spcPts val="500"/>
+              </a:spcBef>
+              <a:buFont typeface="Arial" panose="020B0604020202020204" pitchFamily="34" charset="0"/>
+              <a:buChar char="•"/>
+              <a:defRPr sz="1799" kern="1200">
+                <a:solidFill>
+                  <a:schemeClr val="tx1"/>
+                </a:solidFill>
+                <a:latin typeface="+mn-lt"/>
+                <a:ea typeface="+mn-ea"/>
+                <a:cs typeface="+mn-cs"/>
+              </a:defRPr>
+            </a:lvl5pPr>
+            <a:lvl6pPr marL="2513846" indent="-228531" algn="l" defTabSz="914126" rtl="0" eaLnBrk="1" latinLnBrk="0" hangingPunct="1">
+              <a:lnSpc>
+                <a:spcPct val="90000"/>
+              </a:lnSpc>
+              <a:spcBef>
+                <a:spcPts val="500"/>
+              </a:spcBef>
+              <a:buFont typeface="Arial" panose="020B0604020202020204" pitchFamily="34" charset="0"/>
+              <a:buChar char="•"/>
+              <a:defRPr sz="1799" kern="1200">
+                <a:solidFill>
+                  <a:schemeClr val="tx1"/>
+                </a:solidFill>
+                <a:latin typeface="+mn-lt"/>
+                <a:ea typeface="+mn-ea"/>
+                <a:cs typeface="+mn-cs"/>
+              </a:defRPr>
+            </a:lvl6pPr>
+            <a:lvl7pPr marL="2970908" indent="-228531" algn="l" defTabSz="914126" rtl="0" eaLnBrk="1" latinLnBrk="0" hangingPunct="1">
+              <a:lnSpc>
+                <a:spcPct val="90000"/>
+              </a:lnSpc>
+              <a:spcBef>
+                <a:spcPts val="500"/>
+              </a:spcBef>
+              <a:buFont typeface="Arial" panose="020B0604020202020204" pitchFamily="34" charset="0"/>
+              <a:buChar char="•"/>
+              <a:defRPr sz="1799" kern="1200">
+                <a:solidFill>
+                  <a:schemeClr val="tx1"/>
+                </a:solidFill>
+                <a:latin typeface="+mn-lt"/>
+                <a:ea typeface="+mn-ea"/>
+                <a:cs typeface="+mn-cs"/>
+              </a:defRPr>
+            </a:lvl7pPr>
+            <a:lvl8pPr marL="3427971" indent="-228531" algn="l" defTabSz="914126" rtl="0" eaLnBrk="1" latinLnBrk="0" hangingPunct="1">
+              <a:lnSpc>
+                <a:spcPct val="90000"/>
+              </a:lnSpc>
+              <a:spcBef>
+                <a:spcPts val="500"/>
+              </a:spcBef>
+              <a:buFont typeface="Arial" panose="020B0604020202020204" pitchFamily="34" charset="0"/>
+              <a:buChar char="•"/>
+              <a:defRPr sz="1799" kern="1200">
+                <a:solidFill>
+                  <a:schemeClr val="tx1"/>
+                </a:solidFill>
+                <a:latin typeface="+mn-lt"/>
+                <a:ea typeface="+mn-ea"/>
+                <a:cs typeface="+mn-cs"/>
+              </a:defRPr>
+            </a:lvl8pPr>
+            <a:lvl9pPr marL="3885034" indent="-228531" algn="l" defTabSz="914126" rtl="0" eaLnBrk="1" latinLnBrk="0" hangingPunct="1">
+              <a:lnSpc>
+                <a:spcPct val="90000"/>
+              </a:lnSpc>
+              <a:spcBef>
+                <a:spcPts val="500"/>
+              </a:spcBef>
+              <a:buFont typeface="Arial" panose="020B0604020202020204" pitchFamily="34" charset="0"/>
+              <a:buChar char="•"/>
+              <a:defRPr sz="1799" kern="1200">
+                <a:solidFill>
+                  <a:schemeClr val="tx1"/>
+                </a:solidFill>
+                <a:latin typeface="+mn-lt"/>
+                <a:ea typeface="+mn-ea"/>
+                <a:cs typeface="+mn-cs"/>
+              </a:defRPr>
+            </a:lvl9pPr>
+          </a:lstStyle>
+          <a:p>
+            <a:pPr marL="0" indent="0">
+              <a:buNone/>
+            </a:pPr>
+            <a:r>
+              <a:rPr lang="en-US" sz="2400" b="1" dirty="0"/>
+              <a:t>Application servers diagram</a:t>
+            </a:r>
+          </a:p>
+        </p:txBody>
+      </p:sp>
+      <p:pic>
+        <p:nvPicPr>
+          <p:cNvPr id="11" name="Picture 10"/>
+          <p:cNvPicPr>
+            <a:picLocks noChangeAspect="1"/>
+          </p:cNvPicPr>
+          <p:nvPr/>
+        </p:nvPicPr>
+        <p:blipFill>
+          <a:blip r:embed="rId2">
+            <a:extLst>
+              <a:ext uri="{28A0092B-C50C-407E-A947-70E740481C1C}">
+                <a14:useLocalDpi xmlns:a14="http://schemas.microsoft.com/office/drawing/2010/main" val="0"/>
+              </a:ext>
+            </a:extLst>
+          </a:blip>
+          <a:stretch>
+            <a:fillRect/>
+          </a:stretch>
+        </p:blipFill>
+        <p:spPr>
+          <a:xfrm>
+            <a:off x="1419451" y="2324100"/>
+            <a:ext cx="4011837" cy="3276600"/>
+          </a:xfrm>
+          <a:prstGeom prst="rect">
+            <a:avLst/>
+          </a:prstGeom>
+        </p:spPr>
+      </p:pic>
+      <p:pic>
+        <p:nvPicPr>
+          <p:cNvPr id="12" name="Picture 11"/>
+          <p:cNvPicPr>
+            <a:picLocks noChangeAspect="1"/>
+          </p:cNvPicPr>
+          <p:nvPr/>
+        </p:nvPicPr>
+        <p:blipFill>
+          <a:blip r:embed="rId3">
+            <a:extLst>
+              <a:ext uri="{28A0092B-C50C-407E-A947-70E740481C1C}">
+                <a14:useLocalDpi xmlns:a14="http://schemas.microsoft.com/office/drawing/2010/main" val="0"/>
+              </a:ext>
+            </a:extLst>
+          </a:blip>
+          <a:stretch>
+            <a:fillRect/>
+          </a:stretch>
+        </p:blipFill>
+        <p:spPr>
+          <a:xfrm>
+            <a:off x="6323012" y="2590800"/>
+            <a:ext cx="2913229" cy="3302823"/>
+          </a:xfrm>
+          <a:prstGeom prst="rect">
+            <a:avLst/>
+          </a:prstGeom>
+        </p:spPr>
+      </p:pic>
+    </p:spTree>
+    <p:extLst>
+      <p:ext uri="{BB962C8B-B14F-4D97-AF65-F5344CB8AC3E}">
+        <p14:creationId xmlns:p14="http://schemas.microsoft.com/office/powerpoint/2010/main" val="3032423340"/>
+      </p:ext>
+    </p:extLst>
+  </p:cSld>
+  <p:clrMapOvr>
+    <a:masterClrMapping/>
+  </p:clrMapOvr>
+  <p:timing>
+    <p:tnLst>
+      <p:par>
+        <p:cTn id="1" dur="indefinite" restart="never" nodeType="tmRoot">
+          <p:childTnLst>
+            <p:seq concurrent="1" nextAc="seek">
+              <p:cTn id="2" dur="indefinite" nodeType="mainSeq">
+                <p:childTnLst>
+                  <p:par>
+                    <p:cTn id="3" fill="hold">
+                      <p:stCondLst>
+                        <p:cond delay="indefinite"/>
+                      </p:stCondLst>
+                      <p:childTnLst>
+                        <p:par>
+                          <p:cTn id="4" fill="hold">
+                            <p:stCondLst>
+                              <p:cond delay="0"/>
+                            </p:stCondLst>
+                            <p:childTnLst>
+                              <p:par>
+                                <p:cTn id="5" presetID="10" presetClass="entr" presetSubtype="0" fill="hold" grpId="0" nodeType="clickEffect">
+                                  <p:stCondLst>
+                                    <p:cond delay="0"/>
+                                  </p:stCondLst>
+                                  <p:childTnLst>
+                                    <p:set>
+                                      <p:cBhvr>
+                                        <p:cTn id="6" dur="1" fill="hold">
+                                          <p:stCondLst>
+                                            <p:cond delay="0"/>
+                                          </p:stCondLst>
+                                        </p:cTn>
+                                        <p:tgtEl>
+                                          <p:spTgt spid="7">
+                                            <p:txEl>
+                                              <p:pRg st="0" end="0"/>
+                                            </p:txEl>
+                                          </p:spTgt>
+                                        </p:tgtEl>
+                                        <p:attrNameLst>
+                                          <p:attrName>style.visibility</p:attrName>
+                                        </p:attrNameLst>
+                                      </p:cBhvr>
+                                      <p:to>
+                                        <p:strVal val="visible"/>
+                                      </p:to>
+                                    </p:set>
+                                    <p:animEffect transition="in" filter="fade">
+                                      <p:cBhvr>
+                                        <p:cTn id="7" dur="500"/>
+                                        <p:tgtEl>
+                                          <p:spTgt spid="7">
+                                            <p:txEl>
+                                              <p:pRg st="0" end="0"/>
+                                            </p:txEl>
+                                          </p:spTgt>
+                                        </p:tgtEl>
+                                      </p:cBhvr>
+                                    </p:animEffect>
+                                  </p:childTnLst>
+                                </p:cTn>
+                              </p:par>
+                              <p:par>
+                                <p:cTn id="8" presetID="10" presetClass="entr" presetSubtype="0" fill="hold" nodeType="withEffect">
+                                  <p:stCondLst>
+                                    <p:cond delay="0"/>
+                                  </p:stCondLst>
+                                  <p:childTnLst>
+                                    <p:set>
+                                      <p:cBhvr>
+                                        <p:cTn id="9" dur="1" fill="hold">
+                                          <p:stCondLst>
+                                            <p:cond delay="0"/>
+                                          </p:stCondLst>
+                                        </p:cTn>
+                                        <p:tgtEl>
+                                          <p:spTgt spid="11"/>
+                                        </p:tgtEl>
+                                        <p:attrNameLst>
+                                          <p:attrName>style.visibility</p:attrName>
+                                        </p:attrNameLst>
+                                      </p:cBhvr>
+                                      <p:to>
+                                        <p:strVal val="visible"/>
+                                      </p:to>
+                                    </p:set>
+                                    <p:animEffect transition="in" filter="fade">
+                                      <p:cBhvr>
+                                        <p:cTn id="10" dur="500"/>
+                                        <p:tgtEl>
+                                          <p:spTgt spid="11"/>
+                                        </p:tgtEl>
+                                      </p:cBhvr>
+                                    </p:animEffect>
+                                  </p:childTnLst>
+                                </p:cTn>
+                              </p:par>
+                            </p:childTnLst>
+                          </p:cTn>
+                        </p:par>
+                      </p:childTnLst>
+                    </p:cTn>
+                  </p:par>
+                  <p:par>
+                    <p:cTn id="11" fill="hold">
+                      <p:stCondLst>
+                        <p:cond delay="indefinite"/>
+                      </p:stCondLst>
+                      <p:childTnLst>
+                        <p:par>
+                          <p:cTn id="12" fill="hold">
+                            <p:stCondLst>
+                              <p:cond delay="0"/>
+                            </p:stCondLst>
+                            <p:childTnLst>
+                              <p:par>
+                                <p:cTn id="13" presetID="10" presetClass="entr" presetSubtype="0" fill="hold" grpId="0" nodeType="clickEffect">
+                                  <p:stCondLst>
+                                    <p:cond delay="0"/>
+                                  </p:stCondLst>
+                                  <p:childTnLst>
+                                    <p:set>
+                                      <p:cBhvr>
+                                        <p:cTn id="14" dur="1" fill="hold">
+                                          <p:stCondLst>
+                                            <p:cond delay="0"/>
+                                          </p:stCondLst>
+                                        </p:cTn>
+                                        <p:tgtEl>
+                                          <p:spTgt spid="8">
+                                            <p:txEl>
+                                              <p:pRg st="0" end="0"/>
+                                            </p:txEl>
+                                          </p:spTgt>
+                                        </p:tgtEl>
+                                        <p:attrNameLst>
+                                          <p:attrName>style.visibility</p:attrName>
+                                        </p:attrNameLst>
+                                      </p:cBhvr>
+                                      <p:to>
+                                        <p:strVal val="visible"/>
+                                      </p:to>
+                                    </p:set>
+                                    <p:animEffect transition="in" filter="fade">
+                                      <p:cBhvr>
+                                        <p:cTn id="15" dur="500"/>
+                                        <p:tgtEl>
+                                          <p:spTgt spid="8">
+                                            <p:txEl>
+                                              <p:pRg st="0" end="0"/>
+                                            </p:txEl>
+                                          </p:spTgt>
+                                        </p:tgtEl>
+                                      </p:cBhvr>
+                                    </p:animEffect>
+                                  </p:childTnLst>
+                                </p:cTn>
+                              </p:par>
+                              <p:par>
+                                <p:cTn id="16" presetID="10" presetClass="entr" presetSubtype="0" fill="hold" nodeType="withEffect">
+                                  <p:stCondLst>
+                                    <p:cond delay="0"/>
+                                  </p:stCondLst>
+                                  <p:childTnLst>
+                                    <p:set>
+                                      <p:cBhvr>
+                                        <p:cTn id="17" dur="1" fill="hold">
+                                          <p:stCondLst>
+                                            <p:cond delay="0"/>
+                                          </p:stCondLst>
+                                        </p:cTn>
+                                        <p:tgtEl>
+                                          <p:spTgt spid="12"/>
+                                        </p:tgtEl>
+                                        <p:attrNameLst>
+                                          <p:attrName>style.visibility</p:attrName>
+                                        </p:attrNameLst>
+                                      </p:cBhvr>
+                                      <p:to>
+                                        <p:strVal val="visible"/>
+                                      </p:to>
+                                    </p:set>
+                                    <p:animEffect transition="in" filter="fade">
+                                      <p:cBhvr>
+                                        <p:cTn id="18" dur="500"/>
+                                        <p:tgtEl>
+                                          <p:spTgt spid="12"/>
+                                        </p:tgtEl>
+                                      </p:cBhvr>
+                                    </p:animEffect>
+                                  </p:childTnLst>
+                                </p:cTn>
+                              </p:par>
+                            </p:childTnLst>
+                          </p:cTn>
+                        </p:par>
+                      </p:childTnLst>
+                    </p:cTn>
+                  </p:par>
+                </p:childTnLst>
+              </p:cTn>
+              <p:prevCondLst>
+                <p:cond evt="onPrev" delay="0">
+                  <p:tgtEl>
+                    <p:sldTgt/>
+                  </p:tgtEl>
+                </p:cond>
+              </p:prevCondLst>
+              <p:nextCondLst>
+                <p:cond evt="onNext" delay="0">
+                  <p:tgtEl>
+                    <p:sldTgt/>
+                  </p:tgtEl>
+                </p:cond>
+              </p:nextCondLst>
+            </p:seq>
+          </p:childTnLst>
+        </p:cTn>
+      </p:par>
+    </p:tnLst>
+    <p:bldLst>
+      <p:bldP spid="7" grpId="0" build="p"/>
+      <p:bldP spid="8" grpId="0" build="p"/>
+    </p:bldLst>
+  </p:timing>
+</p:sld>
+</file>
+
+<file path=ppt/slides/slide11.xml><?xml version="1.0" encoding="utf-8"?>
 <p:sld xmlns:a="http://schemas.openxmlformats.org/drawingml/2006/main" xmlns:r="http://schemas.openxmlformats.org/officeDocument/2006/relationships" xmlns:p="http://schemas.openxmlformats.org/presentationml/2006/main">
   <p:cSld>
     <p:spTree>
@@ -21176,7 +21939,7 @@
 </p:sld>
 </file>
 
-<file path=ppt/slides/slide11.xml><?xml version="1.0" encoding="utf-8"?>
+<file path=ppt/slides/slide12.xml><?xml version="1.0" encoding="utf-8"?>
 <p:sld xmlns:a="http://schemas.openxmlformats.org/drawingml/2006/main" xmlns:r="http://schemas.openxmlformats.org/officeDocument/2006/relationships" xmlns:p="http://schemas.openxmlformats.org/presentationml/2006/main">
   <p:cSld>
     <p:spTree>
@@ -21982,7 +22745,7 @@
 </p:sld>
 </file>
 
-<file path=ppt/slides/slide12.xml><?xml version="1.0" encoding="utf-8"?>
+<file path=ppt/slides/slide13.xml><?xml version="1.0" encoding="utf-8"?>
 <p:sld xmlns:a="http://schemas.openxmlformats.org/drawingml/2006/main" xmlns:r="http://schemas.openxmlformats.org/officeDocument/2006/relationships" xmlns:p="http://schemas.openxmlformats.org/presentationml/2006/main" show="0">
   <p:cSld>
     <p:spTree>
@@ -22707,7 +23470,7 @@
 </p:sld>
 </file>
 
-<file path=ppt/slides/slide13.xml><?xml version="1.0" encoding="utf-8"?>
+<file path=ppt/slides/slide14.xml><?xml version="1.0" encoding="utf-8"?>
 <p:sld xmlns:a="http://schemas.openxmlformats.org/drawingml/2006/main" xmlns:r="http://schemas.openxmlformats.org/officeDocument/2006/relationships" xmlns:p="http://schemas.openxmlformats.org/presentationml/2006/main">
   <p:cSld>
     <p:spTree>
@@ -23702,7 +24465,7 @@
 </p:sld>
 </file>
 
-<file path=ppt/slides/slide14.xml><?xml version="1.0" encoding="utf-8"?>
+<file path=ppt/slides/slide15.xml><?xml version="1.0" encoding="utf-8"?>
 <p:sld xmlns:a="http://schemas.openxmlformats.org/drawingml/2006/main" xmlns:r="http://schemas.openxmlformats.org/officeDocument/2006/relationships" xmlns:p="http://schemas.openxmlformats.org/presentationml/2006/main">
   <p:cSld>
     <p:spTree>
@@ -23860,7 +24623,7 @@
 </p:sld>
 </file>
 
-<file path=ppt/slides/slide15.xml><?xml version="1.0" encoding="utf-8"?>
+<file path=ppt/slides/slide16.xml><?xml version="1.0" encoding="utf-8"?>
 <p:sld xmlns:a="http://schemas.openxmlformats.org/drawingml/2006/main" xmlns:r="http://schemas.openxmlformats.org/officeDocument/2006/relationships" xmlns:p="http://schemas.openxmlformats.org/presentationml/2006/main">
   <p:cSld>
     <p:spTree>
@@ -24449,7 +25212,7 @@
 </p:sld>
 </file>
 
-<file path=ppt/slides/slide16.xml><?xml version="1.0" encoding="utf-8"?>
+<file path=ppt/slides/slide17.xml><?xml version="1.0" encoding="utf-8"?>
 <p:sld xmlns:a="http://schemas.openxmlformats.org/drawingml/2006/main" xmlns:r="http://schemas.openxmlformats.org/officeDocument/2006/relationships" xmlns:p="http://schemas.openxmlformats.org/presentationml/2006/main">
   <p:cSld>
     <p:spTree>
@@ -24957,7 +25720,7 @@
 </p:sld>
 </file>
 
-<file path=ppt/slides/slide17.xml><?xml version="1.0" encoding="utf-8"?>
+<file path=ppt/slides/slide18.xml><?xml version="1.0" encoding="utf-8"?>
 <p:sld xmlns:a="http://schemas.openxmlformats.org/drawingml/2006/main" xmlns:r="http://schemas.openxmlformats.org/officeDocument/2006/relationships" xmlns:p="http://schemas.openxmlformats.org/presentationml/2006/main">
   <p:cSld>
     <p:spTree>
@@ -25459,7 +26222,7 @@
 </p:sld>
 </file>
 
-<file path=ppt/slides/slide18.xml><?xml version="1.0" encoding="utf-8"?>
+<file path=ppt/slides/slide19.xml><?xml version="1.0" encoding="utf-8"?>
 <p:sld xmlns:a="http://schemas.openxmlformats.org/drawingml/2006/main" xmlns:r="http://schemas.openxmlformats.org/officeDocument/2006/relationships" xmlns:p="http://schemas.openxmlformats.org/presentationml/2006/main">
   <p:cSld>
     <p:spTree>
@@ -26187,7 +26950,377 @@
 </p:sld>
 </file>
 
-<file path=ppt/slides/slide19.xml><?xml version="1.0" encoding="utf-8"?>
+<file path=ppt/slides/slide2.xml><?xml version="1.0" encoding="utf-8"?>
+<p:sld xmlns:a="http://schemas.openxmlformats.org/drawingml/2006/main" xmlns:r="http://schemas.openxmlformats.org/officeDocument/2006/relationships" xmlns:p="http://schemas.openxmlformats.org/presentationml/2006/main">
+  <p:cSld>
+    <p:spTree>
+      <p:nvGrpSpPr>
+        <p:cNvPr id="1" name=""/>
+        <p:cNvGrpSpPr/>
+        <p:nvPr/>
+      </p:nvGrpSpPr>
+      <p:grpSpPr>
+        <a:xfrm>
+          <a:off x="0" y="0"/>
+          <a:ext cx="0" cy="0"/>
+          <a:chOff x="0" y="0"/>
+          <a:chExt cx="0" cy="0"/>
+        </a:xfrm>
+      </p:grpSpPr>
+      <p:sp>
+        <p:nvSpPr>
+          <p:cNvPr id="6" name="Title 1"/>
+          <p:cNvSpPr txBox="1">
+            <a:spLocks/>
+          </p:cNvSpPr>
+          <p:nvPr/>
+        </p:nvSpPr>
+        <p:spPr>
+          <a:xfrm>
+            <a:off x="244634" y="893"/>
+            <a:ext cx="10789459" cy="1363224"/>
+          </a:xfrm>
+          <a:prstGeom prst="rect">
+            <a:avLst/>
+          </a:prstGeom>
+        </p:spPr>
+        <p:txBody>
+          <a:bodyPr vert="horz" lIns="91416" tIns="45708" rIns="91416" bIns="45708" rtlCol="0" anchor="ctr">
+            <a:normAutofit/>
+          </a:bodyPr>
+          <a:lstStyle>
+            <a:lvl1pPr algn="ctr" defTabSz="914400" rtl="0" eaLnBrk="1" latinLnBrk="0" hangingPunct="1">
+              <a:lnSpc>
+                <a:spcPct val="90000"/>
+              </a:lnSpc>
+              <a:spcBef>
+                <a:spcPct val="0"/>
+              </a:spcBef>
+              <a:buNone/>
+              <a:defRPr sz="6000" kern="1200">
+                <a:solidFill>
+                  <a:schemeClr val="tx1"/>
+                </a:solidFill>
+                <a:latin typeface="+mj-lt"/>
+                <a:ea typeface="+mj-ea"/>
+                <a:cs typeface="+mj-cs"/>
+              </a:defRPr>
+            </a:lvl1pPr>
+          </a:lstStyle>
+          <a:p>
+            <a:pPr algn="l" defTabSz="914126"/>
+            <a:r>
+              <a:rPr lang="en-IN" sz="4400" b="1" dirty="0">
+                <a:solidFill>
+                  <a:srgbClr val="FFFF00"/>
+                </a:solidFill>
+                <a:latin typeface="Adobe Clean" panose="020B0503020404020204" pitchFamily="34" charset="0"/>
+              </a:rPr>
+              <a:t>Who am I</a:t>
+            </a:r>
+          </a:p>
+        </p:txBody>
+      </p:sp>
+      <p:sp>
+        <p:nvSpPr>
+          <p:cNvPr id="9" name="Content Placeholder 13"/>
+          <p:cNvSpPr txBox="1">
+            <a:spLocks/>
+          </p:cNvSpPr>
+          <p:nvPr/>
+        </p:nvSpPr>
+        <p:spPr>
+          <a:xfrm>
+            <a:off x="989012" y="2438401"/>
+            <a:ext cx="4495799" cy="2895600"/>
+          </a:xfrm>
+          <a:prstGeom prst="rect">
+            <a:avLst/>
+          </a:prstGeom>
+        </p:spPr>
+        <p:txBody>
+          <a:bodyPr vert="horz" lIns="91440" tIns="45720" rIns="91440" bIns="45720" rtlCol="0">
+            <a:normAutofit/>
+          </a:bodyPr>
+          <a:lstStyle>
+            <a:lvl1pPr marL="0" indent="0" algn="ctr" defTabSz="914126" rtl="0" eaLnBrk="1" latinLnBrk="0" hangingPunct="1">
+              <a:lnSpc>
+                <a:spcPct val="90000"/>
+              </a:lnSpc>
+              <a:spcBef>
+                <a:spcPts val="1000"/>
+              </a:spcBef>
+              <a:buFont typeface="Arial" panose="020B0604020202020204" pitchFamily="34" charset="0"/>
+              <a:buNone/>
+              <a:defRPr sz="2399" kern="1200">
+                <a:solidFill>
+                  <a:schemeClr val="tx1"/>
+                </a:solidFill>
+                <a:latin typeface="+mn-lt"/>
+                <a:ea typeface="+mn-ea"/>
+                <a:cs typeface="+mn-cs"/>
+              </a:defRPr>
+            </a:lvl1pPr>
+            <a:lvl2pPr marL="457063" indent="0" algn="ctr" defTabSz="914126" rtl="0" eaLnBrk="1" latinLnBrk="0" hangingPunct="1">
+              <a:lnSpc>
+                <a:spcPct val="90000"/>
+              </a:lnSpc>
+              <a:spcBef>
+                <a:spcPts val="500"/>
+              </a:spcBef>
+              <a:buFont typeface="Arial" panose="020B0604020202020204" pitchFamily="34" charset="0"/>
+              <a:buNone/>
+              <a:defRPr sz="1999" kern="1200">
+                <a:solidFill>
+                  <a:schemeClr val="tx1"/>
+                </a:solidFill>
+                <a:latin typeface="+mn-lt"/>
+                <a:ea typeface="+mn-ea"/>
+                <a:cs typeface="+mn-cs"/>
+              </a:defRPr>
+            </a:lvl2pPr>
+            <a:lvl3pPr marL="914126" indent="0" algn="ctr" defTabSz="914126" rtl="0" eaLnBrk="1" latinLnBrk="0" hangingPunct="1">
+              <a:lnSpc>
+                <a:spcPct val="90000"/>
+              </a:lnSpc>
+              <a:spcBef>
+                <a:spcPts val="500"/>
+              </a:spcBef>
+              <a:buFont typeface="Arial" panose="020B0604020202020204" pitchFamily="34" charset="0"/>
+              <a:buNone/>
+              <a:defRPr sz="1799" kern="1200">
+                <a:solidFill>
+                  <a:schemeClr val="tx1"/>
+                </a:solidFill>
+                <a:latin typeface="+mn-lt"/>
+                <a:ea typeface="+mn-ea"/>
+                <a:cs typeface="+mn-cs"/>
+              </a:defRPr>
+            </a:lvl3pPr>
+            <a:lvl4pPr marL="1371189" indent="0" algn="ctr" defTabSz="914126" rtl="0" eaLnBrk="1" latinLnBrk="0" hangingPunct="1">
+              <a:lnSpc>
+                <a:spcPct val="90000"/>
+              </a:lnSpc>
+              <a:spcBef>
+                <a:spcPts val="500"/>
+              </a:spcBef>
+              <a:buFont typeface="Arial" panose="020B0604020202020204" pitchFamily="34" charset="0"/>
+              <a:buNone/>
+              <a:defRPr sz="1600" kern="1200">
+                <a:solidFill>
+                  <a:schemeClr val="tx1"/>
+                </a:solidFill>
+                <a:latin typeface="+mn-lt"/>
+                <a:ea typeface="+mn-ea"/>
+                <a:cs typeface="+mn-cs"/>
+              </a:defRPr>
+            </a:lvl4pPr>
+            <a:lvl5pPr marL="1828251" indent="0" algn="ctr" defTabSz="914126" rtl="0" eaLnBrk="1" latinLnBrk="0" hangingPunct="1">
+              <a:lnSpc>
+                <a:spcPct val="90000"/>
+              </a:lnSpc>
+              <a:spcBef>
+                <a:spcPts val="500"/>
+              </a:spcBef>
+              <a:buFont typeface="Arial" panose="020B0604020202020204" pitchFamily="34" charset="0"/>
+              <a:buNone/>
+              <a:defRPr sz="1600" kern="1200">
+                <a:solidFill>
+                  <a:schemeClr val="tx1"/>
+                </a:solidFill>
+                <a:latin typeface="+mn-lt"/>
+                <a:ea typeface="+mn-ea"/>
+                <a:cs typeface="+mn-cs"/>
+              </a:defRPr>
+            </a:lvl5pPr>
+            <a:lvl6pPr marL="2285314" indent="0" algn="ctr" defTabSz="914126" rtl="0" eaLnBrk="1" latinLnBrk="0" hangingPunct="1">
+              <a:lnSpc>
+                <a:spcPct val="90000"/>
+              </a:lnSpc>
+              <a:spcBef>
+                <a:spcPts val="500"/>
+              </a:spcBef>
+              <a:buFont typeface="Arial" panose="020B0604020202020204" pitchFamily="34" charset="0"/>
+              <a:buNone/>
+              <a:defRPr sz="1600" kern="1200">
+                <a:solidFill>
+                  <a:schemeClr val="tx1"/>
+                </a:solidFill>
+                <a:latin typeface="+mn-lt"/>
+                <a:ea typeface="+mn-ea"/>
+                <a:cs typeface="+mn-cs"/>
+              </a:defRPr>
+            </a:lvl6pPr>
+            <a:lvl7pPr marL="2742377" indent="0" algn="ctr" defTabSz="914126" rtl="0" eaLnBrk="1" latinLnBrk="0" hangingPunct="1">
+              <a:lnSpc>
+                <a:spcPct val="90000"/>
+              </a:lnSpc>
+              <a:spcBef>
+                <a:spcPts val="500"/>
+              </a:spcBef>
+              <a:buFont typeface="Arial" panose="020B0604020202020204" pitchFamily="34" charset="0"/>
+              <a:buNone/>
+              <a:defRPr sz="1600" kern="1200">
+                <a:solidFill>
+                  <a:schemeClr val="tx1"/>
+                </a:solidFill>
+                <a:latin typeface="+mn-lt"/>
+                <a:ea typeface="+mn-ea"/>
+                <a:cs typeface="+mn-cs"/>
+              </a:defRPr>
+            </a:lvl7pPr>
+            <a:lvl8pPr marL="3199440" indent="0" algn="ctr" defTabSz="914126" rtl="0" eaLnBrk="1" latinLnBrk="0" hangingPunct="1">
+              <a:lnSpc>
+                <a:spcPct val="90000"/>
+              </a:lnSpc>
+              <a:spcBef>
+                <a:spcPts val="500"/>
+              </a:spcBef>
+              <a:buFont typeface="Arial" panose="020B0604020202020204" pitchFamily="34" charset="0"/>
+              <a:buNone/>
+              <a:defRPr sz="1600" kern="1200">
+                <a:solidFill>
+                  <a:schemeClr val="tx1"/>
+                </a:solidFill>
+                <a:latin typeface="+mn-lt"/>
+                <a:ea typeface="+mn-ea"/>
+                <a:cs typeface="+mn-cs"/>
+              </a:defRPr>
+            </a:lvl8pPr>
+            <a:lvl9pPr marL="3656503" indent="0" algn="ctr" defTabSz="914126" rtl="0" eaLnBrk="1" latinLnBrk="0" hangingPunct="1">
+              <a:lnSpc>
+                <a:spcPct val="90000"/>
+              </a:lnSpc>
+              <a:spcBef>
+                <a:spcPts val="500"/>
+              </a:spcBef>
+              <a:buFont typeface="Arial" panose="020B0604020202020204" pitchFamily="34" charset="0"/>
+              <a:buNone/>
+              <a:defRPr sz="1600" kern="1200">
+                <a:solidFill>
+                  <a:schemeClr val="tx1"/>
+                </a:solidFill>
+                <a:latin typeface="+mn-lt"/>
+                <a:ea typeface="+mn-ea"/>
+                <a:cs typeface="+mn-cs"/>
+              </a:defRPr>
+            </a:lvl9pPr>
+          </a:lstStyle>
+          <a:p>
+            <a:pPr algn="l"/>
+            <a:r>
+              <a:rPr lang="en-US" sz="2800" dirty="0"/>
+              <a:t>Shirak Avakian</a:t>
+            </a:r>
+          </a:p>
+          <a:p>
+            <a:pPr algn="l"/>
+            <a:r>
+              <a:rPr lang="en-US" sz="2800" dirty="0"/>
+              <a:t>Enterprise Solution Architect</a:t>
+            </a:r>
+          </a:p>
+          <a:p>
+            <a:pPr algn="l"/>
+            <a:r>
+              <a:rPr lang="en-US" sz="2800" dirty="0"/>
+              <a:t>QBI LLC</a:t>
+            </a:r>
+          </a:p>
+          <a:p>
+            <a:pPr algn="l"/>
+            <a:r>
+              <a:rPr lang="en-US" sz="2800" dirty="0">
+                <a:hlinkClick r:id="rId2"/>
+              </a:rPr>
+              <a:t>shirakavakian@gmail.com</a:t>
+            </a:r>
+            <a:endParaRPr lang="en-US" sz="2800" dirty="0"/>
+          </a:p>
+          <a:p>
+            <a:pPr algn="l"/>
+            <a:r>
+              <a:rPr lang="en-US" sz="2800" dirty="0"/>
+              <a:t>@</a:t>
+            </a:r>
+            <a:r>
+              <a:rPr lang="en-US" sz="2800" dirty="0" err="1"/>
+              <a:t>shirakavakian</a:t>
+            </a:r>
+            <a:endParaRPr lang="en-US" sz="2800" dirty="0"/>
+          </a:p>
+        </p:txBody>
+      </p:sp>
+      <p:pic>
+        <p:nvPicPr>
+          <p:cNvPr id="10" name="Picture 9"/>
+          <p:cNvPicPr>
+            <a:picLocks noChangeAspect="1"/>
+          </p:cNvPicPr>
+          <p:nvPr/>
+        </p:nvPicPr>
+        <p:blipFill rotWithShape="1">
+          <a:blip r:embed="rId3" cstate="print">
+            <a:extLst>
+              <a:ext uri="{28A0092B-C50C-407E-A947-70E740481C1C}">
+                <a14:useLocalDpi xmlns:a14="http://schemas.microsoft.com/office/drawing/2010/main" val="0"/>
+              </a:ext>
+            </a:extLst>
+          </a:blip>
+          <a:srcRect l="28031" r="12878"/>
+          <a:stretch/>
+        </p:blipFill>
+        <p:spPr>
+          <a:xfrm>
+            <a:off x="6695729" y="2057400"/>
+            <a:ext cx="4343402" cy="4134584"/>
+          </a:xfrm>
+          <a:prstGeom prst="roundRect">
+            <a:avLst>
+              <a:gd name="adj" fmla="val 11111"/>
+            </a:avLst>
+          </a:prstGeom>
+          <a:ln w="190500" cap="rnd">
+            <a:solidFill>
+              <a:srgbClr val="C8C6BD"/>
+            </a:solidFill>
+            <a:prstDash val="solid"/>
+          </a:ln>
+          <a:effectLst>
+            <a:outerShdw blurRad="101600" dist="50800" dir="7200000" algn="tl" rotWithShape="0">
+              <a:srgbClr val="000000">
+                <a:alpha val="45000"/>
+              </a:srgbClr>
+            </a:outerShdw>
+          </a:effectLst>
+          <a:scene3d>
+            <a:camera prst="perspectiveFront" fov="5400000"/>
+            <a:lightRig rig="threePt" dir="t">
+              <a:rot lat="0" lon="0" rev="19200000"/>
+            </a:lightRig>
+          </a:scene3d>
+          <a:sp3d extrusionH="25400">
+            <a:bevelT w="304800" h="152400" prst="hardEdge"/>
+            <a:extrusionClr>
+              <a:srgbClr val="FFFFFF"/>
+            </a:extrusionClr>
+          </a:sp3d>
+        </p:spPr>
+      </p:pic>
+    </p:spTree>
+    <p:extLst>
+      <p:ext uri="{BB962C8B-B14F-4D97-AF65-F5344CB8AC3E}">
+        <p14:creationId xmlns:p14="http://schemas.microsoft.com/office/powerpoint/2010/main" val="649986600"/>
+      </p:ext>
+    </p:extLst>
+  </p:cSld>
+  <p:clrMapOvr>
+    <a:masterClrMapping/>
+  </p:clrMapOvr>
+</p:sld>
+</file>
+
+<file path=ppt/slides/slide20.xml><?xml version="1.0" encoding="utf-8"?>
 <p:sld xmlns:a="http://schemas.openxmlformats.org/drawingml/2006/main" xmlns:r="http://schemas.openxmlformats.org/officeDocument/2006/relationships" xmlns:p="http://schemas.openxmlformats.org/presentationml/2006/main">
   <p:cSld>
     <p:spTree>
@@ -26925,377 +28058,7 @@
 </p:sld>
 </file>
 
-<file path=ppt/slides/slide2.xml><?xml version="1.0" encoding="utf-8"?>
-<p:sld xmlns:a="http://schemas.openxmlformats.org/drawingml/2006/main" xmlns:r="http://schemas.openxmlformats.org/officeDocument/2006/relationships" xmlns:p="http://schemas.openxmlformats.org/presentationml/2006/main">
-  <p:cSld>
-    <p:spTree>
-      <p:nvGrpSpPr>
-        <p:cNvPr id="1" name=""/>
-        <p:cNvGrpSpPr/>
-        <p:nvPr/>
-      </p:nvGrpSpPr>
-      <p:grpSpPr>
-        <a:xfrm>
-          <a:off x="0" y="0"/>
-          <a:ext cx="0" cy="0"/>
-          <a:chOff x="0" y="0"/>
-          <a:chExt cx="0" cy="0"/>
-        </a:xfrm>
-      </p:grpSpPr>
-      <p:sp>
-        <p:nvSpPr>
-          <p:cNvPr id="6" name="Title 1"/>
-          <p:cNvSpPr txBox="1">
-            <a:spLocks/>
-          </p:cNvSpPr>
-          <p:nvPr/>
-        </p:nvSpPr>
-        <p:spPr>
-          <a:xfrm>
-            <a:off x="244634" y="893"/>
-            <a:ext cx="10789459" cy="1363224"/>
-          </a:xfrm>
-          <a:prstGeom prst="rect">
-            <a:avLst/>
-          </a:prstGeom>
-        </p:spPr>
-        <p:txBody>
-          <a:bodyPr vert="horz" lIns="91416" tIns="45708" rIns="91416" bIns="45708" rtlCol="0" anchor="ctr">
-            <a:normAutofit/>
-          </a:bodyPr>
-          <a:lstStyle>
-            <a:lvl1pPr algn="ctr" defTabSz="914400" rtl="0" eaLnBrk="1" latinLnBrk="0" hangingPunct="1">
-              <a:lnSpc>
-                <a:spcPct val="90000"/>
-              </a:lnSpc>
-              <a:spcBef>
-                <a:spcPct val="0"/>
-              </a:spcBef>
-              <a:buNone/>
-              <a:defRPr sz="6000" kern="1200">
-                <a:solidFill>
-                  <a:schemeClr val="tx1"/>
-                </a:solidFill>
-                <a:latin typeface="+mj-lt"/>
-                <a:ea typeface="+mj-ea"/>
-                <a:cs typeface="+mj-cs"/>
-              </a:defRPr>
-            </a:lvl1pPr>
-          </a:lstStyle>
-          <a:p>
-            <a:pPr algn="l" defTabSz="914126"/>
-            <a:r>
-              <a:rPr lang="en-IN" sz="4400" b="1" dirty="0">
-                <a:solidFill>
-                  <a:srgbClr val="FFFF00"/>
-                </a:solidFill>
-                <a:latin typeface="Adobe Clean" panose="020B0503020404020204" pitchFamily="34" charset="0"/>
-              </a:rPr>
-              <a:t>Who am I</a:t>
-            </a:r>
-          </a:p>
-        </p:txBody>
-      </p:sp>
-      <p:sp>
-        <p:nvSpPr>
-          <p:cNvPr id="9" name="Content Placeholder 13"/>
-          <p:cNvSpPr txBox="1">
-            <a:spLocks/>
-          </p:cNvSpPr>
-          <p:nvPr/>
-        </p:nvSpPr>
-        <p:spPr>
-          <a:xfrm>
-            <a:off x="989012" y="2438401"/>
-            <a:ext cx="4495799" cy="2895600"/>
-          </a:xfrm>
-          <a:prstGeom prst="rect">
-            <a:avLst/>
-          </a:prstGeom>
-        </p:spPr>
-        <p:txBody>
-          <a:bodyPr vert="horz" lIns="91440" tIns="45720" rIns="91440" bIns="45720" rtlCol="0">
-            <a:normAutofit/>
-          </a:bodyPr>
-          <a:lstStyle>
-            <a:lvl1pPr marL="0" indent="0" algn="ctr" defTabSz="914126" rtl="0" eaLnBrk="1" latinLnBrk="0" hangingPunct="1">
-              <a:lnSpc>
-                <a:spcPct val="90000"/>
-              </a:lnSpc>
-              <a:spcBef>
-                <a:spcPts val="1000"/>
-              </a:spcBef>
-              <a:buFont typeface="Arial" panose="020B0604020202020204" pitchFamily="34" charset="0"/>
-              <a:buNone/>
-              <a:defRPr sz="2399" kern="1200">
-                <a:solidFill>
-                  <a:schemeClr val="tx1"/>
-                </a:solidFill>
-                <a:latin typeface="+mn-lt"/>
-                <a:ea typeface="+mn-ea"/>
-                <a:cs typeface="+mn-cs"/>
-              </a:defRPr>
-            </a:lvl1pPr>
-            <a:lvl2pPr marL="457063" indent="0" algn="ctr" defTabSz="914126" rtl="0" eaLnBrk="1" latinLnBrk="0" hangingPunct="1">
-              <a:lnSpc>
-                <a:spcPct val="90000"/>
-              </a:lnSpc>
-              <a:spcBef>
-                <a:spcPts val="500"/>
-              </a:spcBef>
-              <a:buFont typeface="Arial" panose="020B0604020202020204" pitchFamily="34" charset="0"/>
-              <a:buNone/>
-              <a:defRPr sz="1999" kern="1200">
-                <a:solidFill>
-                  <a:schemeClr val="tx1"/>
-                </a:solidFill>
-                <a:latin typeface="+mn-lt"/>
-                <a:ea typeface="+mn-ea"/>
-                <a:cs typeface="+mn-cs"/>
-              </a:defRPr>
-            </a:lvl2pPr>
-            <a:lvl3pPr marL="914126" indent="0" algn="ctr" defTabSz="914126" rtl="0" eaLnBrk="1" latinLnBrk="0" hangingPunct="1">
-              <a:lnSpc>
-                <a:spcPct val="90000"/>
-              </a:lnSpc>
-              <a:spcBef>
-                <a:spcPts val="500"/>
-              </a:spcBef>
-              <a:buFont typeface="Arial" panose="020B0604020202020204" pitchFamily="34" charset="0"/>
-              <a:buNone/>
-              <a:defRPr sz="1799" kern="1200">
-                <a:solidFill>
-                  <a:schemeClr val="tx1"/>
-                </a:solidFill>
-                <a:latin typeface="+mn-lt"/>
-                <a:ea typeface="+mn-ea"/>
-                <a:cs typeface="+mn-cs"/>
-              </a:defRPr>
-            </a:lvl3pPr>
-            <a:lvl4pPr marL="1371189" indent="0" algn="ctr" defTabSz="914126" rtl="0" eaLnBrk="1" latinLnBrk="0" hangingPunct="1">
-              <a:lnSpc>
-                <a:spcPct val="90000"/>
-              </a:lnSpc>
-              <a:spcBef>
-                <a:spcPts val="500"/>
-              </a:spcBef>
-              <a:buFont typeface="Arial" panose="020B0604020202020204" pitchFamily="34" charset="0"/>
-              <a:buNone/>
-              <a:defRPr sz="1600" kern="1200">
-                <a:solidFill>
-                  <a:schemeClr val="tx1"/>
-                </a:solidFill>
-                <a:latin typeface="+mn-lt"/>
-                <a:ea typeface="+mn-ea"/>
-                <a:cs typeface="+mn-cs"/>
-              </a:defRPr>
-            </a:lvl4pPr>
-            <a:lvl5pPr marL="1828251" indent="0" algn="ctr" defTabSz="914126" rtl="0" eaLnBrk="1" latinLnBrk="0" hangingPunct="1">
-              <a:lnSpc>
-                <a:spcPct val="90000"/>
-              </a:lnSpc>
-              <a:spcBef>
-                <a:spcPts val="500"/>
-              </a:spcBef>
-              <a:buFont typeface="Arial" panose="020B0604020202020204" pitchFamily="34" charset="0"/>
-              <a:buNone/>
-              <a:defRPr sz="1600" kern="1200">
-                <a:solidFill>
-                  <a:schemeClr val="tx1"/>
-                </a:solidFill>
-                <a:latin typeface="+mn-lt"/>
-                <a:ea typeface="+mn-ea"/>
-                <a:cs typeface="+mn-cs"/>
-              </a:defRPr>
-            </a:lvl5pPr>
-            <a:lvl6pPr marL="2285314" indent="0" algn="ctr" defTabSz="914126" rtl="0" eaLnBrk="1" latinLnBrk="0" hangingPunct="1">
-              <a:lnSpc>
-                <a:spcPct val="90000"/>
-              </a:lnSpc>
-              <a:spcBef>
-                <a:spcPts val="500"/>
-              </a:spcBef>
-              <a:buFont typeface="Arial" panose="020B0604020202020204" pitchFamily="34" charset="0"/>
-              <a:buNone/>
-              <a:defRPr sz="1600" kern="1200">
-                <a:solidFill>
-                  <a:schemeClr val="tx1"/>
-                </a:solidFill>
-                <a:latin typeface="+mn-lt"/>
-                <a:ea typeface="+mn-ea"/>
-                <a:cs typeface="+mn-cs"/>
-              </a:defRPr>
-            </a:lvl6pPr>
-            <a:lvl7pPr marL="2742377" indent="0" algn="ctr" defTabSz="914126" rtl="0" eaLnBrk="1" latinLnBrk="0" hangingPunct="1">
-              <a:lnSpc>
-                <a:spcPct val="90000"/>
-              </a:lnSpc>
-              <a:spcBef>
-                <a:spcPts val="500"/>
-              </a:spcBef>
-              <a:buFont typeface="Arial" panose="020B0604020202020204" pitchFamily="34" charset="0"/>
-              <a:buNone/>
-              <a:defRPr sz="1600" kern="1200">
-                <a:solidFill>
-                  <a:schemeClr val="tx1"/>
-                </a:solidFill>
-                <a:latin typeface="+mn-lt"/>
-                <a:ea typeface="+mn-ea"/>
-                <a:cs typeface="+mn-cs"/>
-              </a:defRPr>
-            </a:lvl7pPr>
-            <a:lvl8pPr marL="3199440" indent="0" algn="ctr" defTabSz="914126" rtl="0" eaLnBrk="1" latinLnBrk="0" hangingPunct="1">
-              <a:lnSpc>
-                <a:spcPct val="90000"/>
-              </a:lnSpc>
-              <a:spcBef>
-                <a:spcPts val="500"/>
-              </a:spcBef>
-              <a:buFont typeface="Arial" panose="020B0604020202020204" pitchFamily="34" charset="0"/>
-              <a:buNone/>
-              <a:defRPr sz="1600" kern="1200">
-                <a:solidFill>
-                  <a:schemeClr val="tx1"/>
-                </a:solidFill>
-                <a:latin typeface="+mn-lt"/>
-                <a:ea typeface="+mn-ea"/>
-                <a:cs typeface="+mn-cs"/>
-              </a:defRPr>
-            </a:lvl8pPr>
-            <a:lvl9pPr marL="3656503" indent="0" algn="ctr" defTabSz="914126" rtl="0" eaLnBrk="1" latinLnBrk="0" hangingPunct="1">
-              <a:lnSpc>
-                <a:spcPct val="90000"/>
-              </a:lnSpc>
-              <a:spcBef>
-                <a:spcPts val="500"/>
-              </a:spcBef>
-              <a:buFont typeface="Arial" panose="020B0604020202020204" pitchFamily="34" charset="0"/>
-              <a:buNone/>
-              <a:defRPr sz="1600" kern="1200">
-                <a:solidFill>
-                  <a:schemeClr val="tx1"/>
-                </a:solidFill>
-                <a:latin typeface="+mn-lt"/>
-                <a:ea typeface="+mn-ea"/>
-                <a:cs typeface="+mn-cs"/>
-              </a:defRPr>
-            </a:lvl9pPr>
-          </a:lstStyle>
-          <a:p>
-            <a:pPr algn="l"/>
-            <a:r>
-              <a:rPr lang="en-US" sz="2800" dirty="0"/>
-              <a:t>Shirak Avakian</a:t>
-            </a:r>
-          </a:p>
-          <a:p>
-            <a:pPr algn="l"/>
-            <a:r>
-              <a:rPr lang="en-US" sz="2800" dirty="0"/>
-              <a:t>Enterprise Solution Architect</a:t>
-            </a:r>
-          </a:p>
-          <a:p>
-            <a:pPr algn="l"/>
-            <a:r>
-              <a:rPr lang="en-US" sz="2800" dirty="0"/>
-              <a:t>QBI LLC</a:t>
-            </a:r>
-          </a:p>
-          <a:p>
-            <a:pPr algn="l"/>
-            <a:r>
-              <a:rPr lang="en-US" sz="2800" dirty="0">
-                <a:hlinkClick r:id="rId2"/>
-              </a:rPr>
-              <a:t>shirakavakian@gmail.com</a:t>
-            </a:r>
-            <a:endParaRPr lang="en-US" sz="2800" dirty="0"/>
-          </a:p>
-          <a:p>
-            <a:pPr algn="l"/>
-            <a:r>
-              <a:rPr lang="en-US" sz="2800" dirty="0"/>
-              <a:t>@</a:t>
-            </a:r>
-            <a:r>
-              <a:rPr lang="en-US" sz="2800" dirty="0" err="1"/>
-              <a:t>shirakavakian</a:t>
-            </a:r>
-            <a:endParaRPr lang="en-US" sz="2800" dirty="0"/>
-          </a:p>
-        </p:txBody>
-      </p:sp>
-      <p:pic>
-        <p:nvPicPr>
-          <p:cNvPr id="10" name="Picture 9"/>
-          <p:cNvPicPr>
-            <a:picLocks noChangeAspect="1"/>
-          </p:cNvPicPr>
-          <p:nvPr/>
-        </p:nvPicPr>
-        <p:blipFill rotWithShape="1">
-          <a:blip r:embed="rId3" cstate="print">
-            <a:extLst>
-              <a:ext uri="{28A0092B-C50C-407E-A947-70E740481C1C}">
-                <a14:useLocalDpi xmlns:a14="http://schemas.microsoft.com/office/drawing/2010/main" val="0"/>
-              </a:ext>
-            </a:extLst>
-          </a:blip>
-          <a:srcRect l="28031" r="12878"/>
-          <a:stretch/>
-        </p:blipFill>
-        <p:spPr>
-          <a:xfrm>
-            <a:off x="6695729" y="2057400"/>
-            <a:ext cx="4343402" cy="4134584"/>
-          </a:xfrm>
-          <a:prstGeom prst="roundRect">
-            <a:avLst>
-              <a:gd name="adj" fmla="val 11111"/>
-            </a:avLst>
-          </a:prstGeom>
-          <a:ln w="190500" cap="rnd">
-            <a:solidFill>
-              <a:srgbClr val="C8C6BD"/>
-            </a:solidFill>
-            <a:prstDash val="solid"/>
-          </a:ln>
-          <a:effectLst>
-            <a:outerShdw blurRad="101600" dist="50800" dir="7200000" algn="tl" rotWithShape="0">
-              <a:srgbClr val="000000">
-                <a:alpha val="45000"/>
-              </a:srgbClr>
-            </a:outerShdw>
-          </a:effectLst>
-          <a:scene3d>
-            <a:camera prst="perspectiveFront" fov="5400000"/>
-            <a:lightRig rig="threePt" dir="t">
-              <a:rot lat="0" lon="0" rev="19200000"/>
-            </a:lightRig>
-          </a:scene3d>
-          <a:sp3d extrusionH="25400">
-            <a:bevelT w="304800" h="152400" prst="hardEdge"/>
-            <a:extrusionClr>
-              <a:srgbClr val="FFFFFF"/>
-            </a:extrusionClr>
-          </a:sp3d>
-        </p:spPr>
-      </p:pic>
-    </p:spTree>
-    <p:extLst>
-      <p:ext uri="{BB962C8B-B14F-4D97-AF65-F5344CB8AC3E}">
-        <p14:creationId xmlns:p14="http://schemas.microsoft.com/office/powerpoint/2010/main" val="649986600"/>
-      </p:ext>
-    </p:extLst>
-  </p:cSld>
-  <p:clrMapOvr>
-    <a:masterClrMapping/>
-  </p:clrMapOvr>
-</p:sld>
-</file>
-
-<file path=ppt/slides/slide20.xml><?xml version="1.0" encoding="utf-8"?>
+<file path=ppt/slides/slide21.xml><?xml version="1.0" encoding="utf-8"?>
 <p:sld xmlns:a="http://schemas.openxmlformats.org/drawingml/2006/main" xmlns:r="http://schemas.openxmlformats.org/officeDocument/2006/relationships" xmlns:p="http://schemas.openxmlformats.org/presentationml/2006/main">
   <p:cSld>
     <p:spTree>
@@ -28018,7 +28781,7 @@
 </p:sld>
 </file>
 
-<file path=ppt/slides/slide21.xml><?xml version="1.0" encoding="utf-8"?>
+<file path=ppt/slides/slide22.xml><?xml version="1.0" encoding="utf-8"?>
 <p:sld xmlns:a="http://schemas.openxmlformats.org/drawingml/2006/main" xmlns:r="http://schemas.openxmlformats.org/officeDocument/2006/relationships" xmlns:p="http://schemas.openxmlformats.org/presentationml/2006/main">
   <p:cSld>
     <p:spTree>
@@ -28372,7 +29135,7 @@
 </p:sld>
 </file>
 
-<file path=ppt/slides/slide22.xml><?xml version="1.0" encoding="utf-8"?>
+<file path=ppt/slides/slide23.xml><?xml version="1.0" encoding="utf-8"?>
 <p:sld xmlns:a="http://schemas.openxmlformats.org/drawingml/2006/main" xmlns:r="http://schemas.openxmlformats.org/officeDocument/2006/relationships" xmlns:p="http://schemas.openxmlformats.org/presentationml/2006/main">
   <p:cSld>
     <p:spTree>
@@ -29379,7 +30142,7 @@
 </p:sld>
 </file>
 
-<file path=ppt/slides/slide23.xml><?xml version="1.0" encoding="utf-8"?>
+<file path=ppt/slides/slide24.xml><?xml version="1.0" encoding="utf-8"?>
 <p:sld xmlns:a="http://schemas.openxmlformats.org/drawingml/2006/main" xmlns:r="http://schemas.openxmlformats.org/officeDocument/2006/relationships" xmlns:p="http://schemas.openxmlformats.org/presentationml/2006/main">
   <p:cSld>
     <p:spTree>
@@ -30072,7 +30835,7 @@
 </p:sld>
 </file>
 
-<file path=ppt/slides/slide24.xml><?xml version="1.0" encoding="utf-8"?>
+<file path=ppt/slides/slide25.xml><?xml version="1.0" encoding="utf-8"?>
 <p:sld xmlns:a="http://schemas.openxmlformats.org/drawingml/2006/main" xmlns:r="http://schemas.openxmlformats.org/officeDocument/2006/relationships" xmlns:p="http://schemas.openxmlformats.org/presentationml/2006/main">
   <p:cSld>
     <p:spTree>
@@ -32428,7 +33191,7 @@
 </p:sld>
 </file>
 
-<file path=ppt/slides/slide25.xml><?xml version="1.0" encoding="utf-8"?>
+<file path=ppt/slides/slide26.xml><?xml version="1.0" encoding="utf-8"?>
 <p:sld xmlns:a="http://schemas.openxmlformats.org/drawingml/2006/main" xmlns:r="http://schemas.openxmlformats.org/officeDocument/2006/relationships" xmlns:p="http://schemas.openxmlformats.org/presentationml/2006/main">
   <p:cSld>
     <p:spTree>
@@ -35171,7 +35934,7 @@
 </p:sld>
 </file>
 
-<file path=ppt/slides/slide26.xml><?xml version="1.0" encoding="utf-8"?>
+<file path=ppt/slides/slide27.xml><?xml version="1.0" encoding="utf-8"?>
 <p:sld xmlns:a="http://schemas.openxmlformats.org/drawingml/2006/main" xmlns:r="http://schemas.openxmlformats.org/officeDocument/2006/relationships" xmlns:p="http://schemas.openxmlformats.org/presentationml/2006/main">
   <p:cSld>
     <p:spTree>
@@ -36919,7 +37682,7 @@
 </p:sld>
 </file>
 
-<file path=ppt/slides/slide27.xml><?xml version="1.0" encoding="utf-8"?>
+<file path=ppt/slides/slide28.xml><?xml version="1.0" encoding="utf-8"?>
 <p:sld xmlns:a="http://schemas.openxmlformats.org/drawingml/2006/main" xmlns:r="http://schemas.openxmlformats.org/officeDocument/2006/relationships" xmlns:p="http://schemas.openxmlformats.org/presentationml/2006/main">
   <p:cSld>
     <p:spTree>
@@ -38077,7 +38840,7 @@
 </p:sld>
 </file>
 
-<file path=ppt/slides/slide28.xml><?xml version="1.0" encoding="utf-8"?>
+<file path=ppt/slides/slide29.xml><?xml version="1.0" encoding="utf-8"?>
 <p:sld xmlns:a="http://schemas.openxmlformats.org/drawingml/2006/main" xmlns:r="http://schemas.openxmlformats.org/officeDocument/2006/relationships" xmlns:p="http://schemas.openxmlformats.org/presentationml/2006/main">
   <p:cSld>
     <p:spTree>
@@ -38670,7 +39433,548 @@
 </p:sld>
 </file>
 
-<file path=ppt/slides/slide29.xml><?xml version="1.0" encoding="utf-8"?>
+<file path=ppt/slides/slide3.xml><?xml version="1.0" encoding="utf-8"?>
+<p:sld xmlns:a="http://schemas.openxmlformats.org/drawingml/2006/main" xmlns:r="http://schemas.openxmlformats.org/officeDocument/2006/relationships" xmlns:p="http://schemas.openxmlformats.org/presentationml/2006/main">
+  <p:cSld>
+    <p:spTree>
+      <p:nvGrpSpPr>
+        <p:cNvPr id="1" name=""/>
+        <p:cNvGrpSpPr/>
+        <p:nvPr/>
+      </p:nvGrpSpPr>
+      <p:grpSpPr>
+        <a:xfrm>
+          <a:off x="0" y="0"/>
+          <a:ext cx="0" cy="0"/>
+          <a:chOff x="0" y="0"/>
+          <a:chExt cx="0" cy="0"/>
+        </a:xfrm>
+      </p:grpSpPr>
+      <p:sp>
+        <p:nvSpPr>
+          <p:cNvPr id="6" name="Title 1"/>
+          <p:cNvSpPr txBox="1">
+            <a:spLocks/>
+          </p:cNvSpPr>
+          <p:nvPr/>
+        </p:nvSpPr>
+        <p:spPr>
+          <a:xfrm>
+            <a:off x="244634" y="893"/>
+            <a:ext cx="10789459" cy="1363224"/>
+          </a:xfrm>
+          <a:prstGeom prst="rect">
+            <a:avLst/>
+          </a:prstGeom>
+        </p:spPr>
+        <p:txBody>
+          <a:bodyPr vert="horz" lIns="91416" tIns="45708" rIns="91416" bIns="45708" rtlCol="0" anchor="ctr">
+            <a:normAutofit/>
+          </a:bodyPr>
+          <a:lstStyle>
+            <a:lvl1pPr algn="ctr" defTabSz="914400" rtl="0" eaLnBrk="1" latinLnBrk="0" hangingPunct="1">
+              <a:lnSpc>
+                <a:spcPct val="90000"/>
+              </a:lnSpc>
+              <a:spcBef>
+                <a:spcPct val="0"/>
+              </a:spcBef>
+              <a:buNone/>
+              <a:defRPr sz="6000" kern="1200">
+                <a:solidFill>
+                  <a:schemeClr val="tx1"/>
+                </a:solidFill>
+                <a:latin typeface="+mj-lt"/>
+                <a:ea typeface="+mj-ea"/>
+                <a:cs typeface="+mj-cs"/>
+              </a:defRPr>
+            </a:lvl1pPr>
+          </a:lstStyle>
+          <a:p>
+            <a:pPr algn="l" defTabSz="914126"/>
+            <a:r>
+              <a:rPr lang="en-IN" sz="4400" b="1" dirty="0">
+                <a:solidFill>
+                  <a:srgbClr val="FFFF00"/>
+                </a:solidFill>
+                <a:latin typeface="Adobe Clean" panose="020B0503020404020204" pitchFamily="34" charset="0"/>
+              </a:rPr>
+              <a:t>Subjects</a:t>
+            </a:r>
+            <a:r>
+              <a:rPr lang="en-IN" sz="4999" b="1" dirty="0">
+                <a:solidFill>
+                  <a:srgbClr val="FFFF00"/>
+                </a:solidFill>
+                <a:latin typeface="Adobe Clean" panose="020B0503020404020204" pitchFamily="34" charset="0"/>
+              </a:rPr>
+              <a:t> </a:t>
+            </a:r>
+            <a:r>
+              <a:rPr lang="en-IN" sz="4400" b="1" dirty="0">
+                <a:solidFill>
+                  <a:srgbClr val="FFFF00"/>
+                </a:solidFill>
+                <a:latin typeface="Adobe Clean" panose="020B0503020404020204" pitchFamily="34" charset="0"/>
+              </a:rPr>
+              <a:t>to Cover</a:t>
+            </a:r>
+            <a:endParaRPr lang="en-IN" sz="4999" b="1" dirty="0">
+              <a:solidFill>
+                <a:srgbClr val="FFFF00"/>
+              </a:solidFill>
+              <a:latin typeface="Adobe Clean" panose="020B0503020404020204" pitchFamily="34" charset="0"/>
+            </a:endParaRPr>
+          </a:p>
+        </p:txBody>
+      </p:sp>
+      <p:sp>
+        <p:nvSpPr>
+          <p:cNvPr id="5" name="Content Placeholder 13"/>
+          <p:cNvSpPr txBox="1">
+            <a:spLocks/>
+          </p:cNvSpPr>
+          <p:nvPr/>
+        </p:nvSpPr>
+        <p:spPr>
+          <a:xfrm>
+            <a:off x="1293812" y="2895600"/>
+            <a:ext cx="8915399" cy="1752601"/>
+          </a:xfrm>
+          <a:prstGeom prst="rect">
+            <a:avLst/>
+          </a:prstGeom>
+        </p:spPr>
+        <p:txBody>
+          <a:bodyPr vert="horz" lIns="91440" tIns="45720" rIns="91440" bIns="45720" rtlCol="0">
+            <a:normAutofit/>
+          </a:bodyPr>
+          <a:lstStyle>
+            <a:lvl1pPr marL="0" indent="0" algn="ctr" defTabSz="914126" rtl="0" eaLnBrk="1" latinLnBrk="0" hangingPunct="1">
+              <a:lnSpc>
+                <a:spcPct val="90000"/>
+              </a:lnSpc>
+              <a:spcBef>
+                <a:spcPts val="1000"/>
+              </a:spcBef>
+              <a:buFont typeface="Arial" panose="020B0604020202020204" pitchFamily="34" charset="0"/>
+              <a:buNone/>
+              <a:defRPr sz="2399" kern="1200">
+                <a:solidFill>
+                  <a:schemeClr val="tx1"/>
+                </a:solidFill>
+                <a:latin typeface="+mn-lt"/>
+                <a:ea typeface="+mn-ea"/>
+                <a:cs typeface="+mn-cs"/>
+              </a:defRPr>
+            </a:lvl1pPr>
+            <a:lvl2pPr marL="457063" indent="0" algn="ctr" defTabSz="914126" rtl="0" eaLnBrk="1" latinLnBrk="0" hangingPunct="1">
+              <a:lnSpc>
+                <a:spcPct val="90000"/>
+              </a:lnSpc>
+              <a:spcBef>
+                <a:spcPts val="500"/>
+              </a:spcBef>
+              <a:buFont typeface="Arial" panose="020B0604020202020204" pitchFamily="34" charset="0"/>
+              <a:buNone/>
+              <a:defRPr sz="1999" kern="1200">
+                <a:solidFill>
+                  <a:schemeClr val="tx1"/>
+                </a:solidFill>
+                <a:latin typeface="+mn-lt"/>
+                <a:ea typeface="+mn-ea"/>
+                <a:cs typeface="+mn-cs"/>
+              </a:defRPr>
+            </a:lvl2pPr>
+            <a:lvl3pPr marL="914126" indent="0" algn="ctr" defTabSz="914126" rtl="0" eaLnBrk="1" latinLnBrk="0" hangingPunct="1">
+              <a:lnSpc>
+                <a:spcPct val="90000"/>
+              </a:lnSpc>
+              <a:spcBef>
+                <a:spcPts val="500"/>
+              </a:spcBef>
+              <a:buFont typeface="Arial" panose="020B0604020202020204" pitchFamily="34" charset="0"/>
+              <a:buNone/>
+              <a:defRPr sz="1799" kern="1200">
+                <a:solidFill>
+                  <a:schemeClr val="tx1"/>
+                </a:solidFill>
+                <a:latin typeface="+mn-lt"/>
+                <a:ea typeface="+mn-ea"/>
+                <a:cs typeface="+mn-cs"/>
+              </a:defRPr>
+            </a:lvl3pPr>
+            <a:lvl4pPr marL="1371189" indent="0" algn="ctr" defTabSz="914126" rtl="0" eaLnBrk="1" latinLnBrk="0" hangingPunct="1">
+              <a:lnSpc>
+                <a:spcPct val="90000"/>
+              </a:lnSpc>
+              <a:spcBef>
+                <a:spcPts val="500"/>
+              </a:spcBef>
+              <a:buFont typeface="Arial" panose="020B0604020202020204" pitchFamily="34" charset="0"/>
+              <a:buNone/>
+              <a:defRPr sz="1600" kern="1200">
+                <a:solidFill>
+                  <a:schemeClr val="tx1"/>
+                </a:solidFill>
+                <a:latin typeface="+mn-lt"/>
+                <a:ea typeface="+mn-ea"/>
+                <a:cs typeface="+mn-cs"/>
+              </a:defRPr>
+            </a:lvl4pPr>
+            <a:lvl5pPr marL="1828251" indent="0" algn="ctr" defTabSz="914126" rtl="0" eaLnBrk="1" latinLnBrk="0" hangingPunct="1">
+              <a:lnSpc>
+                <a:spcPct val="90000"/>
+              </a:lnSpc>
+              <a:spcBef>
+                <a:spcPts val="500"/>
+              </a:spcBef>
+              <a:buFont typeface="Arial" panose="020B0604020202020204" pitchFamily="34" charset="0"/>
+              <a:buNone/>
+              <a:defRPr sz="1600" kern="1200">
+                <a:solidFill>
+                  <a:schemeClr val="tx1"/>
+                </a:solidFill>
+                <a:latin typeface="+mn-lt"/>
+                <a:ea typeface="+mn-ea"/>
+                <a:cs typeface="+mn-cs"/>
+              </a:defRPr>
+            </a:lvl5pPr>
+            <a:lvl6pPr marL="2285314" indent="0" algn="ctr" defTabSz="914126" rtl="0" eaLnBrk="1" latinLnBrk="0" hangingPunct="1">
+              <a:lnSpc>
+                <a:spcPct val="90000"/>
+              </a:lnSpc>
+              <a:spcBef>
+                <a:spcPts val="500"/>
+              </a:spcBef>
+              <a:buFont typeface="Arial" panose="020B0604020202020204" pitchFamily="34" charset="0"/>
+              <a:buNone/>
+              <a:defRPr sz="1600" kern="1200">
+                <a:solidFill>
+                  <a:schemeClr val="tx1"/>
+                </a:solidFill>
+                <a:latin typeface="+mn-lt"/>
+                <a:ea typeface="+mn-ea"/>
+                <a:cs typeface="+mn-cs"/>
+              </a:defRPr>
+            </a:lvl6pPr>
+            <a:lvl7pPr marL="2742377" indent="0" algn="ctr" defTabSz="914126" rtl="0" eaLnBrk="1" latinLnBrk="0" hangingPunct="1">
+              <a:lnSpc>
+                <a:spcPct val="90000"/>
+              </a:lnSpc>
+              <a:spcBef>
+                <a:spcPts val="500"/>
+              </a:spcBef>
+              <a:buFont typeface="Arial" panose="020B0604020202020204" pitchFamily="34" charset="0"/>
+              <a:buNone/>
+              <a:defRPr sz="1600" kern="1200">
+                <a:solidFill>
+                  <a:schemeClr val="tx1"/>
+                </a:solidFill>
+                <a:latin typeface="+mn-lt"/>
+                <a:ea typeface="+mn-ea"/>
+                <a:cs typeface="+mn-cs"/>
+              </a:defRPr>
+            </a:lvl7pPr>
+            <a:lvl8pPr marL="3199440" indent="0" algn="ctr" defTabSz="914126" rtl="0" eaLnBrk="1" latinLnBrk="0" hangingPunct="1">
+              <a:lnSpc>
+                <a:spcPct val="90000"/>
+              </a:lnSpc>
+              <a:spcBef>
+                <a:spcPts val="500"/>
+              </a:spcBef>
+              <a:buFont typeface="Arial" panose="020B0604020202020204" pitchFamily="34" charset="0"/>
+              <a:buNone/>
+              <a:defRPr sz="1600" kern="1200">
+                <a:solidFill>
+                  <a:schemeClr val="tx1"/>
+                </a:solidFill>
+                <a:latin typeface="+mn-lt"/>
+                <a:ea typeface="+mn-ea"/>
+                <a:cs typeface="+mn-cs"/>
+              </a:defRPr>
+            </a:lvl8pPr>
+            <a:lvl9pPr marL="3656503" indent="0" algn="ctr" defTabSz="914126" rtl="0" eaLnBrk="1" latinLnBrk="0" hangingPunct="1">
+              <a:lnSpc>
+                <a:spcPct val="90000"/>
+              </a:lnSpc>
+              <a:spcBef>
+                <a:spcPts val="500"/>
+              </a:spcBef>
+              <a:buFont typeface="Arial" panose="020B0604020202020204" pitchFamily="34" charset="0"/>
+              <a:buNone/>
+              <a:defRPr sz="1600" kern="1200">
+                <a:solidFill>
+                  <a:schemeClr val="tx1"/>
+                </a:solidFill>
+                <a:latin typeface="+mn-lt"/>
+                <a:ea typeface="+mn-ea"/>
+                <a:cs typeface="+mn-cs"/>
+              </a:defRPr>
+            </a:lvl9pPr>
+          </a:lstStyle>
+          <a:p>
+            <a:pPr marL="457200" indent="-457200" algn="l">
+              <a:buFont typeface="Arial" panose="020B0604020202020204" pitchFamily="34" charset="0"/>
+              <a:buChar char="•"/>
+            </a:pPr>
+            <a:r>
+              <a:rPr lang="en-US" sz="3200" dirty="0"/>
+              <a:t>Questions to answer</a:t>
+            </a:r>
+          </a:p>
+          <a:p>
+            <a:pPr marL="457200" indent="-457200" algn="l">
+              <a:buFont typeface="Arial" panose="020B0604020202020204" pitchFamily="34" charset="0"/>
+              <a:buChar char="•"/>
+            </a:pPr>
+            <a:r>
+              <a:rPr lang="en-US" sz="3200" dirty="0"/>
+              <a:t>Software architect vs building architect</a:t>
+            </a:r>
+          </a:p>
+          <a:p>
+            <a:pPr marL="457200" indent="-457200" algn="l">
+              <a:buFont typeface="Arial" panose="020B0604020202020204" pitchFamily="34" charset="0"/>
+              <a:buChar char="•"/>
+            </a:pPr>
+            <a:r>
+              <a:rPr lang="en-US" sz="3200" dirty="0"/>
+              <a:t>Software architect vs code</a:t>
+            </a:r>
+          </a:p>
+        </p:txBody>
+      </p:sp>
+    </p:spTree>
+    <p:extLst>
+      <p:ext uri="{BB962C8B-B14F-4D97-AF65-F5344CB8AC3E}">
+        <p14:creationId xmlns:p14="http://schemas.microsoft.com/office/powerpoint/2010/main" val="2502900286"/>
+      </p:ext>
+    </p:extLst>
+  </p:cSld>
+  <p:clrMapOvr>
+    <a:masterClrMapping/>
+  </p:clrMapOvr>
+  <p:timing>
+    <p:tnLst>
+      <p:par>
+        <p:cTn id="1" dur="indefinite" restart="never" nodeType="tmRoot">
+          <p:childTnLst>
+            <p:seq concurrent="1" nextAc="seek">
+              <p:cTn id="2" dur="indefinite" nodeType="mainSeq">
+                <p:childTnLst>
+                  <p:par>
+                    <p:cTn id="3" fill="hold">
+                      <p:stCondLst>
+                        <p:cond delay="indefinite"/>
+                      </p:stCondLst>
+                      <p:childTnLst>
+                        <p:par>
+                          <p:cTn id="4" fill="hold">
+                            <p:stCondLst>
+                              <p:cond delay="0"/>
+                            </p:stCondLst>
+                            <p:childTnLst>
+                              <p:par>
+                                <p:cTn id="5" presetID="10" presetClass="entr" presetSubtype="0" fill="hold" grpId="0" nodeType="clickEffect">
+                                  <p:stCondLst>
+                                    <p:cond delay="0"/>
+                                  </p:stCondLst>
+                                  <p:childTnLst>
+                                    <p:set>
+                                      <p:cBhvr>
+                                        <p:cTn id="6" dur="1" fill="hold">
+                                          <p:stCondLst>
+                                            <p:cond delay="0"/>
+                                          </p:stCondLst>
+                                        </p:cTn>
+                                        <p:tgtEl>
+                                          <p:spTgt spid="5">
+                                            <p:txEl>
+                                              <p:pRg st="0" end="0"/>
+                                            </p:txEl>
+                                          </p:spTgt>
+                                        </p:tgtEl>
+                                        <p:attrNameLst>
+                                          <p:attrName>style.visibility</p:attrName>
+                                        </p:attrNameLst>
+                                      </p:cBhvr>
+                                      <p:to>
+                                        <p:strVal val="visible"/>
+                                      </p:to>
+                                    </p:set>
+                                    <p:animEffect transition="in" filter="fade">
+                                      <p:cBhvr>
+                                        <p:cTn id="7" dur="500"/>
+                                        <p:tgtEl>
+                                          <p:spTgt spid="5">
+                                            <p:txEl>
+                                              <p:pRg st="0" end="0"/>
+                                            </p:txEl>
+                                          </p:spTgt>
+                                        </p:tgtEl>
+                                      </p:cBhvr>
+                                    </p:animEffect>
+                                  </p:childTnLst>
+                                </p:cTn>
+                              </p:par>
+                            </p:childTnLst>
+                          </p:cTn>
+                        </p:par>
+                      </p:childTnLst>
+                    </p:cTn>
+                  </p:par>
+                  <p:par>
+                    <p:cTn id="8" fill="hold">
+                      <p:stCondLst>
+                        <p:cond delay="indefinite"/>
+                      </p:stCondLst>
+                      <p:childTnLst>
+                        <p:par>
+                          <p:cTn id="9" fill="hold">
+                            <p:stCondLst>
+                              <p:cond delay="0"/>
+                            </p:stCondLst>
+                            <p:childTnLst>
+                              <p:par>
+                                <p:cTn id="10" presetID="10" presetClass="entr" presetSubtype="0" fill="hold" grpId="0" nodeType="clickEffect">
+                                  <p:stCondLst>
+                                    <p:cond delay="0"/>
+                                  </p:stCondLst>
+                                  <p:childTnLst>
+                                    <p:set>
+                                      <p:cBhvr>
+                                        <p:cTn id="11" dur="1" fill="hold">
+                                          <p:stCondLst>
+                                            <p:cond delay="0"/>
+                                          </p:stCondLst>
+                                        </p:cTn>
+                                        <p:tgtEl>
+                                          <p:spTgt spid="5">
+                                            <p:txEl>
+                                              <p:pRg st="1" end="1"/>
+                                            </p:txEl>
+                                          </p:spTgt>
+                                        </p:tgtEl>
+                                        <p:attrNameLst>
+                                          <p:attrName>style.visibility</p:attrName>
+                                        </p:attrNameLst>
+                                      </p:cBhvr>
+                                      <p:to>
+                                        <p:strVal val="visible"/>
+                                      </p:to>
+                                    </p:set>
+                                    <p:animEffect transition="in" filter="fade">
+                                      <p:cBhvr>
+                                        <p:cTn id="12" dur="500"/>
+                                        <p:tgtEl>
+                                          <p:spTgt spid="5">
+                                            <p:txEl>
+                                              <p:pRg st="1" end="1"/>
+                                            </p:txEl>
+                                          </p:spTgt>
+                                        </p:tgtEl>
+                                      </p:cBhvr>
+                                    </p:animEffect>
+                                  </p:childTnLst>
+                                </p:cTn>
+                              </p:par>
+                            </p:childTnLst>
+                          </p:cTn>
+                        </p:par>
+                      </p:childTnLst>
+                    </p:cTn>
+                  </p:par>
+                  <p:par>
+                    <p:cTn id="13" fill="hold">
+                      <p:stCondLst>
+                        <p:cond delay="indefinite"/>
+                      </p:stCondLst>
+                      <p:childTnLst>
+                        <p:par>
+                          <p:cTn id="14" fill="hold">
+                            <p:stCondLst>
+                              <p:cond delay="0"/>
+                            </p:stCondLst>
+                            <p:childTnLst>
+                              <p:par>
+                                <p:cTn id="15" presetID="10" presetClass="entr" presetSubtype="0" fill="hold" grpId="0" nodeType="clickEffect">
+                                  <p:stCondLst>
+                                    <p:cond delay="0"/>
+                                  </p:stCondLst>
+                                  <p:childTnLst>
+                                    <p:set>
+                                      <p:cBhvr>
+                                        <p:cTn id="16" dur="1" fill="hold">
+                                          <p:stCondLst>
+                                            <p:cond delay="0"/>
+                                          </p:stCondLst>
+                                        </p:cTn>
+                                        <p:tgtEl>
+                                          <p:spTgt spid="5">
+                                            <p:txEl>
+                                              <p:pRg st="2" end="2"/>
+                                            </p:txEl>
+                                          </p:spTgt>
+                                        </p:tgtEl>
+                                        <p:attrNameLst>
+                                          <p:attrName>style.visibility</p:attrName>
+                                        </p:attrNameLst>
+                                      </p:cBhvr>
+                                      <p:to>
+                                        <p:strVal val="visible"/>
+                                      </p:to>
+                                    </p:set>
+                                    <p:animEffect transition="in" filter="fade">
+                                      <p:cBhvr>
+                                        <p:cTn id="17" dur="500"/>
+                                        <p:tgtEl>
+                                          <p:spTgt spid="5">
+                                            <p:txEl>
+                                              <p:pRg st="2" end="2"/>
+                                            </p:txEl>
+                                          </p:spTgt>
+                                        </p:tgtEl>
+                                      </p:cBhvr>
+                                    </p:animEffect>
+                                  </p:childTnLst>
+                                </p:cTn>
+                              </p:par>
+                            </p:childTnLst>
+                          </p:cTn>
+                        </p:par>
+                      </p:childTnLst>
+                    </p:cTn>
+                  </p:par>
+                </p:childTnLst>
+              </p:cTn>
+              <p:prevCondLst>
+                <p:cond evt="onPrev" delay="0">
+                  <p:tgtEl>
+                    <p:sldTgt/>
+                  </p:tgtEl>
+                </p:cond>
+              </p:prevCondLst>
+              <p:nextCondLst>
+                <p:cond evt="onNext" delay="0">
+                  <p:tgtEl>
+                    <p:sldTgt/>
+                  </p:tgtEl>
+                </p:cond>
+              </p:nextCondLst>
+            </p:seq>
+          </p:childTnLst>
+        </p:cTn>
+      </p:par>
+    </p:tnLst>
+    <p:bldLst>
+      <p:bldP spid="5" grpId="0" build="p"/>
+    </p:bldLst>
+  </p:timing>
+</p:sld>
+</file>
+
+<file path=ppt/slides/slide30.xml><?xml version="1.0" encoding="utf-8"?>
 <p:sld xmlns:a="http://schemas.openxmlformats.org/drawingml/2006/main" xmlns:r="http://schemas.openxmlformats.org/officeDocument/2006/relationships" xmlns:p="http://schemas.openxmlformats.org/presentationml/2006/main">
   <p:cSld>
     <p:spTree>
@@ -40164,548 +41468,7 @@
 </p:sld>
 </file>
 
-<file path=ppt/slides/slide3.xml><?xml version="1.0" encoding="utf-8"?>
-<p:sld xmlns:a="http://schemas.openxmlformats.org/drawingml/2006/main" xmlns:r="http://schemas.openxmlformats.org/officeDocument/2006/relationships" xmlns:p="http://schemas.openxmlformats.org/presentationml/2006/main">
-  <p:cSld>
-    <p:spTree>
-      <p:nvGrpSpPr>
-        <p:cNvPr id="1" name=""/>
-        <p:cNvGrpSpPr/>
-        <p:nvPr/>
-      </p:nvGrpSpPr>
-      <p:grpSpPr>
-        <a:xfrm>
-          <a:off x="0" y="0"/>
-          <a:ext cx="0" cy="0"/>
-          <a:chOff x="0" y="0"/>
-          <a:chExt cx="0" cy="0"/>
-        </a:xfrm>
-      </p:grpSpPr>
-      <p:sp>
-        <p:nvSpPr>
-          <p:cNvPr id="6" name="Title 1"/>
-          <p:cNvSpPr txBox="1">
-            <a:spLocks/>
-          </p:cNvSpPr>
-          <p:nvPr/>
-        </p:nvSpPr>
-        <p:spPr>
-          <a:xfrm>
-            <a:off x="244634" y="893"/>
-            <a:ext cx="10789459" cy="1363224"/>
-          </a:xfrm>
-          <a:prstGeom prst="rect">
-            <a:avLst/>
-          </a:prstGeom>
-        </p:spPr>
-        <p:txBody>
-          <a:bodyPr vert="horz" lIns="91416" tIns="45708" rIns="91416" bIns="45708" rtlCol="0" anchor="ctr">
-            <a:normAutofit/>
-          </a:bodyPr>
-          <a:lstStyle>
-            <a:lvl1pPr algn="ctr" defTabSz="914400" rtl="0" eaLnBrk="1" latinLnBrk="0" hangingPunct="1">
-              <a:lnSpc>
-                <a:spcPct val="90000"/>
-              </a:lnSpc>
-              <a:spcBef>
-                <a:spcPct val="0"/>
-              </a:spcBef>
-              <a:buNone/>
-              <a:defRPr sz="6000" kern="1200">
-                <a:solidFill>
-                  <a:schemeClr val="tx1"/>
-                </a:solidFill>
-                <a:latin typeface="+mj-lt"/>
-                <a:ea typeface="+mj-ea"/>
-                <a:cs typeface="+mj-cs"/>
-              </a:defRPr>
-            </a:lvl1pPr>
-          </a:lstStyle>
-          <a:p>
-            <a:pPr algn="l" defTabSz="914126"/>
-            <a:r>
-              <a:rPr lang="en-IN" sz="4400" b="1" dirty="0">
-                <a:solidFill>
-                  <a:srgbClr val="FFFF00"/>
-                </a:solidFill>
-                <a:latin typeface="Adobe Clean" panose="020B0503020404020204" pitchFamily="34" charset="0"/>
-              </a:rPr>
-              <a:t>Subjects</a:t>
-            </a:r>
-            <a:r>
-              <a:rPr lang="en-IN" sz="4999" b="1" dirty="0">
-                <a:solidFill>
-                  <a:srgbClr val="FFFF00"/>
-                </a:solidFill>
-                <a:latin typeface="Adobe Clean" panose="020B0503020404020204" pitchFamily="34" charset="0"/>
-              </a:rPr>
-              <a:t> </a:t>
-            </a:r>
-            <a:r>
-              <a:rPr lang="en-IN" sz="4400" b="1" dirty="0">
-                <a:solidFill>
-                  <a:srgbClr val="FFFF00"/>
-                </a:solidFill>
-                <a:latin typeface="Adobe Clean" panose="020B0503020404020204" pitchFamily="34" charset="0"/>
-              </a:rPr>
-              <a:t>to Cover</a:t>
-            </a:r>
-            <a:endParaRPr lang="en-IN" sz="4999" b="1" dirty="0">
-              <a:solidFill>
-                <a:srgbClr val="FFFF00"/>
-              </a:solidFill>
-              <a:latin typeface="Adobe Clean" panose="020B0503020404020204" pitchFamily="34" charset="0"/>
-            </a:endParaRPr>
-          </a:p>
-        </p:txBody>
-      </p:sp>
-      <p:sp>
-        <p:nvSpPr>
-          <p:cNvPr id="5" name="Content Placeholder 13"/>
-          <p:cNvSpPr txBox="1">
-            <a:spLocks/>
-          </p:cNvSpPr>
-          <p:nvPr/>
-        </p:nvSpPr>
-        <p:spPr>
-          <a:xfrm>
-            <a:off x="1293812" y="2895600"/>
-            <a:ext cx="8915399" cy="1752601"/>
-          </a:xfrm>
-          <a:prstGeom prst="rect">
-            <a:avLst/>
-          </a:prstGeom>
-        </p:spPr>
-        <p:txBody>
-          <a:bodyPr vert="horz" lIns="91440" tIns="45720" rIns="91440" bIns="45720" rtlCol="0">
-            <a:normAutofit/>
-          </a:bodyPr>
-          <a:lstStyle>
-            <a:lvl1pPr marL="0" indent="0" algn="ctr" defTabSz="914126" rtl="0" eaLnBrk="1" latinLnBrk="0" hangingPunct="1">
-              <a:lnSpc>
-                <a:spcPct val="90000"/>
-              </a:lnSpc>
-              <a:spcBef>
-                <a:spcPts val="1000"/>
-              </a:spcBef>
-              <a:buFont typeface="Arial" panose="020B0604020202020204" pitchFamily="34" charset="0"/>
-              <a:buNone/>
-              <a:defRPr sz="2399" kern="1200">
-                <a:solidFill>
-                  <a:schemeClr val="tx1"/>
-                </a:solidFill>
-                <a:latin typeface="+mn-lt"/>
-                <a:ea typeface="+mn-ea"/>
-                <a:cs typeface="+mn-cs"/>
-              </a:defRPr>
-            </a:lvl1pPr>
-            <a:lvl2pPr marL="457063" indent="0" algn="ctr" defTabSz="914126" rtl="0" eaLnBrk="1" latinLnBrk="0" hangingPunct="1">
-              <a:lnSpc>
-                <a:spcPct val="90000"/>
-              </a:lnSpc>
-              <a:spcBef>
-                <a:spcPts val="500"/>
-              </a:spcBef>
-              <a:buFont typeface="Arial" panose="020B0604020202020204" pitchFamily="34" charset="0"/>
-              <a:buNone/>
-              <a:defRPr sz="1999" kern="1200">
-                <a:solidFill>
-                  <a:schemeClr val="tx1"/>
-                </a:solidFill>
-                <a:latin typeface="+mn-lt"/>
-                <a:ea typeface="+mn-ea"/>
-                <a:cs typeface="+mn-cs"/>
-              </a:defRPr>
-            </a:lvl2pPr>
-            <a:lvl3pPr marL="914126" indent="0" algn="ctr" defTabSz="914126" rtl="0" eaLnBrk="1" latinLnBrk="0" hangingPunct="1">
-              <a:lnSpc>
-                <a:spcPct val="90000"/>
-              </a:lnSpc>
-              <a:spcBef>
-                <a:spcPts val="500"/>
-              </a:spcBef>
-              <a:buFont typeface="Arial" panose="020B0604020202020204" pitchFamily="34" charset="0"/>
-              <a:buNone/>
-              <a:defRPr sz="1799" kern="1200">
-                <a:solidFill>
-                  <a:schemeClr val="tx1"/>
-                </a:solidFill>
-                <a:latin typeface="+mn-lt"/>
-                <a:ea typeface="+mn-ea"/>
-                <a:cs typeface="+mn-cs"/>
-              </a:defRPr>
-            </a:lvl3pPr>
-            <a:lvl4pPr marL="1371189" indent="0" algn="ctr" defTabSz="914126" rtl="0" eaLnBrk="1" latinLnBrk="0" hangingPunct="1">
-              <a:lnSpc>
-                <a:spcPct val="90000"/>
-              </a:lnSpc>
-              <a:spcBef>
-                <a:spcPts val="500"/>
-              </a:spcBef>
-              <a:buFont typeface="Arial" panose="020B0604020202020204" pitchFamily="34" charset="0"/>
-              <a:buNone/>
-              <a:defRPr sz="1600" kern="1200">
-                <a:solidFill>
-                  <a:schemeClr val="tx1"/>
-                </a:solidFill>
-                <a:latin typeface="+mn-lt"/>
-                <a:ea typeface="+mn-ea"/>
-                <a:cs typeface="+mn-cs"/>
-              </a:defRPr>
-            </a:lvl4pPr>
-            <a:lvl5pPr marL="1828251" indent="0" algn="ctr" defTabSz="914126" rtl="0" eaLnBrk="1" latinLnBrk="0" hangingPunct="1">
-              <a:lnSpc>
-                <a:spcPct val="90000"/>
-              </a:lnSpc>
-              <a:spcBef>
-                <a:spcPts val="500"/>
-              </a:spcBef>
-              <a:buFont typeface="Arial" panose="020B0604020202020204" pitchFamily="34" charset="0"/>
-              <a:buNone/>
-              <a:defRPr sz="1600" kern="1200">
-                <a:solidFill>
-                  <a:schemeClr val="tx1"/>
-                </a:solidFill>
-                <a:latin typeface="+mn-lt"/>
-                <a:ea typeface="+mn-ea"/>
-                <a:cs typeface="+mn-cs"/>
-              </a:defRPr>
-            </a:lvl5pPr>
-            <a:lvl6pPr marL="2285314" indent="0" algn="ctr" defTabSz="914126" rtl="0" eaLnBrk="1" latinLnBrk="0" hangingPunct="1">
-              <a:lnSpc>
-                <a:spcPct val="90000"/>
-              </a:lnSpc>
-              <a:spcBef>
-                <a:spcPts val="500"/>
-              </a:spcBef>
-              <a:buFont typeface="Arial" panose="020B0604020202020204" pitchFamily="34" charset="0"/>
-              <a:buNone/>
-              <a:defRPr sz="1600" kern="1200">
-                <a:solidFill>
-                  <a:schemeClr val="tx1"/>
-                </a:solidFill>
-                <a:latin typeface="+mn-lt"/>
-                <a:ea typeface="+mn-ea"/>
-                <a:cs typeface="+mn-cs"/>
-              </a:defRPr>
-            </a:lvl6pPr>
-            <a:lvl7pPr marL="2742377" indent="0" algn="ctr" defTabSz="914126" rtl="0" eaLnBrk="1" latinLnBrk="0" hangingPunct="1">
-              <a:lnSpc>
-                <a:spcPct val="90000"/>
-              </a:lnSpc>
-              <a:spcBef>
-                <a:spcPts val="500"/>
-              </a:spcBef>
-              <a:buFont typeface="Arial" panose="020B0604020202020204" pitchFamily="34" charset="0"/>
-              <a:buNone/>
-              <a:defRPr sz="1600" kern="1200">
-                <a:solidFill>
-                  <a:schemeClr val="tx1"/>
-                </a:solidFill>
-                <a:latin typeface="+mn-lt"/>
-                <a:ea typeface="+mn-ea"/>
-                <a:cs typeface="+mn-cs"/>
-              </a:defRPr>
-            </a:lvl7pPr>
-            <a:lvl8pPr marL="3199440" indent="0" algn="ctr" defTabSz="914126" rtl="0" eaLnBrk="1" latinLnBrk="0" hangingPunct="1">
-              <a:lnSpc>
-                <a:spcPct val="90000"/>
-              </a:lnSpc>
-              <a:spcBef>
-                <a:spcPts val="500"/>
-              </a:spcBef>
-              <a:buFont typeface="Arial" panose="020B0604020202020204" pitchFamily="34" charset="0"/>
-              <a:buNone/>
-              <a:defRPr sz="1600" kern="1200">
-                <a:solidFill>
-                  <a:schemeClr val="tx1"/>
-                </a:solidFill>
-                <a:latin typeface="+mn-lt"/>
-                <a:ea typeface="+mn-ea"/>
-                <a:cs typeface="+mn-cs"/>
-              </a:defRPr>
-            </a:lvl8pPr>
-            <a:lvl9pPr marL="3656503" indent="0" algn="ctr" defTabSz="914126" rtl="0" eaLnBrk="1" latinLnBrk="0" hangingPunct="1">
-              <a:lnSpc>
-                <a:spcPct val="90000"/>
-              </a:lnSpc>
-              <a:spcBef>
-                <a:spcPts val="500"/>
-              </a:spcBef>
-              <a:buFont typeface="Arial" panose="020B0604020202020204" pitchFamily="34" charset="0"/>
-              <a:buNone/>
-              <a:defRPr sz="1600" kern="1200">
-                <a:solidFill>
-                  <a:schemeClr val="tx1"/>
-                </a:solidFill>
-                <a:latin typeface="+mn-lt"/>
-                <a:ea typeface="+mn-ea"/>
-                <a:cs typeface="+mn-cs"/>
-              </a:defRPr>
-            </a:lvl9pPr>
-          </a:lstStyle>
-          <a:p>
-            <a:pPr marL="457200" indent="-457200" algn="l">
-              <a:buFont typeface="Arial" panose="020B0604020202020204" pitchFamily="34" charset="0"/>
-              <a:buChar char="•"/>
-            </a:pPr>
-            <a:r>
-              <a:rPr lang="en-US" sz="3200" dirty="0"/>
-              <a:t>Questions to answer</a:t>
-            </a:r>
-          </a:p>
-          <a:p>
-            <a:pPr marL="457200" indent="-457200" algn="l">
-              <a:buFont typeface="Arial" panose="020B0604020202020204" pitchFamily="34" charset="0"/>
-              <a:buChar char="•"/>
-            </a:pPr>
-            <a:r>
-              <a:rPr lang="en-US" sz="3200" dirty="0"/>
-              <a:t>Software architect vs building architect</a:t>
-            </a:r>
-          </a:p>
-          <a:p>
-            <a:pPr marL="457200" indent="-457200" algn="l">
-              <a:buFont typeface="Arial" panose="020B0604020202020204" pitchFamily="34" charset="0"/>
-              <a:buChar char="•"/>
-            </a:pPr>
-            <a:r>
-              <a:rPr lang="en-US" sz="3200" dirty="0"/>
-              <a:t>Software architect vs code</a:t>
-            </a:r>
-          </a:p>
-        </p:txBody>
-      </p:sp>
-    </p:spTree>
-    <p:extLst>
-      <p:ext uri="{BB962C8B-B14F-4D97-AF65-F5344CB8AC3E}">
-        <p14:creationId xmlns:p14="http://schemas.microsoft.com/office/powerpoint/2010/main" val="2502900286"/>
-      </p:ext>
-    </p:extLst>
-  </p:cSld>
-  <p:clrMapOvr>
-    <a:masterClrMapping/>
-  </p:clrMapOvr>
-  <p:timing>
-    <p:tnLst>
-      <p:par>
-        <p:cTn id="1" dur="indefinite" restart="never" nodeType="tmRoot">
-          <p:childTnLst>
-            <p:seq concurrent="1" nextAc="seek">
-              <p:cTn id="2" dur="indefinite" nodeType="mainSeq">
-                <p:childTnLst>
-                  <p:par>
-                    <p:cTn id="3" fill="hold">
-                      <p:stCondLst>
-                        <p:cond delay="indefinite"/>
-                      </p:stCondLst>
-                      <p:childTnLst>
-                        <p:par>
-                          <p:cTn id="4" fill="hold">
-                            <p:stCondLst>
-                              <p:cond delay="0"/>
-                            </p:stCondLst>
-                            <p:childTnLst>
-                              <p:par>
-                                <p:cTn id="5" presetID="10" presetClass="entr" presetSubtype="0" fill="hold" grpId="0" nodeType="clickEffect">
-                                  <p:stCondLst>
-                                    <p:cond delay="0"/>
-                                  </p:stCondLst>
-                                  <p:childTnLst>
-                                    <p:set>
-                                      <p:cBhvr>
-                                        <p:cTn id="6" dur="1" fill="hold">
-                                          <p:stCondLst>
-                                            <p:cond delay="0"/>
-                                          </p:stCondLst>
-                                        </p:cTn>
-                                        <p:tgtEl>
-                                          <p:spTgt spid="5">
-                                            <p:txEl>
-                                              <p:pRg st="0" end="0"/>
-                                            </p:txEl>
-                                          </p:spTgt>
-                                        </p:tgtEl>
-                                        <p:attrNameLst>
-                                          <p:attrName>style.visibility</p:attrName>
-                                        </p:attrNameLst>
-                                      </p:cBhvr>
-                                      <p:to>
-                                        <p:strVal val="visible"/>
-                                      </p:to>
-                                    </p:set>
-                                    <p:animEffect transition="in" filter="fade">
-                                      <p:cBhvr>
-                                        <p:cTn id="7" dur="500"/>
-                                        <p:tgtEl>
-                                          <p:spTgt spid="5">
-                                            <p:txEl>
-                                              <p:pRg st="0" end="0"/>
-                                            </p:txEl>
-                                          </p:spTgt>
-                                        </p:tgtEl>
-                                      </p:cBhvr>
-                                    </p:animEffect>
-                                  </p:childTnLst>
-                                </p:cTn>
-                              </p:par>
-                            </p:childTnLst>
-                          </p:cTn>
-                        </p:par>
-                      </p:childTnLst>
-                    </p:cTn>
-                  </p:par>
-                  <p:par>
-                    <p:cTn id="8" fill="hold">
-                      <p:stCondLst>
-                        <p:cond delay="indefinite"/>
-                      </p:stCondLst>
-                      <p:childTnLst>
-                        <p:par>
-                          <p:cTn id="9" fill="hold">
-                            <p:stCondLst>
-                              <p:cond delay="0"/>
-                            </p:stCondLst>
-                            <p:childTnLst>
-                              <p:par>
-                                <p:cTn id="10" presetID="10" presetClass="entr" presetSubtype="0" fill="hold" grpId="0" nodeType="clickEffect">
-                                  <p:stCondLst>
-                                    <p:cond delay="0"/>
-                                  </p:stCondLst>
-                                  <p:childTnLst>
-                                    <p:set>
-                                      <p:cBhvr>
-                                        <p:cTn id="11" dur="1" fill="hold">
-                                          <p:stCondLst>
-                                            <p:cond delay="0"/>
-                                          </p:stCondLst>
-                                        </p:cTn>
-                                        <p:tgtEl>
-                                          <p:spTgt spid="5">
-                                            <p:txEl>
-                                              <p:pRg st="1" end="1"/>
-                                            </p:txEl>
-                                          </p:spTgt>
-                                        </p:tgtEl>
-                                        <p:attrNameLst>
-                                          <p:attrName>style.visibility</p:attrName>
-                                        </p:attrNameLst>
-                                      </p:cBhvr>
-                                      <p:to>
-                                        <p:strVal val="visible"/>
-                                      </p:to>
-                                    </p:set>
-                                    <p:animEffect transition="in" filter="fade">
-                                      <p:cBhvr>
-                                        <p:cTn id="12" dur="500"/>
-                                        <p:tgtEl>
-                                          <p:spTgt spid="5">
-                                            <p:txEl>
-                                              <p:pRg st="1" end="1"/>
-                                            </p:txEl>
-                                          </p:spTgt>
-                                        </p:tgtEl>
-                                      </p:cBhvr>
-                                    </p:animEffect>
-                                  </p:childTnLst>
-                                </p:cTn>
-                              </p:par>
-                            </p:childTnLst>
-                          </p:cTn>
-                        </p:par>
-                      </p:childTnLst>
-                    </p:cTn>
-                  </p:par>
-                  <p:par>
-                    <p:cTn id="13" fill="hold">
-                      <p:stCondLst>
-                        <p:cond delay="indefinite"/>
-                      </p:stCondLst>
-                      <p:childTnLst>
-                        <p:par>
-                          <p:cTn id="14" fill="hold">
-                            <p:stCondLst>
-                              <p:cond delay="0"/>
-                            </p:stCondLst>
-                            <p:childTnLst>
-                              <p:par>
-                                <p:cTn id="15" presetID="10" presetClass="entr" presetSubtype="0" fill="hold" grpId="0" nodeType="clickEffect">
-                                  <p:stCondLst>
-                                    <p:cond delay="0"/>
-                                  </p:stCondLst>
-                                  <p:childTnLst>
-                                    <p:set>
-                                      <p:cBhvr>
-                                        <p:cTn id="16" dur="1" fill="hold">
-                                          <p:stCondLst>
-                                            <p:cond delay="0"/>
-                                          </p:stCondLst>
-                                        </p:cTn>
-                                        <p:tgtEl>
-                                          <p:spTgt spid="5">
-                                            <p:txEl>
-                                              <p:pRg st="2" end="2"/>
-                                            </p:txEl>
-                                          </p:spTgt>
-                                        </p:tgtEl>
-                                        <p:attrNameLst>
-                                          <p:attrName>style.visibility</p:attrName>
-                                        </p:attrNameLst>
-                                      </p:cBhvr>
-                                      <p:to>
-                                        <p:strVal val="visible"/>
-                                      </p:to>
-                                    </p:set>
-                                    <p:animEffect transition="in" filter="fade">
-                                      <p:cBhvr>
-                                        <p:cTn id="17" dur="500"/>
-                                        <p:tgtEl>
-                                          <p:spTgt spid="5">
-                                            <p:txEl>
-                                              <p:pRg st="2" end="2"/>
-                                            </p:txEl>
-                                          </p:spTgt>
-                                        </p:tgtEl>
-                                      </p:cBhvr>
-                                    </p:animEffect>
-                                  </p:childTnLst>
-                                </p:cTn>
-                              </p:par>
-                            </p:childTnLst>
-                          </p:cTn>
-                        </p:par>
-                      </p:childTnLst>
-                    </p:cTn>
-                  </p:par>
-                </p:childTnLst>
-              </p:cTn>
-              <p:prevCondLst>
-                <p:cond evt="onPrev" delay="0">
-                  <p:tgtEl>
-                    <p:sldTgt/>
-                  </p:tgtEl>
-                </p:cond>
-              </p:prevCondLst>
-              <p:nextCondLst>
-                <p:cond evt="onNext" delay="0">
-                  <p:tgtEl>
-                    <p:sldTgt/>
-                  </p:tgtEl>
-                </p:cond>
-              </p:nextCondLst>
-            </p:seq>
-          </p:childTnLst>
-        </p:cTn>
-      </p:par>
-    </p:tnLst>
-    <p:bldLst>
-      <p:bldP spid="5" grpId="0" build="p"/>
-    </p:bldLst>
-  </p:timing>
-</p:sld>
-</file>
-
-<file path=ppt/slides/slide30.xml><?xml version="1.0" encoding="utf-8"?>
+<file path=ppt/slides/slide31.xml><?xml version="1.0" encoding="utf-8"?>
 <p:sld xmlns:a="http://schemas.openxmlformats.org/drawingml/2006/main" xmlns:r="http://schemas.openxmlformats.org/officeDocument/2006/relationships" xmlns:p="http://schemas.openxmlformats.org/presentationml/2006/main">
   <p:cSld>
     <p:spTree>
@@ -42316,7 +43079,7 @@
 </p:sld>
 </file>
 
-<file path=ppt/slides/slide31.xml><?xml version="1.0" encoding="utf-8"?>
+<file path=ppt/slides/slide32.xml><?xml version="1.0" encoding="utf-8"?>
 <p:sld xmlns:a="http://schemas.openxmlformats.org/drawingml/2006/main" xmlns:r="http://schemas.openxmlformats.org/officeDocument/2006/relationships" xmlns:p="http://schemas.openxmlformats.org/presentationml/2006/main">
   <p:cSld>
     <p:spTree>
@@ -42866,8 +43629,8 @@
         </p:nvSpPr>
         <p:spPr>
           <a:xfrm>
-            <a:off x="824028" y="2581465"/>
-            <a:ext cx="4419600" cy="3581400"/>
+            <a:off x="455612" y="2581465"/>
+            <a:ext cx="5867400" cy="3581400"/>
           </a:xfrm>
           <a:prstGeom prst="rect">
             <a:avLst/>
@@ -43068,14 +43831,7 @@
             </a:pPr>
             <a:r>
               <a:rPr lang="en-US" dirty="0"/>
-              <a:t>How do I collect business </a:t>
-            </a:r>
-          </a:p>
-          <a:p>
-            <a:pPr algn="l"/>
-            <a:r>
-              <a:rPr lang="en-US" dirty="0"/>
-              <a:t>requirements?</a:t>
+              <a:t>How do I collect business requirements?</a:t>
             </a:r>
           </a:p>
           <a:p>
@@ -43085,14 +43841,14 @@
             </a:pPr>
             <a:r>
               <a:rPr lang="en-US" dirty="0"/>
-              <a:t>How to prepare my demo for </a:t>
+              <a:t>How to prepare my demo for</a:t>
             </a:r>
           </a:p>
           <a:p>
             <a:pPr algn="l"/>
             <a:r>
               <a:rPr lang="en-US" dirty="0"/>
-              <a:t>upper management.?</a:t>
+              <a:t>     upper management.?</a:t>
             </a:r>
           </a:p>
         </p:txBody>
@@ -43104,14 +43860,14 @@
           <p:nvPr>
             <p:extLst>
               <p:ext uri="{D42A27DB-BD31-4B8C-83A1-F6EECF244321}">
-                <p14:modId xmlns:p14="http://schemas.microsoft.com/office/powerpoint/2010/main" val="1052771812"/>
+                <p14:modId xmlns:p14="http://schemas.microsoft.com/office/powerpoint/2010/main" val="2946992566"/>
               </p:ext>
             </p:extLst>
           </p:nvPr>
         </p:nvGraphicFramePr>
         <p:xfrm>
-          <a:off x="5256212" y="533400"/>
-          <a:ext cx="6336357" cy="4274256"/>
+          <a:off x="6018212" y="838200"/>
+          <a:ext cx="5574357" cy="3816853"/>
         </p:xfrm>
         <a:graphic>
           <a:graphicData uri="http://schemas.openxmlformats.org/drawingml/2006/diagram">
@@ -43126,14 +43882,14 @@
           <p:nvPr>
             <p:extLst>
               <p:ext uri="{D42A27DB-BD31-4B8C-83A1-F6EECF244321}">
-                <p14:modId xmlns:p14="http://schemas.microsoft.com/office/powerpoint/2010/main" val="2483721995"/>
+                <p14:modId xmlns:p14="http://schemas.microsoft.com/office/powerpoint/2010/main" val="4219551163"/>
               </p:ext>
             </p:extLst>
           </p:nvPr>
         </p:nvGraphicFramePr>
         <p:xfrm>
-          <a:off x="5256212" y="1998486"/>
-          <a:ext cx="6348941" cy="4156428"/>
+          <a:off x="6025238" y="1710165"/>
+          <a:ext cx="5586941" cy="4173714"/>
         </p:xfrm>
         <a:graphic>
           <a:graphicData uri="http://schemas.openxmlformats.org/drawingml/2006/diagram">
@@ -43148,14 +43904,14 @@
           <p:nvPr>
             <p:extLst>
               <p:ext uri="{D42A27DB-BD31-4B8C-83A1-F6EECF244321}">
-                <p14:modId xmlns:p14="http://schemas.microsoft.com/office/powerpoint/2010/main" val="2939327877"/>
+                <p14:modId xmlns:p14="http://schemas.microsoft.com/office/powerpoint/2010/main" val="508113924"/>
               </p:ext>
             </p:extLst>
           </p:nvPr>
         </p:nvGraphicFramePr>
         <p:xfrm>
-          <a:off x="5256212" y="3209043"/>
-          <a:ext cx="6348941" cy="4544484"/>
+          <a:off x="6032264" y="2719409"/>
+          <a:ext cx="5586941" cy="4563384"/>
         </p:xfrm>
         <a:graphic>
           <a:graphicData uri="http://schemas.openxmlformats.org/drawingml/2006/diagram">
@@ -43419,33 +44175,15 @@
                                   </p:childTnLst>
                                 </p:cTn>
                               </p:par>
-                            </p:childTnLst>
-                          </p:cTn>
-                        </p:par>
-                      </p:childTnLst>
-                    </p:cTn>
-                  </p:par>
-                  <p:par>
-                    <p:cTn id="23" fill="hold">
-                      <p:stCondLst>
-                        <p:cond delay="indefinite"/>
-                      </p:stCondLst>
-                      <p:childTnLst>
-                        <p:par>
-                          <p:cTn id="24" fill="hold">
-                            <p:stCondLst>
-                              <p:cond delay="0"/>
-                            </p:stCondLst>
-                            <p:childTnLst>
                               <p:par>
-                                <p:cTn id="25" presetID="10" presetClass="entr" presetSubtype="0" fill="hold" grpId="0" nodeType="clickEffect">
+                                <p:cTn id="23" presetID="10" presetClass="entr" presetSubtype="0" fill="hold" nodeType="withEffect">
                                   <p:stCondLst>
                                     <p:cond delay="0"/>
                                   </p:stCondLst>
                                   <p:childTnLst>
                                     <p:set>
                                       <p:cBhvr>
-                                        <p:cTn id="26" dur="1" fill="hold">
+                                        <p:cTn id="24" dur="1" fill="hold">
                                           <p:stCondLst>
                                             <p:cond delay="0"/>
                                           </p:stCondLst>
@@ -43467,7 +44205,7 @@
                                     </p:set>
                                     <p:animEffect transition="in" filter="fade">
                                       <p:cBhvr>
-                                        <p:cTn id="27" dur="500"/>
+                                        <p:cTn id="25" dur="500"/>
                                         <p:tgtEl>
                                           <p:spTgt spid="4">
                                             <p:txEl>
@@ -43487,87 +44225,26 @@
                     </p:cTn>
                   </p:par>
                   <p:par>
-                    <p:cTn id="28" fill="hold">
+                    <p:cTn id="26" fill="hold">
                       <p:stCondLst>
                         <p:cond delay="indefinite"/>
                       </p:stCondLst>
                       <p:childTnLst>
                         <p:par>
-                          <p:cTn id="29" fill="hold">
+                          <p:cTn id="27" fill="hold">
                             <p:stCondLst>
                               <p:cond delay="0"/>
                             </p:stCondLst>
                             <p:childTnLst>
                               <p:par>
-                                <p:cTn id="30" presetID="10" presetClass="entr" presetSubtype="0" fill="hold" grpId="0" nodeType="clickEffect">
+                                <p:cTn id="28" presetID="10" presetClass="entr" presetSubtype="0" fill="hold" grpId="0" nodeType="clickEffect">
                                   <p:stCondLst>
                                     <p:cond delay="0"/>
                                   </p:stCondLst>
                                   <p:childTnLst>
                                     <p:set>
                                       <p:cBhvr>
-                                        <p:cTn id="31" dur="1" fill="hold">
-                                          <p:stCondLst>
-                                            <p:cond delay="0"/>
-                                          </p:stCondLst>
-                                        </p:cTn>
-                                        <p:tgtEl>
-                                          <p:spTgt spid="4">
-                                            <p:txEl>
-                                              <p:pRg st="5" end="5"/>
-                                            </p:txEl>
-                                          </p:spTgt>
-                                        </p:tgtEl>
-                                        <p:attrNameLst>
-                                          <p:attrName>style.visibility</p:attrName>
-                                        </p:attrNameLst>
-                                      </p:cBhvr>
-                                      <p:to>
-                                        <p:strVal val="visible"/>
-                                      </p:to>
-                                    </p:set>
-                                    <p:animEffect transition="in" filter="fade">
-                                      <p:cBhvr>
-                                        <p:cTn id="32" dur="500"/>
-                                        <p:tgtEl>
-                                          <p:spTgt spid="4">
-                                            <p:txEl>
-                                              <p:pRg st="5" end="5"/>
-                                            </p:txEl>
-                                          </p:spTgt>
-                                        </p:tgtEl>
-                                      </p:cBhvr>
-                                    </p:animEffect>
-                                  </p:childTnLst>
-                                </p:cTn>
-                              </p:par>
-                            </p:childTnLst>
-                          </p:cTn>
-                        </p:par>
-                      </p:childTnLst>
-                    </p:cTn>
-                  </p:par>
-                  <p:par>
-                    <p:cTn id="33" fill="hold">
-                      <p:stCondLst>
-                        <p:cond delay="indefinite"/>
-                      </p:stCondLst>
-                      <p:childTnLst>
-                        <p:par>
-                          <p:cTn id="34" fill="hold">
-                            <p:stCondLst>
-                              <p:cond delay="0"/>
-                            </p:stCondLst>
-                            <p:childTnLst>
-                              <p:par>
-                                <p:cTn id="35" presetID="10" presetClass="entr" presetSubtype="0" fill="hold" grpId="0" nodeType="clickEffect">
-                                  <p:stCondLst>
-                                    <p:cond delay="0"/>
-                                  </p:stCondLst>
-                                  <p:childTnLst>
-                                    <p:set>
-                                      <p:cBhvr>
-                                        <p:cTn id="36" dur="1" fill="hold">
+                                        <p:cTn id="29" dur="1" fill="hold">
                                           <p:stCondLst>
                                             <p:cond delay="0"/>
                                           </p:stCondLst>
@@ -43585,7 +44262,7 @@
                                     </p:set>
                                     <p:animEffect transition="in" filter="fade">
                                       <p:cBhvr>
-                                        <p:cTn id="37" dur="500"/>
+                                        <p:cTn id="30" dur="500"/>
                                         <p:tgtEl>
                                           <p:spTgt spid="5"/>
                                         </p:tgtEl>
@@ -43601,26 +44278,26 @@
                     </p:cTn>
                   </p:par>
                   <p:par>
-                    <p:cTn id="38" fill="hold">
+                    <p:cTn id="31" fill="hold">
                       <p:stCondLst>
                         <p:cond delay="indefinite"/>
                       </p:stCondLst>
                       <p:childTnLst>
                         <p:par>
-                          <p:cTn id="39" fill="hold">
+                          <p:cTn id="32" fill="hold">
                             <p:stCondLst>
                               <p:cond delay="0"/>
                             </p:stCondLst>
                             <p:childTnLst>
                               <p:par>
-                                <p:cTn id="40" presetID="10" presetClass="entr" presetSubtype="0" fill="hold" grpId="0" nodeType="clickEffect">
+                                <p:cTn id="33" presetID="10" presetClass="entr" presetSubtype="0" fill="hold" grpId="0" nodeType="clickEffect">
                                   <p:stCondLst>
                                     <p:cond delay="0"/>
                                   </p:stCondLst>
                                   <p:childTnLst>
                                     <p:set>
                                       <p:cBhvr>
-                                        <p:cTn id="41" dur="1" fill="hold">
+                                        <p:cTn id="34" dur="1" fill="hold">
                                           <p:stCondLst>
                                             <p:cond delay="0"/>
                                           </p:stCondLst>
@@ -43638,7 +44315,7 @@
                                     </p:set>
                                     <p:animEffect transition="in" filter="fade">
                                       <p:cBhvr>
-                                        <p:cTn id="42" dur="500"/>
+                                        <p:cTn id="35" dur="500"/>
                                         <p:tgtEl>
                                           <p:spTgt spid="10"/>
                                         </p:tgtEl>
@@ -43654,26 +44331,26 @@
                     </p:cTn>
                   </p:par>
                   <p:par>
-                    <p:cTn id="43" fill="hold">
+                    <p:cTn id="36" fill="hold">
                       <p:stCondLst>
                         <p:cond delay="indefinite"/>
                       </p:stCondLst>
                       <p:childTnLst>
                         <p:par>
-                          <p:cTn id="44" fill="hold">
+                          <p:cTn id="37" fill="hold">
                             <p:stCondLst>
                               <p:cond delay="0"/>
                             </p:stCondLst>
                             <p:childTnLst>
                               <p:par>
-                                <p:cTn id="45" presetID="10" presetClass="entr" presetSubtype="0" fill="hold" grpId="0" nodeType="clickEffect">
+                                <p:cTn id="38" presetID="10" presetClass="entr" presetSubtype="0" fill="hold" grpId="0" nodeType="clickEffect">
                                   <p:stCondLst>
                                     <p:cond delay="0"/>
                                   </p:stCondLst>
                                   <p:childTnLst>
                                     <p:set>
                                       <p:cBhvr>
-                                        <p:cTn id="46" dur="1" fill="hold">
+                                        <p:cTn id="39" dur="1" fill="hold">
                                           <p:stCondLst>
                                             <p:cond delay="0"/>
                                           </p:stCondLst>
@@ -43691,7 +44368,7 @@
                                     </p:set>
                                     <p:animEffect transition="in" filter="fade">
                                       <p:cBhvr>
-                                        <p:cTn id="47" dur="500"/>
+                                        <p:cTn id="40" dur="500"/>
                                         <p:tgtEl>
                                           <p:spTgt spid="11"/>
                                         </p:tgtEl>
@@ -43728,7 +44405,7 @@
       </p:par>
     </p:tnLst>
     <p:bldLst>
-      <p:bldP spid="4" grpId="0" build="p"/>
+      <p:bldP spid="4" grpId="0" uiExpand="1" build="p"/>
       <p:bldGraphic spid="5" grpId="0">
         <p:bldAsOne/>
       </p:bldGraphic>
@@ -46133,6 +46810,122 @@
       </p:grpSpPr>
       <p:sp>
         <p:nvSpPr>
+          <p:cNvPr id="2" name="Title 1"/>
+          <p:cNvSpPr>
+            <a:spLocks noGrp="1"/>
+          </p:cNvSpPr>
+          <p:nvPr>
+            <p:ph type="title" idx="4294967295"/>
+          </p:nvPr>
+        </p:nvSpPr>
+        <p:spPr>
+          <a:xfrm>
+            <a:off x="757791" y="2835764"/>
+            <a:ext cx="10512862" cy="1325218"/>
+          </a:xfrm>
+        </p:spPr>
+        <p:txBody>
+          <a:bodyPr/>
+          <a:lstStyle/>
+          <a:p>
+            <a:pPr algn="ctr"/>
+            <a:r>
+              <a:rPr lang="en-IN" dirty="0">
+                <a:latin typeface="Adobe Clean" panose="020B0503020404020204" pitchFamily="34" charset="0"/>
+              </a:rPr>
+              <a:t>Software Architect vs Building Architect</a:t>
+            </a:r>
+          </a:p>
+        </p:txBody>
+      </p:sp>
+      <p:pic>
+        <p:nvPicPr>
+          <p:cNvPr id="3" name="Picture 2"/>
+          <p:cNvPicPr>
+            <a:picLocks noChangeAspect="1"/>
+          </p:cNvPicPr>
+          <p:nvPr/>
+        </p:nvPicPr>
+        <p:blipFill>
+          <a:blip r:embed="rId2" cstate="print">
+            <a:extLst>
+              <a:ext uri="{28A0092B-C50C-407E-A947-70E740481C1C}">
+                <a14:useLocalDpi xmlns:a14="http://schemas.microsoft.com/office/drawing/2010/main" val="0"/>
+              </a:ext>
+            </a:extLst>
+          </a:blip>
+          <a:stretch>
+            <a:fillRect/>
+          </a:stretch>
+        </p:blipFill>
+        <p:spPr>
+          <a:xfrm>
+            <a:off x="4795022" y="914400"/>
+            <a:ext cx="2438400" cy="1676400"/>
+          </a:xfrm>
+          <a:prstGeom prst="rect">
+            <a:avLst/>
+          </a:prstGeom>
+          <a:ln w="190500" cap="sq">
+            <a:solidFill>
+              <a:srgbClr val="C8C6BD"/>
+            </a:solidFill>
+            <a:prstDash val="solid"/>
+            <a:miter lim="800000"/>
+          </a:ln>
+          <a:effectLst>
+            <a:outerShdw blurRad="254000" algn="bl" rotWithShape="0">
+              <a:srgbClr val="000000">
+                <a:alpha val="43000"/>
+              </a:srgbClr>
+            </a:outerShdw>
+          </a:effectLst>
+          <a:scene3d>
+            <a:camera prst="perspectiveFront" fov="5400000"/>
+            <a:lightRig rig="threePt" dir="t">
+              <a:rot lat="0" lon="0" rev="2100000"/>
+            </a:lightRig>
+          </a:scene3d>
+          <a:sp3d extrusionH="25400">
+            <a:bevelT w="304800" h="152400" prst="hardEdge"/>
+            <a:extrusionClr>
+              <a:srgbClr val="000000"/>
+            </a:extrusionClr>
+          </a:sp3d>
+        </p:spPr>
+      </p:pic>
+    </p:spTree>
+    <p:extLst>
+      <p:ext uri="{BB962C8B-B14F-4D97-AF65-F5344CB8AC3E}">
+        <p14:creationId xmlns:p14="http://schemas.microsoft.com/office/powerpoint/2010/main" val="2754860585"/>
+      </p:ext>
+    </p:extLst>
+  </p:cSld>
+  <p:clrMapOvr>
+    <a:masterClrMapping/>
+  </p:clrMapOvr>
+</p:sld>
+</file>
+
+<file path=ppt/slides/slide9.xml><?xml version="1.0" encoding="utf-8"?>
+<p:sld xmlns:a="http://schemas.openxmlformats.org/drawingml/2006/main" xmlns:r="http://schemas.openxmlformats.org/officeDocument/2006/relationships" xmlns:p="http://schemas.openxmlformats.org/presentationml/2006/main">
+  <p:cSld>
+    <p:spTree>
+      <p:nvGrpSpPr>
+        <p:cNvPr id="1" name=""/>
+        <p:cNvGrpSpPr/>
+        <p:nvPr/>
+      </p:nvGrpSpPr>
+      <p:grpSpPr>
+        <a:xfrm>
+          <a:off x="0" y="0"/>
+          <a:ext cx="0" cy="0"/>
+          <a:chOff x="0" y="0"/>
+          <a:chExt cx="0" cy="0"/>
+        </a:xfrm>
+      </p:grpSpPr>
+      <p:sp>
+        <p:nvSpPr>
           <p:cNvPr id="6" name="Title 1"/>
           <p:cNvSpPr txBox="1">
             <a:spLocks/>
@@ -46755,768 +47548,6 @@
     <p:bldLst>
       <p:bldP spid="9" grpId="0"/>
       <p:bldP spid="10" grpId="0"/>
-    </p:bldLst>
-  </p:timing>
-</p:sld>
-</file>
-
-<file path=ppt/slides/slide9.xml><?xml version="1.0" encoding="utf-8"?>
-<p:sld xmlns:a="http://schemas.openxmlformats.org/drawingml/2006/main" xmlns:r="http://schemas.openxmlformats.org/officeDocument/2006/relationships" xmlns:p="http://schemas.openxmlformats.org/presentationml/2006/main">
-  <p:cSld>
-    <p:spTree>
-      <p:nvGrpSpPr>
-        <p:cNvPr id="1" name=""/>
-        <p:cNvGrpSpPr/>
-        <p:nvPr/>
-      </p:nvGrpSpPr>
-      <p:grpSpPr>
-        <a:xfrm>
-          <a:off x="0" y="0"/>
-          <a:ext cx="0" cy="0"/>
-          <a:chOff x="0" y="0"/>
-          <a:chExt cx="0" cy="0"/>
-        </a:xfrm>
-      </p:grpSpPr>
-      <p:sp>
-        <p:nvSpPr>
-          <p:cNvPr id="6" name="Title 1"/>
-          <p:cNvSpPr txBox="1">
-            <a:spLocks/>
-          </p:cNvSpPr>
-          <p:nvPr/>
-        </p:nvSpPr>
-        <p:spPr>
-          <a:xfrm>
-            <a:off x="244634" y="893"/>
-            <a:ext cx="10789459" cy="1363224"/>
-          </a:xfrm>
-          <a:prstGeom prst="rect">
-            <a:avLst/>
-          </a:prstGeom>
-        </p:spPr>
-        <p:txBody>
-          <a:bodyPr vert="horz" lIns="91416" tIns="45708" rIns="91416" bIns="45708" rtlCol="0" anchor="ctr">
-            <a:normAutofit/>
-          </a:bodyPr>
-          <a:lstStyle>
-            <a:lvl1pPr algn="ctr" defTabSz="914400" rtl="0" eaLnBrk="1" latinLnBrk="0" hangingPunct="1">
-              <a:lnSpc>
-                <a:spcPct val="90000"/>
-              </a:lnSpc>
-              <a:spcBef>
-                <a:spcPct val="0"/>
-              </a:spcBef>
-              <a:buNone/>
-              <a:defRPr sz="6000" kern="1200">
-                <a:solidFill>
-                  <a:schemeClr val="tx1"/>
-                </a:solidFill>
-                <a:latin typeface="+mj-lt"/>
-                <a:ea typeface="+mj-ea"/>
-                <a:cs typeface="+mj-cs"/>
-              </a:defRPr>
-            </a:lvl1pPr>
-          </a:lstStyle>
-          <a:p>
-            <a:pPr algn="l" defTabSz="914126"/>
-            <a:r>
-              <a:rPr lang="en-IN" sz="4400" b="1" dirty="0">
-                <a:solidFill>
-                  <a:srgbClr val="FFFF00"/>
-                </a:solidFill>
-                <a:latin typeface="Adobe Clean" panose="020B0503020404020204" pitchFamily="34" charset="0"/>
-              </a:rPr>
-              <a:t>Software Architect vs Building Architect</a:t>
-            </a:r>
-          </a:p>
-        </p:txBody>
-      </p:sp>
-      <p:sp>
-        <p:nvSpPr>
-          <p:cNvPr id="7" name="Content Placeholder 2"/>
-          <p:cNvSpPr txBox="1">
-            <a:spLocks/>
-          </p:cNvSpPr>
-          <p:nvPr/>
-        </p:nvSpPr>
-        <p:spPr>
-          <a:xfrm>
-            <a:off x="1598613" y="1866900"/>
-            <a:ext cx="4419599" cy="571500"/>
-          </a:xfrm>
-          <a:prstGeom prst="rect">
-            <a:avLst/>
-          </a:prstGeom>
-        </p:spPr>
-        <p:txBody>
-          <a:bodyPr vert="horz" lIns="91440" tIns="45720" rIns="91440" bIns="45720" rtlCol="0">
-            <a:normAutofit fontScale="85000" lnSpcReduction="20000"/>
-          </a:bodyPr>
-          <a:lstStyle>
-            <a:lvl1pPr marL="0" indent="0" algn="ctr" defTabSz="914126" rtl="0" eaLnBrk="1" latinLnBrk="0" hangingPunct="1">
-              <a:lnSpc>
-                <a:spcPct val="90000"/>
-              </a:lnSpc>
-              <a:spcBef>
-                <a:spcPts val="1000"/>
-              </a:spcBef>
-              <a:buFont typeface="Arial" panose="020B0604020202020204" pitchFamily="34" charset="0"/>
-              <a:buNone/>
-              <a:defRPr sz="2399" kern="1200">
-                <a:solidFill>
-                  <a:schemeClr val="tx1"/>
-                </a:solidFill>
-                <a:latin typeface="+mn-lt"/>
-                <a:ea typeface="+mn-ea"/>
-                <a:cs typeface="+mn-cs"/>
-              </a:defRPr>
-            </a:lvl1pPr>
-            <a:lvl2pPr marL="457063" indent="0" algn="ctr" defTabSz="914126" rtl="0" eaLnBrk="1" latinLnBrk="0" hangingPunct="1">
-              <a:lnSpc>
-                <a:spcPct val="90000"/>
-              </a:lnSpc>
-              <a:spcBef>
-                <a:spcPts val="500"/>
-              </a:spcBef>
-              <a:buFont typeface="Arial" panose="020B0604020202020204" pitchFamily="34" charset="0"/>
-              <a:buNone/>
-              <a:defRPr sz="1999" kern="1200">
-                <a:solidFill>
-                  <a:schemeClr val="tx1"/>
-                </a:solidFill>
-                <a:latin typeface="+mn-lt"/>
-                <a:ea typeface="+mn-ea"/>
-                <a:cs typeface="+mn-cs"/>
-              </a:defRPr>
-            </a:lvl2pPr>
-            <a:lvl3pPr marL="914126" indent="0" algn="ctr" defTabSz="914126" rtl="0" eaLnBrk="1" latinLnBrk="0" hangingPunct="1">
-              <a:lnSpc>
-                <a:spcPct val="90000"/>
-              </a:lnSpc>
-              <a:spcBef>
-                <a:spcPts val="500"/>
-              </a:spcBef>
-              <a:buFont typeface="Arial" panose="020B0604020202020204" pitchFamily="34" charset="0"/>
-              <a:buNone/>
-              <a:defRPr sz="1799" kern="1200">
-                <a:solidFill>
-                  <a:schemeClr val="tx1"/>
-                </a:solidFill>
-                <a:latin typeface="+mn-lt"/>
-                <a:ea typeface="+mn-ea"/>
-                <a:cs typeface="+mn-cs"/>
-              </a:defRPr>
-            </a:lvl3pPr>
-            <a:lvl4pPr marL="1371189" indent="0" algn="ctr" defTabSz="914126" rtl="0" eaLnBrk="1" latinLnBrk="0" hangingPunct="1">
-              <a:lnSpc>
-                <a:spcPct val="90000"/>
-              </a:lnSpc>
-              <a:spcBef>
-                <a:spcPts val="500"/>
-              </a:spcBef>
-              <a:buFont typeface="Arial" panose="020B0604020202020204" pitchFamily="34" charset="0"/>
-              <a:buNone/>
-              <a:defRPr sz="1600" kern="1200">
-                <a:solidFill>
-                  <a:schemeClr val="tx1"/>
-                </a:solidFill>
-                <a:latin typeface="+mn-lt"/>
-                <a:ea typeface="+mn-ea"/>
-                <a:cs typeface="+mn-cs"/>
-              </a:defRPr>
-            </a:lvl4pPr>
-            <a:lvl5pPr marL="1828251" indent="0" algn="ctr" defTabSz="914126" rtl="0" eaLnBrk="1" latinLnBrk="0" hangingPunct="1">
-              <a:lnSpc>
-                <a:spcPct val="90000"/>
-              </a:lnSpc>
-              <a:spcBef>
-                <a:spcPts val="500"/>
-              </a:spcBef>
-              <a:buFont typeface="Arial" panose="020B0604020202020204" pitchFamily="34" charset="0"/>
-              <a:buNone/>
-              <a:defRPr sz="1600" kern="1200">
-                <a:solidFill>
-                  <a:schemeClr val="tx1"/>
-                </a:solidFill>
-                <a:latin typeface="+mn-lt"/>
-                <a:ea typeface="+mn-ea"/>
-                <a:cs typeface="+mn-cs"/>
-              </a:defRPr>
-            </a:lvl5pPr>
-            <a:lvl6pPr marL="2285314" indent="0" algn="ctr" defTabSz="914126" rtl="0" eaLnBrk="1" latinLnBrk="0" hangingPunct="1">
-              <a:lnSpc>
-                <a:spcPct val="90000"/>
-              </a:lnSpc>
-              <a:spcBef>
-                <a:spcPts val="500"/>
-              </a:spcBef>
-              <a:buFont typeface="Arial" panose="020B0604020202020204" pitchFamily="34" charset="0"/>
-              <a:buNone/>
-              <a:defRPr sz="1600" kern="1200">
-                <a:solidFill>
-                  <a:schemeClr val="tx1"/>
-                </a:solidFill>
-                <a:latin typeface="+mn-lt"/>
-                <a:ea typeface="+mn-ea"/>
-                <a:cs typeface="+mn-cs"/>
-              </a:defRPr>
-            </a:lvl6pPr>
-            <a:lvl7pPr marL="2742377" indent="0" algn="ctr" defTabSz="914126" rtl="0" eaLnBrk="1" latinLnBrk="0" hangingPunct="1">
-              <a:lnSpc>
-                <a:spcPct val="90000"/>
-              </a:lnSpc>
-              <a:spcBef>
-                <a:spcPts val="500"/>
-              </a:spcBef>
-              <a:buFont typeface="Arial" panose="020B0604020202020204" pitchFamily="34" charset="0"/>
-              <a:buNone/>
-              <a:defRPr sz="1600" kern="1200">
-                <a:solidFill>
-                  <a:schemeClr val="tx1"/>
-                </a:solidFill>
-                <a:latin typeface="+mn-lt"/>
-                <a:ea typeface="+mn-ea"/>
-                <a:cs typeface="+mn-cs"/>
-              </a:defRPr>
-            </a:lvl7pPr>
-            <a:lvl8pPr marL="3199440" indent="0" algn="ctr" defTabSz="914126" rtl="0" eaLnBrk="1" latinLnBrk="0" hangingPunct="1">
-              <a:lnSpc>
-                <a:spcPct val="90000"/>
-              </a:lnSpc>
-              <a:spcBef>
-                <a:spcPts val="500"/>
-              </a:spcBef>
-              <a:buFont typeface="Arial" panose="020B0604020202020204" pitchFamily="34" charset="0"/>
-              <a:buNone/>
-              <a:defRPr sz="1600" kern="1200">
-                <a:solidFill>
-                  <a:schemeClr val="tx1"/>
-                </a:solidFill>
-                <a:latin typeface="+mn-lt"/>
-                <a:ea typeface="+mn-ea"/>
-                <a:cs typeface="+mn-cs"/>
-              </a:defRPr>
-            </a:lvl8pPr>
-            <a:lvl9pPr marL="3656503" indent="0" algn="ctr" defTabSz="914126" rtl="0" eaLnBrk="1" latinLnBrk="0" hangingPunct="1">
-              <a:lnSpc>
-                <a:spcPct val="90000"/>
-              </a:lnSpc>
-              <a:spcBef>
-                <a:spcPts val="500"/>
-              </a:spcBef>
-              <a:buFont typeface="Arial" panose="020B0604020202020204" pitchFamily="34" charset="0"/>
-              <a:buNone/>
-              <a:defRPr sz="1600" kern="1200">
-                <a:solidFill>
-                  <a:schemeClr val="tx1"/>
-                </a:solidFill>
-                <a:latin typeface="+mn-lt"/>
-                <a:ea typeface="+mn-ea"/>
-                <a:cs typeface="+mn-cs"/>
-              </a:defRPr>
-            </a:lvl9pPr>
-          </a:lstStyle>
-          <a:p>
-            <a:pPr algn="l"/>
-            <a:r>
-              <a:rPr lang="en-US" sz="2800" b="1" dirty="0"/>
-              <a:t>Building room floor plan</a:t>
-            </a:r>
-            <a:br>
-              <a:rPr lang="en-US" dirty="0"/>
-            </a:br>
-            <a:endParaRPr lang="en-US" dirty="0"/>
-          </a:p>
-        </p:txBody>
-      </p:sp>
-      <p:sp>
-        <p:nvSpPr>
-          <p:cNvPr id="8" name="Content Placeholder 3"/>
-          <p:cNvSpPr txBox="1">
-            <a:spLocks/>
-          </p:cNvSpPr>
-          <p:nvPr/>
-        </p:nvSpPr>
-        <p:spPr>
-          <a:xfrm>
-            <a:off x="6246812" y="1857292"/>
-            <a:ext cx="4419600" cy="581108"/>
-          </a:xfrm>
-          <a:prstGeom prst="rect">
-            <a:avLst/>
-          </a:prstGeom>
-        </p:spPr>
-        <p:txBody>
-          <a:bodyPr/>
-          <a:lstStyle>
-            <a:lvl1pPr marL="228531" indent="-228531" algn="l" defTabSz="914126" rtl="0" eaLnBrk="1" latinLnBrk="0" hangingPunct="1">
-              <a:lnSpc>
-                <a:spcPct val="90000"/>
-              </a:lnSpc>
-              <a:spcBef>
-                <a:spcPts val="1000"/>
-              </a:spcBef>
-              <a:buFont typeface="Arial" panose="020B0604020202020204" pitchFamily="34" charset="0"/>
-              <a:buChar char="•"/>
-              <a:defRPr sz="2799" kern="1200">
-                <a:solidFill>
-                  <a:schemeClr val="tx1"/>
-                </a:solidFill>
-                <a:latin typeface="+mn-lt"/>
-                <a:ea typeface="+mn-ea"/>
-                <a:cs typeface="+mn-cs"/>
-              </a:defRPr>
-            </a:lvl1pPr>
-            <a:lvl2pPr marL="685594" indent="-228531" algn="l" defTabSz="914126" rtl="0" eaLnBrk="1" latinLnBrk="0" hangingPunct="1">
-              <a:lnSpc>
-                <a:spcPct val="90000"/>
-              </a:lnSpc>
-              <a:spcBef>
-                <a:spcPts val="500"/>
-              </a:spcBef>
-              <a:buFont typeface="Arial" panose="020B0604020202020204" pitchFamily="34" charset="0"/>
-              <a:buChar char="•"/>
-              <a:defRPr sz="2399" kern="1200">
-                <a:solidFill>
-                  <a:schemeClr val="tx1"/>
-                </a:solidFill>
-                <a:latin typeface="+mn-lt"/>
-                <a:ea typeface="+mn-ea"/>
-                <a:cs typeface="+mn-cs"/>
-              </a:defRPr>
-            </a:lvl2pPr>
-            <a:lvl3pPr marL="1142657" indent="-228531" algn="l" defTabSz="914126" rtl="0" eaLnBrk="1" latinLnBrk="0" hangingPunct="1">
-              <a:lnSpc>
-                <a:spcPct val="90000"/>
-              </a:lnSpc>
-              <a:spcBef>
-                <a:spcPts val="500"/>
-              </a:spcBef>
-              <a:buFont typeface="Arial" panose="020B0604020202020204" pitchFamily="34" charset="0"/>
-              <a:buChar char="•"/>
-              <a:defRPr sz="1999" kern="1200">
-                <a:solidFill>
-                  <a:schemeClr val="tx1"/>
-                </a:solidFill>
-                <a:latin typeface="+mn-lt"/>
-                <a:ea typeface="+mn-ea"/>
-                <a:cs typeface="+mn-cs"/>
-              </a:defRPr>
-            </a:lvl3pPr>
-            <a:lvl4pPr marL="1599720" indent="-228531" algn="l" defTabSz="914126" rtl="0" eaLnBrk="1" latinLnBrk="0" hangingPunct="1">
-              <a:lnSpc>
-                <a:spcPct val="90000"/>
-              </a:lnSpc>
-              <a:spcBef>
-                <a:spcPts val="500"/>
-              </a:spcBef>
-              <a:buFont typeface="Arial" panose="020B0604020202020204" pitchFamily="34" charset="0"/>
-              <a:buChar char="•"/>
-              <a:defRPr sz="1799" kern="1200">
-                <a:solidFill>
-                  <a:schemeClr val="tx1"/>
-                </a:solidFill>
-                <a:latin typeface="+mn-lt"/>
-                <a:ea typeface="+mn-ea"/>
-                <a:cs typeface="+mn-cs"/>
-              </a:defRPr>
-            </a:lvl4pPr>
-            <a:lvl5pPr marL="2056783" indent="-228531" algn="l" defTabSz="914126" rtl="0" eaLnBrk="1" latinLnBrk="0" hangingPunct="1">
-              <a:lnSpc>
-                <a:spcPct val="90000"/>
-              </a:lnSpc>
-              <a:spcBef>
-                <a:spcPts val="500"/>
-              </a:spcBef>
-              <a:buFont typeface="Arial" panose="020B0604020202020204" pitchFamily="34" charset="0"/>
-              <a:buChar char="•"/>
-              <a:defRPr sz="1799" kern="1200">
-                <a:solidFill>
-                  <a:schemeClr val="tx1"/>
-                </a:solidFill>
-                <a:latin typeface="+mn-lt"/>
-                <a:ea typeface="+mn-ea"/>
-                <a:cs typeface="+mn-cs"/>
-              </a:defRPr>
-            </a:lvl5pPr>
-            <a:lvl6pPr marL="2513846" indent="-228531" algn="l" defTabSz="914126" rtl="0" eaLnBrk="1" latinLnBrk="0" hangingPunct="1">
-              <a:lnSpc>
-                <a:spcPct val="90000"/>
-              </a:lnSpc>
-              <a:spcBef>
-                <a:spcPts val="500"/>
-              </a:spcBef>
-              <a:buFont typeface="Arial" panose="020B0604020202020204" pitchFamily="34" charset="0"/>
-              <a:buChar char="•"/>
-              <a:defRPr sz="1799" kern="1200">
-                <a:solidFill>
-                  <a:schemeClr val="tx1"/>
-                </a:solidFill>
-                <a:latin typeface="+mn-lt"/>
-                <a:ea typeface="+mn-ea"/>
-                <a:cs typeface="+mn-cs"/>
-              </a:defRPr>
-            </a:lvl6pPr>
-            <a:lvl7pPr marL="2970908" indent="-228531" algn="l" defTabSz="914126" rtl="0" eaLnBrk="1" latinLnBrk="0" hangingPunct="1">
-              <a:lnSpc>
-                <a:spcPct val="90000"/>
-              </a:lnSpc>
-              <a:spcBef>
-                <a:spcPts val="500"/>
-              </a:spcBef>
-              <a:buFont typeface="Arial" panose="020B0604020202020204" pitchFamily="34" charset="0"/>
-              <a:buChar char="•"/>
-              <a:defRPr sz="1799" kern="1200">
-                <a:solidFill>
-                  <a:schemeClr val="tx1"/>
-                </a:solidFill>
-                <a:latin typeface="+mn-lt"/>
-                <a:ea typeface="+mn-ea"/>
-                <a:cs typeface="+mn-cs"/>
-              </a:defRPr>
-            </a:lvl7pPr>
-            <a:lvl8pPr marL="3427971" indent="-228531" algn="l" defTabSz="914126" rtl="0" eaLnBrk="1" latinLnBrk="0" hangingPunct="1">
-              <a:lnSpc>
-                <a:spcPct val="90000"/>
-              </a:lnSpc>
-              <a:spcBef>
-                <a:spcPts val="500"/>
-              </a:spcBef>
-              <a:buFont typeface="Arial" panose="020B0604020202020204" pitchFamily="34" charset="0"/>
-              <a:buChar char="•"/>
-              <a:defRPr sz="1799" kern="1200">
-                <a:solidFill>
-                  <a:schemeClr val="tx1"/>
-                </a:solidFill>
-                <a:latin typeface="+mn-lt"/>
-                <a:ea typeface="+mn-ea"/>
-                <a:cs typeface="+mn-cs"/>
-              </a:defRPr>
-            </a:lvl8pPr>
-            <a:lvl9pPr marL="3885034" indent="-228531" algn="l" defTabSz="914126" rtl="0" eaLnBrk="1" latinLnBrk="0" hangingPunct="1">
-              <a:lnSpc>
-                <a:spcPct val="90000"/>
-              </a:lnSpc>
-              <a:spcBef>
-                <a:spcPts val="500"/>
-              </a:spcBef>
-              <a:buFont typeface="Arial" panose="020B0604020202020204" pitchFamily="34" charset="0"/>
-              <a:buChar char="•"/>
-              <a:defRPr sz="1799" kern="1200">
-                <a:solidFill>
-                  <a:schemeClr val="tx1"/>
-                </a:solidFill>
-                <a:latin typeface="+mn-lt"/>
-                <a:ea typeface="+mn-ea"/>
-                <a:cs typeface="+mn-cs"/>
-              </a:defRPr>
-            </a:lvl9pPr>
-          </a:lstStyle>
-          <a:p>
-            <a:pPr marL="0" indent="0">
-              <a:buNone/>
-            </a:pPr>
-            <a:r>
-              <a:rPr lang="en-US" sz="2400" b="1" dirty="0"/>
-              <a:t>Application servers diagram</a:t>
-            </a:r>
-          </a:p>
-        </p:txBody>
-      </p:sp>
-      <p:pic>
-        <p:nvPicPr>
-          <p:cNvPr id="11" name="Picture 10"/>
-          <p:cNvPicPr>
-            <a:picLocks noChangeAspect="1"/>
-          </p:cNvPicPr>
-          <p:nvPr/>
-        </p:nvPicPr>
-        <p:blipFill>
-          <a:blip r:embed="rId2">
-            <a:extLst>
-              <a:ext uri="{28A0092B-C50C-407E-A947-70E740481C1C}">
-                <a14:useLocalDpi xmlns:a14="http://schemas.microsoft.com/office/drawing/2010/main" val="0"/>
-              </a:ext>
-            </a:extLst>
-          </a:blip>
-          <a:stretch>
-            <a:fillRect/>
-          </a:stretch>
-        </p:blipFill>
-        <p:spPr>
-          <a:xfrm>
-            <a:off x="1419451" y="2324100"/>
-            <a:ext cx="4011837" cy="3276600"/>
-          </a:xfrm>
-          <a:prstGeom prst="rect">
-            <a:avLst/>
-          </a:prstGeom>
-        </p:spPr>
-      </p:pic>
-      <p:pic>
-        <p:nvPicPr>
-          <p:cNvPr id="12" name="Picture 11"/>
-          <p:cNvPicPr>
-            <a:picLocks noChangeAspect="1"/>
-          </p:cNvPicPr>
-          <p:nvPr/>
-        </p:nvPicPr>
-        <p:blipFill>
-          <a:blip r:embed="rId3">
-            <a:extLst>
-              <a:ext uri="{28A0092B-C50C-407E-A947-70E740481C1C}">
-                <a14:useLocalDpi xmlns:a14="http://schemas.microsoft.com/office/drawing/2010/main" val="0"/>
-              </a:ext>
-            </a:extLst>
-          </a:blip>
-          <a:stretch>
-            <a:fillRect/>
-          </a:stretch>
-        </p:blipFill>
-        <p:spPr>
-          <a:xfrm>
-            <a:off x="6323012" y="2590800"/>
-            <a:ext cx="2913229" cy="3302823"/>
-          </a:xfrm>
-          <a:prstGeom prst="rect">
-            <a:avLst/>
-          </a:prstGeom>
-        </p:spPr>
-      </p:pic>
-    </p:spTree>
-    <p:extLst>
-      <p:ext uri="{BB962C8B-B14F-4D97-AF65-F5344CB8AC3E}">
-        <p14:creationId xmlns:p14="http://schemas.microsoft.com/office/powerpoint/2010/main" val="3032423340"/>
-      </p:ext>
-    </p:extLst>
-  </p:cSld>
-  <p:clrMapOvr>
-    <a:masterClrMapping/>
-  </p:clrMapOvr>
-  <p:timing>
-    <p:tnLst>
-      <p:par>
-        <p:cTn id="1" dur="indefinite" restart="never" nodeType="tmRoot">
-          <p:childTnLst>
-            <p:seq concurrent="1" nextAc="seek">
-              <p:cTn id="2" dur="indefinite" nodeType="mainSeq">
-                <p:childTnLst>
-                  <p:par>
-                    <p:cTn id="3" fill="hold">
-                      <p:stCondLst>
-                        <p:cond delay="indefinite"/>
-                      </p:stCondLst>
-                      <p:childTnLst>
-                        <p:par>
-                          <p:cTn id="4" fill="hold">
-                            <p:stCondLst>
-                              <p:cond delay="0"/>
-                            </p:stCondLst>
-                            <p:childTnLst>
-                              <p:par>
-                                <p:cTn id="5" presetID="10" presetClass="entr" presetSubtype="0" fill="hold" grpId="0" nodeType="clickEffect">
-                                  <p:stCondLst>
-                                    <p:cond delay="0"/>
-                                  </p:stCondLst>
-                                  <p:childTnLst>
-                                    <p:set>
-                                      <p:cBhvr>
-                                        <p:cTn id="6" dur="1" fill="hold">
-                                          <p:stCondLst>
-                                            <p:cond delay="0"/>
-                                          </p:stCondLst>
-                                        </p:cTn>
-                                        <p:tgtEl>
-                                          <p:spTgt spid="7">
-                                            <p:txEl>
-                                              <p:pRg st="0" end="0"/>
-                                            </p:txEl>
-                                          </p:spTgt>
-                                        </p:tgtEl>
-                                        <p:attrNameLst>
-                                          <p:attrName>style.visibility</p:attrName>
-                                        </p:attrNameLst>
-                                      </p:cBhvr>
-                                      <p:to>
-                                        <p:strVal val="visible"/>
-                                      </p:to>
-                                    </p:set>
-                                    <p:animEffect transition="in" filter="fade">
-                                      <p:cBhvr>
-                                        <p:cTn id="7" dur="500"/>
-                                        <p:tgtEl>
-                                          <p:spTgt spid="7">
-                                            <p:txEl>
-                                              <p:pRg st="0" end="0"/>
-                                            </p:txEl>
-                                          </p:spTgt>
-                                        </p:tgtEl>
-                                      </p:cBhvr>
-                                    </p:animEffect>
-                                  </p:childTnLst>
-                                </p:cTn>
-                              </p:par>
-                              <p:par>
-                                <p:cTn id="8" presetID="10" presetClass="entr" presetSubtype="0" fill="hold" nodeType="withEffect">
-                                  <p:stCondLst>
-                                    <p:cond delay="0"/>
-                                  </p:stCondLst>
-                                  <p:childTnLst>
-                                    <p:set>
-                                      <p:cBhvr>
-                                        <p:cTn id="9" dur="1" fill="hold">
-                                          <p:stCondLst>
-                                            <p:cond delay="0"/>
-                                          </p:stCondLst>
-                                        </p:cTn>
-                                        <p:tgtEl>
-                                          <p:spTgt spid="11"/>
-                                        </p:tgtEl>
-                                        <p:attrNameLst>
-                                          <p:attrName>style.visibility</p:attrName>
-                                        </p:attrNameLst>
-                                      </p:cBhvr>
-                                      <p:to>
-                                        <p:strVal val="visible"/>
-                                      </p:to>
-                                    </p:set>
-                                    <p:animEffect transition="in" filter="fade">
-                                      <p:cBhvr>
-                                        <p:cTn id="10" dur="500"/>
-                                        <p:tgtEl>
-                                          <p:spTgt spid="11"/>
-                                        </p:tgtEl>
-                                      </p:cBhvr>
-                                    </p:animEffect>
-                                  </p:childTnLst>
-                                </p:cTn>
-                              </p:par>
-                            </p:childTnLst>
-                          </p:cTn>
-                        </p:par>
-                      </p:childTnLst>
-                    </p:cTn>
-                  </p:par>
-                  <p:par>
-                    <p:cTn id="11" fill="hold">
-                      <p:stCondLst>
-                        <p:cond delay="indefinite"/>
-                      </p:stCondLst>
-                      <p:childTnLst>
-                        <p:par>
-                          <p:cTn id="12" fill="hold">
-                            <p:stCondLst>
-                              <p:cond delay="0"/>
-                            </p:stCondLst>
-                            <p:childTnLst>
-                              <p:par>
-                                <p:cTn id="13" presetID="10" presetClass="entr" presetSubtype="0" fill="hold" grpId="0" nodeType="clickEffect">
-                                  <p:stCondLst>
-                                    <p:cond delay="0"/>
-                                  </p:stCondLst>
-                                  <p:childTnLst>
-                                    <p:set>
-                                      <p:cBhvr>
-                                        <p:cTn id="14" dur="1" fill="hold">
-                                          <p:stCondLst>
-                                            <p:cond delay="0"/>
-                                          </p:stCondLst>
-                                        </p:cTn>
-                                        <p:tgtEl>
-                                          <p:spTgt spid="8">
-                                            <p:txEl>
-                                              <p:pRg st="0" end="0"/>
-                                            </p:txEl>
-                                          </p:spTgt>
-                                        </p:tgtEl>
-                                        <p:attrNameLst>
-                                          <p:attrName>style.visibility</p:attrName>
-                                        </p:attrNameLst>
-                                      </p:cBhvr>
-                                      <p:to>
-                                        <p:strVal val="visible"/>
-                                      </p:to>
-                                    </p:set>
-                                    <p:animEffect transition="in" filter="fade">
-                                      <p:cBhvr>
-                                        <p:cTn id="15" dur="500"/>
-                                        <p:tgtEl>
-                                          <p:spTgt spid="8">
-                                            <p:txEl>
-                                              <p:pRg st="0" end="0"/>
-                                            </p:txEl>
-                                          </p:spTgt>
-                                        </p:tgtEl>
-                                      </p:cBhvr>
-                                    </p:animEffect>
-                                  </p:childTnLst>
-                                </p:cTn>
-                              </p:par>
-                              <p:par>
-                                <p:cTn id="16" presetID="10" presetClass="entr" presetSubtype="0" fill="hold" nodeType="withEffect">
-                                  <p:stCondLst>
-                                    <p:cond delay="0"/>
-                                  </p:stCondLst>
-                                  <p:childTnLst>
-                                    <p:set>
-                                      <p:cBhvr>
-                                        <p:cTn id="17" dur="1" fill="hold">
-                                          <p:stCondLst>
-                                            <p:cond delay="0"/>
-                                          </p:stCondLst>
-                                        </p:cTn>
-                                        <p:tgtEl>
-                                          <p:spTgt spid="12"/>
-                                        </p:tgtEl>
-                                        <p:attrNameLst>
-                                          <p:attrName>style.visibility</p:attrName>
-                                        </p:attrNameLst>
-                                      </p:cBhvr>
-                                      <p:to>
-                                        <p:strVal val="visible"/>
-                                      </p:to>
-                                    </p:set>
-                                    <p:animEffect transition="in" filter="fade">
-                                      <p:cBhvr>
-                                        <p:cTn id="18" dur="500"/>
-                                        <p:tgtEl>
-                                          <p:spTgt spid="12"/>
-                                        </p:tgtEl>
-                                      </p:cBhvr>
-                                    </p:animEffect>
-                                  </p:childTnLst>
-                                </p:cTn>
-                              </p:par>
-                            </p:childTnLst>
-                          </p:cTn>
-                        </p:par>
-                      </p:childTnLst>
-                    </p:cTn>
-                  </p:par>
-                </p:childTnLst>
-              </p:cTn>
-              <p:prevCondLst>
-                <p:cond evt="onPrev" delay="0">
-                  <p:tgtEl>
-                    <p:sldTgt/>
-                  </p:tgtEl>
-                </p:cond>
-              </p:prevCondLst>
-              <p:nextCondLst>
-                <p:cond evt="onNext" delay="0">
-                  <p:tgtEl>
-                    <p:sldTgt/>
-                  </p:tgtEl>
-                </p:cond>
-              </p:nextCondLst>
-            </p:seq>
-          </p:childTnLst>
-        </p:cTn>
-      </p:par>
-    </p:tnLst>
-    <p:bldLst>
-      <p:bldP spid="7" grpId="0" build="p"/>
-      <p:bldP spid="8" grpId="0" build="p"/>
     </p:bldLst>
   </p:timing>
 </p:sld>

--- a/powerpoint/architect/Crafting CF App Like An Architect.pptx
+++ b/powerpoint/architect/Crafting CF App Like An Architect.pptx
@@ -5,10 +5,10 @@
     <p:sldMasterId id="2147483660" r:id="rId2"/>
   </p:sldMasterIdLst>
   <p:notesMasterIdLst>
-    <p:notesMasterId r:id="rId35"/>
+    <p:notesMasterId r:id="rId36"/>
   </p:notesMasterIdLst>
   <p:handoutMasterIdLst>
-    <p:handoutMasterId r:id="rId36"/>
+    <p:handoutMasterId r:id="rId37"/>
   </p:handoutMasterIdLst>
   <p:sldIdLst>
     <p:sldId id="357" r:id="rId3"/>
@@ -18,36 +18,37 @@
     <p:sldId id="361" r:id="rId7"/>
     <p:sldId id="362" r:id="rId8"/>
     <p:sldId id="363" r:id="rId9"/>
-    <p:sldId id="388" r:id="rId10"/>
-    <p:sldId id="364" r:id="rId11"/>
-    <p:sldId id="365" r:id="rId12"/>
-    <p:sldId id="366" r:id="rId13"/>
-    <p:sldId id="367" r:id="rId14"/>
-    <p:sldId id="368" r:id="rId15"/>
-    <p:sldId id="369" r:id="rId16"/>
-    <p:sldId id="370" r:id="rId17"/>
-    <p:sldId id="371" r:id="rId18"/>
-    <p:sldId id="382" r:id="rId19"/>
-    <p:sldId id="372" r:id="rId20"/>
-    <p:sldId id="373" r:id="rId21"/>
-    <p:sldId id="374" r:id="rId22"/>
-    <p:sldId id="375" r:id="rId23"/>
-    <p:sldId id="376" r:id="rId24"/>
-    <p:sldId id="377" r:id="rId25"/>
-    <p:sldId id="378" r:id="rId26"/>
-    <p:sldId id="379" r:id="rId27"/>
-    <p:sldId id="380" r:id="rId28"/>
-    <p:sldId id="381" r:id="rId29"/>
-    <p:sldId id="383" r:id="rId30"/>
-    <p:sldId id="384" r:id="rId31"/>
-    <p:sldId id="385" r:id="rId32"/>
-    <p:sldId id="386" r:id="rId33"/>
-    <p:sldId id="387" r:id="rId34"/>
+    <p:sldId id="389" r:id="rId10"/>
+    <p:sldId id="388" r:id="rId11"/>
+    <p:sldId id="364" r:id="rId12"/>
+    <p:sldId id="365" r:id="rId13"/>
+    <p:sldId id="366" r:id="rId14"/>
+    <p:sldId id="367" r:id="rId15"/>
+    <p:sldId id="368" r:id="rId16"/>
+    <p:sldId id="369" r:id="rId17"/>
+    <p:sldId id="370" r:id="rId18"/>
+    <p:sldId id="371" r:id="rId19"/>
+    <p:sldId id="382" r:id="rId20"/>
+    <p:sldId id="372" r:id="rId21"/>
+    <p:sldId id="373" r:id="rId22"/>
+    <p:sldId id="374" r:id="rId23"/>
+    <p:sldId id="375" r:id="rId24"/>
+    <p:sldId id="376" r:id="rId25"/>
+    <p:sldId id="377" r:id="rId26"/>
+    <p:sldId id="378" r:id="rId27"/>
+    <p:sldId id="379" r:id="rId28"/>
+    <p:sldId id="380" r:id="rId29"/>
+    <p:sldId id="381" r:id="rId30"/>
+    <p:sldId id="383" r:id="rId31"/>
+    <p:sldId id="384" r:id="rId32"/>
+    <p:sldId id="385" r:id="rId33"/>
+    <p:sldId id="386" r:id="rId34"/>
+    <p:sldId id="387" r:id="rId35"/>
   </p:sldIdLst>
   <p:sldSz cx="12188825" cy="6858000"/>
   <p:notesSz cx="6858000" cy="9144000"/>
   <p:custDataLst>
-    <p:tags r:id="rId37"/>
+    <p:tags r:id="rId38"/>
   </p:custDataLst>
   <p:defaultTextStyle>
     <a:defPPr>
@@ -6743,22 +6744,22 @@
     </dgm:pt>
   </dgm:ptLst>
   <dgm:cxnLst>
+    <dgm:cxn modelId="{71D5DC09-0CB2-40BF-9D30-0F1CE3BC2608}" type="presOf" srcId="{44C5CD4F-38B1-4ABE-9FB4-E375B0D2D7BA}" destId="{857782CE-9EF5-482D-A255-FA6435D36FD4}" srcOrd="0" destOrd="0" presId="urn:microsoft.com/office/officeart/2005/8/layout/StepDownProcess"/>
+    <dgm:cxn modelId="{7E714C7E-443A-4A25-8785-93A653B094AD}" type="presOf" srcId="{439FDBA2-7B56-4297-9C71-F4785B94728D}" destId="{98D06650-83AE-4CB7-AAB9-E6D83F1A3F8F}" srcOrd="0" destOrd="0" presId="urn:microsoft.com/office/officeart/2005/8/layout/StepDownProcess"/>
+    <dgm:cxn modelId="{A53B117C-080A-4BCE-B3F4-8678F251DF1F}" srcId="{48ED9218-D9F0-40B9-BB7B-6165BA4C945C}" destId="{15A8DAF9-B112-4FFE-B542-6F1FC7A2B2AD}" srcOrd="0" destOrd="0" parTransId="{636543E9-4E6A-4F87-9F03-4A28AF59A2F9}" sibTransId="{359EFE5D-6E23-41E1-95CB-9F14B216B380}"/>
+    <dgm:cxn modelId="{BA645E57-FB4B-45AB-B63E-2134AE73AEE1}" srcId="{15A8DAF9-B112-4FFE-B542-6F1FC7A2B2AD}" destId="{44C5CD4F-38B1-4ABE-9FB4-E375B0D2D7BA}" srcOrd="0" destOrd="0" parTransId="{EC5BF510-63E9-41D3-9DD0-89906D7B0534}" sibTransId="{A5BF6842-A089-4EFF-A5AD-C3D7AB07682C}"/>
+    <dgm:cxn modelId="{6D099B38-E05C-4E9F-971B-71E05C819B90}" srcId="{ABCCDFF3-AFAC-48A4-8FCB-5EB1CB5007D3}" destId="{0E96758E-D482-4586-BF66-A7D0B3710DAC}" srcOrd="0" destOrd="0" parTransId="{0A0DFF73-1833-4A24-B92E-AD24F36CCF5B}" sibTransId="{698AFD27-2188-4C4D-9D15-10B0E56E7FAA}"/>
+    <dgm:cxn modelId="{F14F0B0F-1126-4139-8B90-0DD13651AE92}" srcId="{48ED9218-D9F0-40B9-BB7B-6165BA4C945C}" destId="{658CF994-C8A7-4DAB-AF95-27C7AA054CC7}" srcOrd="2" destOrd="0" parTransId="{328AC8D8-0964-4927-9F12-3FF00129D4E1}" sibTransId="{359200C2-80AD-4A91-A3EC-43F6526B5001}"/>
+    <dgm:cxn modelId="{6147EA2C-7444-43BE-80A6-B61B0FD7B534}" srcId="{ABCCDFF3-AFAC-48A4-8FCB-5EB1CB5007D3}" destId="{78CC5DE6-AF0F-4432-B9C6-D5C1893AC82E}" srcOrd="1" destOrd="0" parTransId="{95E98DC0-46EF-40ED-8A2D-FF30BD7A98CD}" sibTransId="{BD498A56-9C50-4715-858D-DFC7FBE8D3C4}"/>
     <dgm:cxn modelId="{8E02B828-AEB0-4F7F-A2F6-5AC9CC37D87C}" type="presOf" srcId="{15A8DAF9-B112-4FFE-B542-6F1FC7A2B2AD}" destId="{2C1AF177-BBE8-426D-ADEF-7C84A77BD87F}" srcOrd="0" destOrd="0" presId="urn:microsoft.com/office/officeart/2005/8/layout/StepDownProcess"/>
-    <dgm:cxn modelId="{492DFC65-B50C-44AE-888E-A5D27FCC7C7D}" type="presOf" srcId="{48ED9218-D9F0-40B9-BB7B-6165BA4C945C}" destId="{E115E8F5-8D9D-4C4C-800B-E947321BB37A}" srcOrd="0" destOrd="0" presId="urn:microsoft.com/office/officeart/2005/8/layout/StepDownProcess"/>
-    <dgm:cxn modelId="{BA645E57-FB4B-45AB-B63E-2134AE73AEE1}" srcId="{15A8DAF9-B112-4FFE-B542-6F1FC7A2B2AD}" destId="{44C5CD4F-38B1-4ABE-9FB4-E375B0D2D7BA}" srcOrd="0" destOrd="0" parTransId="{EC5BF510-63E9-41D3-9DD0-89906D7B0534}" sibTransId="{A5BF6842-A089-4EFF-A5AD-C3D7AB07682C}"/>
-    <dgm:cxn modelId="{F14F0B0F-1126-4139-8B90-0DD13651AE92}" srcId="{48ED9218-D9F0-40B9-BB7B-6165BA4C945C}" destId="{658CF994-C8A7-4DAB-AF95-27C7AA054CC7}" srcOrd="2" destOrd="0" parTransId="{328AC8D8-0964-4927-9F12-3FF00129D4E1}" sibTransId="{359200C2-80AD-4A91-A3EC-43F6526B5001}"/>
-    <dgm:cxn modelId="{7E714C7E-443A-4A25-8785-93A653B094AD}" type="presOf" srcId="{439FDBA2-7B56-4297-9C71-F4785B94728D}" destId="{98D06650-83AE-4CB7-AAB9-E6D83F1A3F8F}" srcOrd="0" destOrd="0" presId="urn:microsoft.com/office/officeart/2005/8/layout/StepDownProcess"/>
+    <dgm:cxn modelId="{4F897204-76CD-4CA9-B905-9C3F6F3C9A52}" type="presOf" srcId="{658CF994-C8A7-4DAB-AF95-27C7AA054CC7}" destId="{2FFD8078-1D1E-4CD7-9E4C-F8734B094FCC}" srcOrd="0" destOrd="0" presId="urn:microsoft.com/office/officeart/2005/8/layout/StepDownProcess"/>
+    <dgm:cxn modelId="{D3B81B05-463C-4E2E-B966-AD4CCB6B1CB9}" srcId="{15A8DAF9-B112-4FFE-B542-6F1FC7A2B2AD}" destId="{EAF07FD8-BAB8-4B04-B84E-2B422535D611}" srcOrd="1" destOrd="0" parTransId="{B69F5C29-0BD6-470D-8149-E4C9F7F1E8C0}" sibTransId="{3838F162-99CC-4FEC-944D-FAF964967C1E}"/>
     <dgm:cxn modelId="{DEEE4C0A-E112-4649-BF0D-58F60DE26237}" type="presOf" srcId="{EAF07FD8-BAB8-4B04-B84E-2B422535D611}" destId="{857782CE-9EF5-482D-A255-FA6435D36FD4}" srcOrd="0" destOrd="1" presId="urn:microsoft.com/office/officeart/2005/8/layout/StepDownProcess"/>
     <dgm:cxn modelId="{F3846E9B-D12F-4845-A4FF-C773F302EC76}" srcId="{48ED9218-D9F0-40B9-BB7B-6165BA4C945C}" destId="{ABCCDFF3-AFAC-48A4-8FCB-5EB1CB5007D3}" srcOrd="1" destOrd="0" parTransId="{034C365D-B1B2-43D6-B7DF-34C7AA1D5B20}" sibTransId="{334CC1EF-9D2A-4E0F-9FAF-E0B15450FB47}"/>
-    <dgm:cxn modelId="{6D099B38-E05C-4E9F-971B-71E05C819B90}" srcId="{ABCCDFF3-AFAC-48A4-8FCB-5EB1CB5007D3}" destId="{0E96758E-D482-4586-BF66-A7D0B3710DAC}" srcOrd="0" destOrd="0" parTransId="{0A0DFF73-1833-4A24-B92E-AD24F36CCF5B}" sibTransId="{698AFD27-2188-4C4D-9D15-10B0E56E7FAA}"/>
-    <dgm:cxn modelId="{6147EA2C-7444-43BE-80A6-B61B0FD7B534}" srcId="{ABCCDFF3-AFAC-48A4-8FCB-5EB1CB5007D3}" destId="{78CC5DE6-AF0F-4432-B9C6-D5C1893AC82E}" srcOrd="1" destOrd="0" parTransId="{95E98DC0-46EF-40ED-8A2D-FF30BD7A98CD}" sibTransId="{BD498A56-9C50-4715-858D-DFC7FBE8D3C4}"/>
-    <dgm:cxn modelId="{D3B81B05-463C-4E2E-B966-AD4CCB6B1CB9}" srcId="{15A8DAF9-B112-4FFE-B542-6F1FC7A2B2AD}" destId="{EAF07FD8-BAB8-4B04-B84E-2B422535D611}" srcOrd="1" destOrd="0" parTransId="{B69F5C29-0BD6-470D-8149-E4C9F7F1E8C0}" sibTransId="{3838F162-99CC-4FEC-944D-FAF964967C1E}"/>
+    <dgm:cxn modelId="{1C2012D6-9747-4F0F-8169-A7CF1E30F2FD}" type="presOf" srcId="{ABCCDFF3-AFAC-48A4-8FCB-5EB1CB5007D3}" destId="{13590236-58B0-4B42-ACBA-1FD26B32FBB5}" srcOrd="0" destOrd="0" presId="urn:microsoft.com/office/officeart/2005/8/layout/StepDownProcess"/>
+    <dgm:cxn modelId="{492DFC65-B50C-44AE-888E-A5D27FCC7C7D}" type="presOf" srcId="{48ED9218-D9F0-40B9-BB7B-6165BA4C945C}" destId="{E115E8F5-8D9D-4C4C-800B-E947321BB37A}" srcOrd="0" destOrd="0" presId="urn:microsoft.com/office/officeart/2005/8/layout/StepDownProcess"/>
+    <dgm:cxn modelId="{5121F184-2E8F-4E58-94D9-00FC5D0C5D84}" type="presOf" srcId="{78CC5DE6-AF0F-4432-B9C6-D5C1893AC82E}" destId="{ADD4E4F7-3CBE-44AD-B10D-0399B1029DA3}" srcOrd="0" destOrd="1" presId="urn:microsoft.com/office/officeart/2005/8/layout/StepDownProcess"/>
     <dgm:cxn modelId="{E5617D5B-E3F0-40ED-B9A9-A4F6B19EEBA2}" srcId="{658CF994-C8A7-4DAB-AF95-27C7AA054CC7}" destId="{439FDBA2-7B56-4297-9C71-F4785B94728D}" srcOrd="0" destOrd="0" parTransId="{DADE535C-345E-4068-887F-6E44D32A3688}" sibTransId="{BF1ACE0C-10E9-48F3-826C-59D8F00FB42A}"/>
-    <dgm:cxn modelId="{71D5DC09-0CB2-40BF-9D30-0F1CE3BC2608}" type="presOf" srcId="{44C5CD4F-38B1-4ABE-9FB4-E375B0D2D7BA}" destId="{857782CE-9EF5-482D-A255-FA6435D36FD4}" srcOrd="0" destOrd="0" presId="urn:microsoft.com/office/officeart/2005/8/layout/StepDownProcess"/>
-    <dgm:cxn modelId="{4F897204-76CD-4CA9-B905-9C3F6F3C9A52}" type="presOf" srcId="{658CF994-C8A7-4DAB-AF95-27C7AA054CC7}" destId="{2FFD8078-1D1E-4CD7-9E4C-F8734B094FCC}" srcOrd="0" destOrd="0" presId="urn:microsoft.com/office/officeart/2005/8/layout/StepDownProcess"/>
-    <dgm:cxn modelId="{5121F184-2E8F-4E58-94D9-00FC5D0C5D84}" type="presOf" srcId="{78CC5DE6-AF0F-4432-B9C6-D5C1893AC82E}" destId="{ADD4E4F7-3CBE-44AD-B10D-0399B1029DA3}" srcOrd="0" destOrd="1" presId="urn:microsoft.com/office/officeart/2005/8/layout/StepDownProcess"/>
-    <dgm:cxn modelId="{A53B117C-080A-4BCE-B3F4-8678F251DF1F}" srcId="{48ED9218-D9F0-40B9-BB7B-6165BA4C945C}" destId="{15A8DAF9-B112-4FFE-B542-6F1FC7A2B2AD}" srcOrd="0" destOrd="0" parTransId="{636543E9-4E6A-4F87-9F03-4A28AF59A2F9}" sibTransId="{359EFE5D-6E23-41E1-95CB-9F14B216B380}"/>
-    <dgm:cxn modelId="{1C2012D6-9747-4F0F-8169-A7CF1E30F2FD}" type="presOf" srcId="{ABCCDFF3-AFAC-48A4-8FCB-5EB1CB5007D3}" destId="{13590236-58B0-4B42-ACBA-1FD26B32FBB5}" srcOrd="0" destOrd="0" presId="urn:microsoft.com/office/officeart/2005/8/layout/StepDownProcess"/>
     <dgm:cxn modelId="{C2932C3E-1D23-44F7-AB31-7A9F8390FE56}" type="presOf" srcId="{0E96758E-D482-4586-BF66-A7D0B3710DAC}" destId="{ADD4E4F7-3CBE-44AD-B10D-0399B1029DA3}" srcOrd="0" destOrd="0" presId="urn:microsoft.com/office/officeart/2005/8/layout/StepDownProcess"/>
     <dgm:cxn modelId="{40D352B9-9250-4CAC-BA11-EF440D42CEF1}" type="presParOf" srcId="{E115E8F5-8D9D-4C4C-800B-E947321BB37A}" destId="{8FA832B4-9340-4AA1-8B69-F8BE19875B96}" srcOrd="0" destOrd="0" presId="urn:microsoft.com/office/officeart/2005/8/layout/StepDownProcess"/>
     <dgm:cxn modelId="{2D75BF78-2F7F-4A76-B6FE-5A52392D6D71}" type="presParOf" srcId="{8FA832B4-9340-4AA1-8B69-F8BE19875B96}" destId="{AC005A3D-92E0-4EEA-97B4-9DFE9CD8B925}" srcOrd="0" destOrd="0" presId="urn:microsoft.com/office/officeart/2005/8/layout/StepDownProcess"/>
@@ -20994,6 +20995,652 @@
 </file>
 
 <file path=ppt/slides/slide10.xml><?xml version="1.0" encoding="utf-8"?>
+<p:sld xmlns:a="http://schemas.openxmlformats.org/drawingml/2006/main" xmlns:r="http://schemas.openxmlformats.org/officeDocument/2006/relationships" xmlns:p="http://schemas.openxmlformats.org/presentationml/2006/main">
+  <p:cSld>
+    <p:spTree>
+      <p:nvGrpSpPr>
+        <p:cNvPr id="1" name=""/>
+        <p:cNvGrpSpPr/>
+        <p:nvPr/>
+      </p:nvGrpSpPr>
+      <p:grpSpPr>
+        <a:xfrm>
+          <a:off x="0" y="0"/>
+          <a:ext cx="0" cy="0"/>
+          <a:chOff x="0" y="0"/>
+          <a:chExt cx="0" cy="0"/>
+        </a:xfrm>
+      </p:grpSpPr>
+      <p:sp>
+        <p:nvSpPr>
+          <p:cNvPr id="6" name="Title 1"/>
+          <p:cNvSpPr txBox="1">
+            <a:spLocks/>
+          </p:cNvSpPr>
+          <p:nvPr/>
+        </p:nvSpPr>
+        <p:spPr>
+          <a:xfrm>
+            <a:off x="244634" y="893"/>
+            <a:ext cx="10789459" cy="1363224"/>
+          </a:xfrm>
+          <a:prstGeom prst="rect">
+            <a:avLst/>
+          </a:prstGeom>
+        </p:spPr>
+        <p:txBody>
+          <a:bodyPr vert="horz" lIns="91416" tIns="45708" rIns="91416" bIns="45708" rtlCol="0" anchor="ctr">
+            <a:normAutofit/>
+          </a:bodyPr>
+          <a:lstStyle>
+            <a:lvl1pPr algn="ctr" defTabSz="914400" rtl="0" eaLnBrk="1" latinLnBrk="0" hangingPunct="1">
+              <a:lnSpc>
+                <a:spcPct val="90000"/>
+              </a:lnSpc>
+              <a:spcBef>
+                <a:spcPct val="0"/>
+              </a:spcBef>
+              <a:buNone/>
+              <a:defRPr sz="6000" kern="1200">
+                <a:solidFill>
+                  <a:schemeClr val="tx1"/>
+                </a:solidFill>
+                <a:latin typeface="+mj-lt"/>
+                <a:ea typeface="+mj-ea"/>
+                <a:cs typeface="+mj-cs"/>
+              </a:defRPr>
+            </a:lvl1pPr>
+          </a:lstStyle>
+          <a:p>
+            <a:pPr algn="l" defTabSz="914126"/>
+            <a:r>
+              <a:rPr lang="en-IN" sz="4400" b="1" dirty="0">
+                <a:solidFill>
+                  <a:srgbClr val="FFFF00"/>
+                </a:solidFill>
+                <a:latin typeface="Adobe Clean" panose="020B0503020404020204" pitchFamily="34" charset="0"/>
+              </a:rPr>
+              <a:t>Software Architect vs Building Architect</a:t>
+            </a:r>
+          </a:p>
+        </p:txBody>
+      </p:sp>
+      <p:sp>
+        <p:nvSpPr>
+          <p:cNvPr id="9" name="TextBox 8"/>
+          <p:cNvSpPr txBox="1"/>
+          <p:nvPr/>
+        </p:nvSpPr>
+        <p:spPr>
+          <a:xfrm>
+            <a:off x="2781863" y="2546302"/>
+            <a:ext cx="5715000" cy="1015663"/>
+          </a:xfrm>
+          <a:prstGeom prst="rect">
+            <a:avLst/>
+          </a:prstGeom>
+          <a:noFill/>
+        </p:spPr>
+        <p:txBody>
+          <a:bodyPr wrap="square" rtlCol="0">
+            <a:spAutoFit/>
+          </a:bodyPr>
+          <a:lstStyle/>
+          <a:p>
+            <a:r>
+              <a:rPr lang="en-US" sz="2400" b="1" dirty="0"/>
+              <a:t>Building Architecture:</a:t>
+            </a:r>
+            <a:br>
+              <a:rPr lang="en-US" sz="2400" b="1" dirty="0"/>
+            </a:br>
+            <a:r>
+              <a:rPr lang="en-US" dirty="0"/>
+              <a:t>Is both the process and the product of </a:t>
+            </a:r>
+            <a:r>
+              <a:rPr lang="en-US" dirty="0">
+                <a:hlinkClick r:id="rId2" tooltip="Planning"/>
+              </a:rPr>
+              <a:t>planning</a:t>
+            </a:r>
+            <a:r>
+              <a:rPr lang="en-US" dirty="0"/>
+              <a:t>, </a:t>
+            </a:r>
+            <a:r>
+              <a:rPr lang="en-US" dirty="0">
+                <a:hlinkClick r:id="rId3" tooltip="Design"/>
+              </a:rPr>
+              <a:t>designing</a:t>
+            </a:r>
+            <a:r>
+              <a:rPr lang="en-US" dirty="0"/>
+              <a:t>, </a:t>
+            </a:r>
+          </a:p>
+          <a:p>
+            <a:r>
+              <a:rPr lang="en-US" dirty="0"/>
+              <a:t>and </a:t>
+            </a:r>
+            <a:r>
+              <a:rPr lang="en-US" dirty="0">
+                <a:hlinkClick r:id="rId4" tooltip="Construction"/>
+              </a:rPr>
+              <a:t>constructing</a:t>
+            </a:r>
+            <a:r>
+              <a:rPr lang="en-US" dirty="0"/>
+              <a:t> buildings and other physical structures.</a:t>
+            </a:r>
+          </a:p>
+        </p:txBody>
+      </p:sp>
+      <p:sp>
+        <p:nvSpPr>
+          <p:cNvPr id="10" name="TextBox 9"/>
+          <p:cNvSpPr txBox="1"/>
+          <p:nvPr/>
+        </p:nvSpPr>
+        <p:spPr>
+          <a:xfrm>
+            <a:off x="2781863" y="4800600"/>
+            <a:ext cx="6248400" cy="1015663"/>
+          </a:xfrm>
+          <a:prstGeom prst="rect">
+            <a:avLst/>
+          </a:prstGeom>
+          <a:noFill/>
+        </p:spPr>
+        <p:txBody>
+          <a:bodyPr wrap="square" rtlCol="0">
+            <a:spAutoFit/>
+          </a:bodyPr>
+          <a:lstStyle/>
+          <a:p>
+            <a:r>
+              <a:rPr lang="en-US" sz="2400" b="1" dirty="0"/>
+              <a:t>Software Architecture:</a:t>
+            </a:r>
+            <a:br>
+              <a:rPr lang="en-US" sz="2400" b="1" dirty="0"/>
+            </a:br>
+            <a:r>
+              <a:rPr lang="en-US" dirty="0"/>
+              <a:t>Is both the process and the product of </a:t>
+            </a:r>
+            <a:r>
+              <a:rPr lang="en-US" dirty="0">
+                <a:hlinkClick r:id="rId2" tooltip="Planning"/>
+              </a:rPr>
+              <a:t>planning</a:t>
+            </a:r>
+            <a:r>
+              <a:rPr lang="en-US" dirty="0"/>
+              <a:t>, </a:t>
+            </a:r>
+            <a:r>
+              <a:rPr lang="en-US" dirty="0">
+                <a:hlinkClick r:id="rId3" tooltip="Design"/>
+              </a:rPr>
+              <a:t>designing</a:t>
+            </a:r>
+            <a:r>
+              <a:rPr lang="en-US" dirty="0"/>
+              <a:t>, </a:t>
+            </a:r>
+          </a:p>
+          <a:p>
+            <a:r>
+              <a:rPr lang="en-US" dirty="0"/>
+              <a:t>and </a:t>
+            </a:r>
+            <a:r>
+              <a:rPr lang="en-US" u="sng" dirty="0">
+                <a:solidFill>
+                  <a:srgbClr val="FFC000"/>
+                </a:solidFill>
+              </a:rPr>
+              <a:t>coding</a:t>
+            </a:r>
+            <a:r>
+              <a:rPr lang="en-US" dirty="0"/>
+              <a:t> </a:t>
+            </a:r>
+            <a:r>
+              <a:rPr lang="en-US" dirty="0" err="1"/>
+              <a:t>softwares</a:t>
+            </a:r>
+            <a:r>
+              <a:rPr lang="en-US" dirty="0"/>
+              <a:t> and other physical/digital requirements.</a:t>
+            </a:r>
+          </a:p>
+        </p:txBody>
+      </p:sp>
+      <p:pic>
+        <p:nvPicPr>
+          <p:cNvPr id="2" name="Picture 1"/>
+          <p:cNvPicPr>
+            <a:picLocks noChangeAspect="1"/>
+          </p:cNvPicPr>
+          <p:nvPr/>
+        </p:nvPicPr>
+        <p:blipFill>
+          <a:blip r:embed="rId5">
+            <a:extLst>
+              <a:ext uri="{28A0092B-C50C-407E-A947-70E740481C1C}">
+                <a14:useLocalDpi xmlns:a14="http://schemas.microsoft.com/office/drawing/2010/main" val="0"/>
+              </a:ext>
+            </a:extLst>
+          </a:blip>
+          <a:stretch>
+            <a:fillRect/>
+          </a:stretch>
+        </p:blipFill>
+        <p:spPr>
+          <a:xfrm>
+            <a:off x="684212" y="1828800"/>
+            <a:ext cx="1752600" cy="2450669"/>
+          </a:xfrm>
+          <a:prstGeom prst="rect">
+            <a:avLst/>
+          </a:prstGeom>
+          <a:ln w="190500" cap="sq">
+            <a:solidFill>
+              <a:srgbClr val="C8C6BD"/>
+            </a:solidFill>
+            <a:prstDash val="solid"/>
+            <a:miter lim="800000"/>
+          </a:ln>
+          <a:effectLst>
+            <a:outerShdw blurRad="254000" algn="bl" rotWithShape="0">
+              <a:srgbClr val="000000">
+                <a:alpha val="43000"/>
+              </a:srgbClr>
+            </a:outerShdw>
+          </a:effectLst>
+          <a:scene3d>
+            <a:camera prst="perspectiveFront" fov="5400000"/>
+            <a:lightRig rig="threePt" dir="t">
+              <a:rot lat="0" lon="0" rev="2100000"/>
+            </a:lightRig>
+          </a:scene3d>
+          <a:sp3d extrusionH="25400">
+            <a:bevelT w="304800" h="152400" prst="hardEdge"/>
+            <a:extrusionClr>
+              <a:srgbClr val="000000"/>
+            </a:extrusionClr>
+          </a:sp3d>
+        </p:spPr>
+      </p:pic>
+      <p:pic>
+        <p:nvPicPr>
+          <p:cNvPr id="3" name="Picture 2"/>
+          <p:cNvPicPr>
+            <a:picLocks noChangeAspect="1"/>
+          </p:cNvPicPr>
+          <p:nvPr/>
+        </p:nvPicPr>
+        <p:blipFill>
+          <a:blip r:embed="rId6">
+            <a:extLst>
+              <a:ext uri="{28A0092B-C50C-407E-A947-70E740481C1C}">
+                <a14:useLocalDpi xmlns:a14="http://schemas.microsoft.com/office/drawing/2010/main" val="0"/>
+              </a:ext>
+            </a:extLst>
+          </a:blip>
+          <a:stretch>
+            <a:fillRect/>
+          </a:stretch>
+        </p:blipFill>
+        <p:spPr>
+          <a:xfrm>
+            <a:off x="8990012" y="4279469"/>
+            <a:ext cx="2438400" cy="2085975"/>
+          </a:xfrm>
+          <a:prstGeom prst="rect">
+            <a:avLst/>
+          </a:prstGeom>
+        </p:spPr>
+      </p:pic>
+    </p:spTree>
+    <p:extLst>
+      <p:ext uri="{BB962C8B-B14F-4D97-AF65-F5344CB8AC3E}">
+        <p14:creationId xmlns:p14="http://schemas.microsoft.com/office/powerpoint/2010/main" val="16522918"/>
+      </p:ext>
+    </p:extLst>
+  </p:cSld>
+  <p:clrMapOvr>
+    <a:masterClrMapping/>
+  </p:clrMapOvr>
+  <p:timing>
+    <p:tnLst>
+      <p:par>
+        <p:cTn id="1" dur="indefinite" restart="never" nodeType="tmRoot">
+          <p:childTnLst>
+            <p:seq concurrent="1" nextAc="seek">
+              <p:cTn id="2" dur="indefinite" nodeType="mainSeq">
+                <p:childTnLst>
+                  <p:par>
+                    <p:cTn id="3" fill="hold">
+                      <p:stCondLst>
+                        <p:cond delay="indefinite"/>
+                      </p:stCondLst>
+                      <p:childTnLst>
+                        <p:par>
+                          <p:cTn id="4" fill="hold">
+                            <p:stCondLst>
+                              <p:cond delay="0"/>
+                            </p:stCondLst>
+                            <p:childTnLst>
+                              <p:par>
+                                <p:cTn id="5" presetID="10" presetClass="entr" presetSubtype="0" fill="hold" nodeType="clickEffect">
+                                  <p:stCondLst>
+                                    <p:cond delay="0"/>
+                                  </p:stCondLst>
+                                  <p:childTnLst>
+                                    <p:set>
+                                      <p:cBhvr>
+                                        <p:cTn id="6" dur="1" fill="hold">
+                                          <p:stCondLst>
+                                            <p:cond delay="0"/>
+                                          </p:stCondLst>
+                                        </p:cTn>
+                                        <p:tgtEl>
+                                          <p:spTgt spid="2"/>
+                                        </p:tgtEl>
+                                        <p:attrNameLst>
+                                          <p:attrName>style.visibility</p:attrName>
+                                        </p:attrNameLst>
+                                      </p:cBhvr>
+                                      <p:to>
+                                        <p:strVal val="visible"/>
+                                      </p:to>
+                                    </p:set>
+                                    <p:animEffect transition="in" filter="fade">
+                                      <p:cBhvr>
+                                        <p:cTn id="7" dur="500"/>
+                                        <p:tgtEl>
+                                          <p:spTgt spid="2"/>
+                                        </p:tgtEl>
+                                      </p:cBhvr>
+                                    </p:animEffect>
+                                  </p:childTnLst>
+                                </p:cTn>
+                              </p:par>
+                            </p:childTnLst>
+                          </p:cTn>
+                        </p:par>
+                      </p:childTnLst>
+                    </p:cTn>
+                  </p:par>
+                  <p:par>
+                    <p:cTn id="8" fill="hold">
+                      <p:stCondLst>
+                        <p:cond delay="indefinite"/>
+                      </p:stCondLst>
+                      <p:childTnLst>
+                        <p:par>
+                          <p:cTn id="9" fill="hold">
+                            <p:stCondLst>
+                              <p:cond delay="0"/>
+                            </p:stCondLst>
+                            <p:childTnLst>
+                              <p:par>
+                                <p:cTn id="10" presetID="2" presetClass="entr" presetSubtype="4" fill="hold" grpId="0" nodeType="clickEffect">
+                                  <p:stCondLst>
+                                    <p:cond delay="0"/>
+                                  </p:stCondLst>
+                                  <p:childTnLst>
+                                    <p:set>
+                                      <p:cBhvr>
+                                        <p:cTn id="11" dur="1" fill="hold">
+                                          <p:stCondLst>
+                                            <p:cond delay="0"/>
+                                          </p:stCondLst>
+                                        </p:cTn>
+                                        <p:tgtEl>
+                                          <p:spTgt spid="9"/>
+                                        </p:tgtEl>
+                                        <p:attrNameLst>
+                                          <p:attrName>style.visibility</p:attrName>
+                                        </p:attrNameLst>
+                                      </p:cBhvr>
+                                      <p:to>
+                                        <p:strVal val="visible"/>
+                                      </p:to>
+                                    </p:set>
+                                    <p:anim calcmode="lin" valueType="num">
+                                      <p:cBhvr additive="base">
+                                        <p:cTn id="12" dur="500" fill="hold"/>
+                                        <p:tgtEl>
+                                          <p:spTgt spid="9"/>
+                                        </p:tgtEl>
+                                        <p:attrNameLst>
+                                          <p:attrName>ppt_x</p:attrName>
+                                        </p:attrNameLst>
+                                      </p:cBhvr>
+                                      <p:tavLst>
+                                        <p:tav tm="0">
+                                          <p:val>
+                                            <p:strVal val="#ppt_x"/>
+                                          </p:val>
+                                        </p:tav>
+                                        <p:tav tm="100000">
+                                          <p:val>
+                                            <p:strVal val="#ppt_x"/>
+                                          </p:val>
+                                        </p:tav>
+                                      </p:tavLst>
+                                    </p:anim>
+                                    <p:anim calcmode="lin" valueType="num">
+                                      <p:cBhvr additive="base">
+                                        <p:cTn id="13" dur="500" fill="hold"/>
+                                        <p:tgtEl>
+                                          <p:spTgt spid="9"/>
+                                        </p:tgtEl>
+                                        <p:attrNameLst>
+                                          <p:attrName>ppt_y</p:attrName>
+                                        </p:attrNameLst>
+                                      </p:cBhvr>
+                                      <p:tavLst>
+                                        <p:tav tm="0">
+                                          <p:val>
+                                            <p:strVal val="1+#ppt_h/2"/>
+                                          </p:val>
+                                        </p:tav>
+                                        <p:tav tm="100000">
+                                          <p:val>
+                                            <p:strVal val="#ppt_y"/>
+                                          </p:val>
+                                        </p:tav>
+                                      </p:tavLst>
+                                    </p:anim>
+                                  </p:childTnLst>
+                                </p:cTn>
+                              </p:par>
+                            </p:childTnLst>
+                          </p:cTn>
+                        </p:par>
+                      </p:childTnLst>
+                    </p:cTn>
+                  </p:par>
+                  <p:par>
+                    <p:cTn id="14" fill="hold">
+                      <p:stCondLst>
+                        <p:cond delay="indefinite"/>
+                      </p:stCondLst>
+                      <p:childTnLst>
+                        <p:par>
+                          <p:cTn id="15" fill="hold">
+                            <p:stCondLst>
+                              <p:cond delay="0"/>
+                            </p:stCondLst>
+                            <p:childTnLst>
+                              <p:par>
+                                <p:cTn id="16" presetID="10" presetClass="entr" presetSubtype="0" fill="hold" nodeType="clickEffect">
+                                  <p:stCondLst>
+                                    <p:cond delay="0"/>
+                                  </p:stCondLst>
+                                  <p:childTnLst>
+                                    <p:set>
+                                      <p:cBhvr>
+                                        <p:cTn id="17" dur="1" fill="hold">
+                                          <p:stCondLst>
+                                            <p:cond delay="0"/>
+                                          </p:stCondLst>
+                                        </p:cTn>
+                                        <p:tgtEl>
+                                          <p:spTgt spid="3"/>
+                                        </p:tgtEl>
+                                        <p:attrNameLst>
+                                          <p:attrName>style.visibility</p:attrName>
+                                        </p:attrNameLst>
+                                      </p:cBhvr>
+                                      <p:to>
+                                        <p:strVal val="visible"/>
+                                      </p:to>
+                                    </p:set>
+                                    <p:animEffect transition="in" filter="fade">
+                                      <p:cBhvr>
+                                        <p:cTn id="18" dur="500"/>
+                                        <p:tgtEl>
+                                          <p:spTgt spid="3"/>
+                                        </p:tgtEl>
+                                      </p:cBhvr>
+                                    </p:animEffect>
+                                  </p:childTnLst>
+                                </p:cTn>
+                              </p:par>
+                            </p:childTnLst>
+                          </p:cTn>
+                        </p:par>
+                      </p:childTnLst>
+                    </p:cTn>
+                  </p:par>
+                  <p:par>
+                    <p:cTn id="19" fill="hold">
+                      <p:stCondLst>
+                        <p:cond delay="indefinite"/>
+                      </p:stCondLst>
+                      <p:childTnLst>
+                        <p:par>
+                          <p:cTn id="20" fill="hold">
+                            <p:stCondLst>
+                              <p:cond delay="0"/>
+                            </p:stCondLst>
+                            <p:childTnLst>
+                              <p:par>
+                                <p:cTn id="21" presetID="2" presetClass="entr" presetSubtype="4" fill="hold" grpId="0" nodeType="clickEffect">
+                                  <p:stCondLst>
+                                    <p:cond delay="0"/>
+                                  </p:stCondLst>
+                                  <p:childTnLst>
+                                    <p:set>
+                                      <p:cBhvr>
+                                        <p:cTn id="22" dur="1" fill="hold">
+                                          <p:stCondLst>
+                                            <p:cond delay="0"/>
+                                          </p:stCondLst>
+                                        </p:cTn>
+                                        <p:tgtEl>
+                                          <p:spTgt spid="10"/>
+                                        </p:tgtEl>
+                                        <p:attrNameLst>
+                                          <p:attrName>style.visibility</p:attrName>
+                                        </p:attrNameLst>
+                                      </p:cBhvr>
+                                      <p:to>
+                                        <p:strVal val="visible"/>
+                                      </p:to>
+                                    </p:set>
+                                    <p:anim calcmode="lin" valueType="num">
+                                      <p:cBhvr additive="base">
+                                        <p:cTn id="23" dur="500" fill="hold"/>
+                                        <p:tgtEl>
+                                          <p:spTgt spid="10"/>
+                                        </p:tgtEl>
+                                        <p:attrNameLst>
+                                          <p:attrName>ppt_x</p:attrName>
+                                        </p:attrNameLst>
+                                      </p:cBhvr>
+                                      <p:tavLst>
+                                        <p:tav tm="0">
+                                          <p:val>
+                                            <p:strVal val="#ppt_x"/>
+                                          </p:val>
+                                        </p:tav>
+                                        <p:tav tm="100000">
+                                          <p:val>
+                                            <p:strVal val="#ppt_x"/>
+                                          </p:val>
+                                        </p:tav>
+                                      </p:tavLst>
+                                    </p:anim>
+                                    <p:anim calcmode="lin" valueType="num">
+                                      <p:cBhvr additive="base">
+                                        <p:cTn id="24" dur="500" fill="hold"/>
+                                        <p:tgtEl>
+                                          <p:spTgt spid="10"/>
+                                        </p:tgtEl>
+                                        <p:attrNameLst>
+                                          <p:attrName>ppt_y</p:attrName>
+                                        </p:attrNameLst>
+                                      </p:cBhvr>
+                                      <p:tavLst>
+                                        <p:tav tm="0">
+                                          <p:val>
+                                            <p:strVal val="1+#ppt_h/2"/>
+                                          </p:val>
+                                        </p:tav>
+                                        <p:tav tm="100000">
+                                          <p:val>
+                                            <p:strVal val="#ppt_y"/>
+                                          </p:val>
+                                        </p:tav>
+                                      </p:tavLst>
+                                    </p:anim>
+                                  </p:childTnLst>
+                                </p:cTn>
+                              </p:par>
+                            </p:childTnLst>
+                          </p:cTn>
+                        </p:par>
+                      </p:childTnLst>
+                    </p:cTn>
+                  </p:par>
+                </p:childTnLst>
+              </p:cTn>
+              <p:prevCondLst>
+                <p:cond evt="onPrev" delay="0">
+                  <p:tgtEl>
+                    <p:sldTgt/>
+                  </p:tgtEl>
+                </p:cond>
+              </p:prevCondLst>
+              <p:nextCondLst>
+                <p:cond evt="onNext" delay="0">
+                  <p:tgtEl>
+                    <p:sldTgt/>
+                  </p:tgtEl>
+                </p:cond>
+              </p:nextCondLst>
+            </p:seq>
+          </p:childTnLst>
+        </p:cTn>
+      </p:par>
+    </p:tnLst>
+    <p:bldLst>
+      <p:bldP spid="9" grpId="0"/>
+      <p:bldP spid="10" grpId="0"/>
+    </p:bldLst>
+  </p:timing>
+</p:sld>
+</file>
+
+<file path=ppt/slides/slide11.xml><?xml version="1.0" encoding="utf-8"?>
 <p:sld xmlns:a="http://schemas.openxmlformats.org/drawingml/2006/main" xmlns:r="http://schemas.openxmlformats.org/officeDocument/2006/relationships" xmlns:p="http://schemas.openxmlformats.org/presentationml/2006/main" show="0">
   <p:cSld>
     <p:spTree>
@@ -21755,7 +22402,7 @@
 </p:sld>
 </file>
 
-<file path=ppt/slides/slide11.xml><?xml version="1.0" encoding="utf-8"?>
+<file path=ppt/slides/slide12.xml><?xml version="1.0" encoding="utf-8"?>
 <p:sld xmlns:a="http://schemas.openxmlformats.org/drawingml/2006/main" xmlns:r="http://schemas.openxmlformats.org/officeDocument/2006/relationships" xmlns:p="http://schemas.openxmlformats.org/presentationml/2006/main">
   <p:cSld>
     <p:spTree>
@@ -21939,7 +22586,7 @@
 </p:sld>
 </file>
 
-<file path=ppt/slides/slide12.xml><?xml version="1.0" encoding="utf-8"?>
+<file path=ppt/slides/slide13.xml><?xml version="1.0" encoding="utf-8"?>
 <p:sld xmlns:a="http://schemas.openxmlformats.org/drawingml/2006/main" xmlns:r="http://schemas.openxmlformats.org/officeDocument/2006/relationships" xmlns:p="http://schemas.openxmlformats.org/presentationml/2006/main">
   <p:cSld>
     <p:spTree>
@@ -22745,7 +23392,7 @@
 </p:sld>
 </file>
 
-<file path=ppt/slides/slide13.xml><?xml version="1.0" encoding="utf-8"?>
+<file path=ppt/slides/slide14.xml><?xml version="1.0" encoding="utf-8"?>
 <p:sld xmlns:a="http://schemas.openxmlformats.org/drawingml/2006/main" xmlns:r="http://schemas.openxmlformats.org/officeDocument/2006/relationships" xmlns:p="http://schemas.openxmlformats.org/presentationml/2006/main" show="0">
   <p:cSld>
     <p:spTree>
@@ -23470,7 +24117,7 @@
 </p:sld>
 </file>
 
-<file path=ppt/slides/slide14.xml><?xml version="1.0" encoding="utf-8"?>
+<file path=ppt/slides/slide15.xml><?xml version="1.0" encoding="utf-8"?>
 <p:sld xmlns:a="http://schemas.openxmlformats.org/drawingml/2006/main" xmlns:r="http://schemas.openxmlformats.org/officeDocument/2006/relationships" xmlns:p="http://schemas.openxmlformats.org/presentationml/2006/main">
   <p:cSld>
     <p:spTree>
@@ -24465,7 +25112,7 @@
 </p:sld>
 </file>
 
-<file path=ppt/slides/slide15.xml><?xml version="1.0" encoding="utf-8"?>
+<file path=ppt/slides/slide16.xml><?xml version="1.0" encoding="utf-8"?>
 <p:sld xmlns:a="http://schemas.openxmlformats.org/drawingml/2006/main" xmlns:r="http://schemas.openxmlformats.org/officeDocument/2006/relationships" xmlns:p="http://schemas.openxmlformats.org/presentationml/2006/main">
   <p:cSld>
     <p:spTree>
@@ -24623,7 +25270,7 @@
 </p:sld>
 </file>
 
-<file path=ppt/slides/slide16.xml><?xml version="1.0" encoding="utf-8"?>
+<file path=ppt/slides/slide17.xml><?xml version="1.0" encoding="utf-8"?>
 <p:sld xmlns:a="http://schemas.openxmlformats.org/drawingml/2006/main" xmlns:r="http://schemas.openxmlformats.org/officeDocument/2006/relationships" xmlns:p="http://schemas.openxmlformats.org/presentationml/2006/main">
   <p:cSld>
     <p:spTree>
@@ -25212,7 +25859,7 @@
 </p:sld>
 </file>
 
-<file path=ppt/slides/slide17.xml><?xml version="1.0" encoding="utf-8"?>
+<file path=ppt/slides/slide18.xml><?xml version="1.0" encoding="utf-8"?>
 <p:sld xmlns:a="http://schemas.openxmlformats.org/drawingml/2006/main" xmlns:r="http://schemas.openxmlformats.org/officeDocument/2006/relationships" xmlns:p="http://schemas.openxmlformats.org/presentationml/2006/main">
   <p:cSld>
     <p:spTree>
@@ -25720,7 +26367,7 @@
 </p:sld>
 </file>
 
-<file path=ppt/slides/slide18.xml><?xml version="1.0" encoding="utf-8"?>
+<file path=ppt/slides/slide19.xml><?xml version="1.0" encoding="utf-8"?>
 <p:sld xmlns:a="http://schemas.openxmlformats.org/drawingml/2006/main" xmlns:r="http://schemas.openxmlformats.org/officeDocument/2006/relationships" xmlns:p="http://schemas.openxmlformats.org/presentationml/2006/main">
   <p:cSld>
     <p:spTree>
@@ -26222,7 +26869,377 @@
 </p:sld>
 </file>
 
-<file path=ppt/slides/slide19.xml><?xml version="1.0" encoding="utf-8"?>
+<file path=ppt/slides/slide2.xml><?xml version="1.0" encoding="utf-8"?>
+<p:sld xmlns:a="http://schemas.openxmlformats.org/drawingml/2006/main" xmlns:r="http://schemas.openxmlformats.org/officeDocument/2006/relationships" xmlns:p="http://schemas.openxmlformats.org/presentationml/2006/main">
+  <p:cSld>
+    <p:spTree>
+      <p:nvGrpSpPr>
+        <p:cNvPr id="1" name=""/>
+        <p:cNvGrpSpPr/>
+        <p:nvPr/>
+      </p:nvGrpSpPr>
+      <p:grpSpPr>
+        <a:xfrm>
+          <a:off x="0" y="0"/>
+          <a:ext cx="0" cy="0"/>
+          <a:chOff x="0" y="0"/>
+          <a:chExt cx="0" cy="0"/>
+        </a:xfrm>
+      </p:grpSpPr>
+      <p:sp>
+        <p:nvSpPr>
+          <p:cNvPr id="6" name="Title 1"/>
+          <p:cNvSpPr txBox="1">
+            <a:spLocks/>
+          </p:cNvSpPr>
+          <p:nvPr/>
+        </p:nvSpPr>
+        <p:spPr>
+          <a:xfrm>
+            <a:off x="244634" y="893"/>
+            <a:ext cx="10789459" cy="1363224"/>
+          </a:xfrm>
+          <a:prstGeom prst="rect">
+            <a:avLst/>
+          </a:prstGeom>
+        </p:spPr>
+        <p:txBody>
+          <a:bodyPr vert="horz" lIns="91416" tIns="45708" rIns="91416" bIns="45708" rtlCol="0" anchor="ctr">
+            <a:normAutofit/>
+          </a:bodyPr>
+          <a:lstStyle>
+            <a:lvl1pPr algn="ctr" defTabSz="914400" rtl="0" eaLnBrk="1" latinLnBrk="0" hangingPunct="1">
+              <a:lnSpc>
+                <a:spcPct val="90000"/>
+              </a:lnSpc>
+              <a:spcBef>
+                <a:spcPct val="0"/>
+              </a:spcBef>
+              <a:buNone/>
+              <a:defRPr sz="6000" kern="1200">
+                <a:solidFill>
+                  <a:schemeClr val="tx1"/>
+                </a:solidFill>
+                <a:latin typeface="+mj-lt"/>
+                <a:ea typeface="+mj-ea"/>
+                <a:cs typeface="+mj-cs"/>
+              </a:defRPr>
+            </a:lvl1pPr>
+          </a:lstStyle>
+          <a:p>
+            <a:pPr algn="l" defTabSz="914126"/>
+            <a:r>
+              <a:rPr lang="en-IN" sz="4400" b="1" dirty="0">
+                <a:solidFill>
+                  <a:srgbClr val="FFFF00"/>
+                </a:solidFill>
+                <a:latin typeface="Adobe Clean" panose="020B0503020404020204" pitchFamily="34" charset="0"/>
+              </a:rPr>
+              <a:t>Who am I</a:t>
+            </a:r>
+          </a:p>
+        </p:txBody>
+      </p:sp>
+      <p:sp>
+        <p:nvSpPr>
+          <p:cNvPr id="9" name="Content Placeholder 13"/>
+          <p:cNvSpPr txBox="1">
+            <a:spLocks/>
+          </p:cNvSpPr>
+          <p:nvPr/>
+        </p:nvSpPr>
+        <p:spPr>
+          <a:xfrm>
+            <a:off x="989012" y="2438401"/>
+            <a:ext cx="4495799" cy="2895600"/>
+          </a:xfrm>
+          <a:prstGeom prst="rect">
+            <a:avLst/>
+          </a:prstGeom>
+        </p:spPr>
+        <p:txBody>
+          <a:bodyPr vert="horz" lIns="91440" tIns="45720" rIns="91440" bIns="45720" rtlCol="0">
+            <a:normAutofit/>
+          </a:bodyPr>
+          <a:lstStyle>
+            <a:lvl1pPr marL="0" indent="0" algn="ctr" defTabSz="914126" rtl="0" eaLnBrk="1" latinLnBrk="0" hangingPunct="1">
+              <a:lnSpc>
+                <a:spcPct val="90000"/>
+              </a:lnSpc>
+              <a:spcBef>
+                <a:spcPts val="1000"/>
+              </a:spcBef>
+              <a:buFont typeface="Arial" panose="020B0604020202020204" pitchFamily="34" charset="0"/>
+              <a:buNone/>
+              <a:defRPr sz="2399" kern="1200">
+                <a:solidFill>
+                  <a:schemeClr val="tx1"/>
+                </a:solidFill>
+                <a:latin typeface="+mn-lt"/>
+                <a:ea typeface="+mn-ea"/>
+                <a:cs typeface="+mn-cs"/>
+              </a:defRPr>
+            </a:lvl1pPr>
+            <a:lvl2pPr marL="457063" indent="0" algn="ctr" defTabSz="914126" rtl="0" eaLnBrk="1" latinLnBrk="0" hangingPunct="1">
+              <a:lnSpc>
+                <a:spcPct val="90000"/>
+              </a:lnSpc>
+              <a:spcBef>
+                <a:spcPts val="500"/>
+              </a:spcBef>
+              <a:buFont typeface="Arial" panose="020B0604020202020204" pitchFamily="34" charset="0"/>
+              <a:buNone/>
+              <a:defRPr sz="1999" kern="1200">
+                <a:solidFill>
+                  <a:schemeClr val="tx1"/>
+                </a:solidFill>
+                <a:latin typeface="+mn-lt"/>
+                <a:ea typeface="+mn-ea"/>
+                <a:cs typeface="+mn-cs"/>
+              </a:defRPr>
+            </a:lvl2pPr>
+            <a:lvl3pPr marL="914126" indent="0" algn="ctr" defTabSz="914126" rtl="0" eaLnBrk="1" latinLnBrk="0" hangingPunct="1">
+              <a:lnSpc>
+                <a:spcPct val="90000"/>
+              </a:lnSpc>
+              <a:spcBef>
+                <a:spcPts val="500"/>
+              </a:spcBef>
+              <a:buFont typeface="Arial" panose="020B0604020202020204" pitchFamily="34" charset="0"/>
+              <a:buNone/>
+              <a:defRPr sz="1799" kern="1200">
+                <a:solidFill>
+                  <a:schemeClr val="tx1"/>
+                </a:solidFill>
+                <a:latin typeface="+mn-lt"/>
+                <a:ea typeface="+mn-ea"/>
+                <a:cs typeface="+mn-cs"/>
+              </a:defRPr>
+            </a:lvl3pPr>
+            <a:lvl4pPr marL="1371189" indent="0" algn="ctr" defTabSz="914126" rtl="0" eaLnBrk="1" latinLnBrk="0" hangingPunct="1">
+              <a:lnSpc>
+                <a:spcPct val="90000"/>
+              </a:lnSpc>
+              <a:spcBef>
+                <a:spcPts val="500"/>
+              </a:spcBef>
+              <a:buFont typeface="Arial" panose="020B0604020202020204" pitchFamily="34" charset="0"/>
+              <a:buNone/>
+              <a:defRPr sz="1600" kern="1200">
+                <a:solidFill>
+                  <a:schemeClr val="tx1"/>
+                </a:solidFill>
+                <a:latin typeface="+mn-lt"/>
+                <a:ea typeface="+mn-ea"/>
+                <a:cs typeface="+mn-cs"/>
+              </a:defRPr>
+            </a:lvl4pPr>
+            <a:lvl5pPr marL="1828251" indent="0" algn="ctr" defTabSz="914126" rtl="0" eaLnBrk="1" latinLnBrk="0" hangingPunct="1">
+              <a:lnSpc>
+                <a:spcPct val="90000"/>
+              </a:lnSpc>
+              <a:spcBef>
+                <a:spcPts val="500"/>
+              </a:spcBef>
+              <a:buFont typeface="Arial" panose="020B0604020202020204" pitchFamily="34" charset="0"/>
+              <a:buNone/>
+              <a:defRPr sz="1600" kern="1200">
+                <a:solidFill>
+                  <a:schemeClr val="tx1"/>
+                </a:solidFill>
+                <a:latin typeface="+mn-lt"/>
+                <a:ea typeface="+mn-ea"/>
+                <a:cs typeface="+mn-cs"/>
+              </a:defRPr>
+            </a:lvl5pPr>
+            <a:lvl6pPr marL="2285314" indent="0" algn="ctr" defTabSz="914126" rtl="0" eaLnBrk="1" latinLnBrk="0" hangingPunct="1">
+              <a:lnSpc>
+                <a:spcPct val="90000"/>
+              </a:lnSpc>
+              <a:spcBef>
+                <a:spcPts val="500"/>
+              </a:spcBef>
+              <a:buFont typeface="Arial" panose="020B0604020202020204" pitchFamily="34" charset="0"/>
+              <a:buNone/>
+              <a:defRPr sz="1600" kern="1200">
+                <a:solidFill>
+                  <a:schemeClr val="tx1"/>
+                </a:solidFill>
+                <a:latin typeface="+mn-lt"/>
+                <a:ea typeface="+mn-ea"/>
+                <a:cs typeface="+mn-cs"/>
+              </a:defRPr>
+            </a:lvl6pPr>
+            <a:lvl7pPr marL="2742377" indent="0" algn="ctr" defTabSz="914126" rtl="0" eaLnBrk="1" latinLnBrk="0" hangingPunct="1">
+              <a:lnSpc>
+                <a:spcPct val="90000"/>
+              </a:lnSpc>
+              <a:spcBef>
+                <a:spcPts val="500"/>
+              </a:spcBef>
+              <a:buFont typeface="Arial" panose="020B0604020202020204" pitchFamily="34" charset="0"/>
+              <a:buNone/>
+              <a:defRPr sz="1600" kern="1200">
+                <a:solidFill>
+                  <a:schemeClr val="tx1"/>
+                </a:solidFill>
+                <a:latin typeface="+mn-lt"/>
+                <a:ea typeface="+mn-ea"/>
+                <a:cs typeface="+mn-cs"/>
+              </a:defRPr>
+            </a:lvl7pPr>
+            <a:lvl8pPr marL="3199440" indent="0" algn="ctr" defTabSz="914126" rtl="0" eaLnBrk="1" latinLnBrk="0" hangingPunct="1">
+              <a:lnSpc>
+                <a:spcPct val="90000"/>
+              </a:lnSpc>
+              <a:spcBef>
+                <a:spcPts val="500"/>
+              </a:spcBef>
+              <a:buFont typeface="Arial" panose="020B0604020202020204" pitchFamily="34" charset="0"/>
+              <a:buNone/>
+              <a:defRPr sz="1600" kern="1200">
+                <a:solidFill>
+                  <a:schemeClr val="tx1"/>
+                </a:solidFill>
+                <a:latin typeface="+mn-lt"/>
+                <a:ea typeface="+mn-ea"/>
+                <a:cs typeface="+mn-cs"/>
+              </a:defRPr>
+            </a:lvl8pPr>
+            <a:lvl9pPr marL="3656503" indent="0" algn="ctr" defTabSz="914126" rtl="0" eaLnBrk="1" latinLnBrk="0" hangingPunct="1">
+              <a:lnSpc>
+                <a:spcPct val="90000"/>
+              </a:lnSpc>
+              <a:spcBef>
+                <a:spcPts val="500"/>
+              </a:spcBef>
+              <a:buFont typeface="Arial" panose="020B0604020202020204" pitchFamily="34" charset="0"/>
+              <a:buNone/>
+              <a:defRPr sz="1600" kern="1200">
+                <a:solidFill>
+                  <a:schemeClr val="tx1"/>
+                </a:solidFill>
+                <a:latin typeface="+mn-lt"/>
+                <a:ea typeface="+mn-ea"/>
+                <a:cs typeface="+mn-cs"/>
+              </a:defRPr>
+            </a:lvl9pPr>
+          </a:lstStyle>
+          <a:p>
+            <a:pPr algn="l"/>
+            <a:r>
+              <a:rPr lang="en-US" sz="2800" dirty="0"/>
+              <a:t>Shirak Avakian</a:t>
+            </a:r>
+          </a:p>
+          <a:p>
+            <a:pPr algn="l"/>
+            <a:r>
+              <a:rPr lang="en-US" sz="2800" dirty="0"/>
+              <a:t>Enterprise Solution Architect</a:t>
+            </a:r>
+          </a:p>
+          <a:p>
+            <a:pPr algn="l"/>
+            <a:r>
+              <a:rPr lang="en-US" sz="2800" dirty="0"/>
+              <a:t>QBI LLC</a:t>
+            </a:r>
+          </a:p>
+          <a:p>
+            <a:pPr algn="l"/>
+            <a:r>
+              <a:rPr lang="en-US" sz="2800" dirty="0">
+                <a:hlinkClick r:id="rId2"/>
+              </a:rPr>
+              <a:t>shirakavakian@gmail.com</a:t>
+            </a:r>
+            <a:endParaRPr lang="en-US" sz="2800" dirty="0"/>
+          </a:p>
+          <a:p>
+            <a:pPr algn="l"/>
+            <a:r>
+              <a:rPr lang="en-US" sz="2800" dirty="0"/>
+              <a:t>@</a:t>
+            </a:r>
+            <a:r>
+              <a:rPr lang="en-US" sz="2800" dirty="0" err="1"/>
+              <a:t>shirakavakian</a:t>
+            </a:r>
+            <a:endParaRPr lang="en-US" sz="2800" dirty="0"/>
+          </a:p>
+        </p:txBody>
+      </p:sp>
+      <p:pic>
+        <p:nvPicPr>
+          <p:cNvPr id="10" name="Picture 9"/>
+          <p:cNvPicPr>
+            <a:picLocks noChangeAspect="1"/>
+          </p:cNvPicPr>
+          <p:nvPr/>
+        </p:nvPicPr>
+        <p:blipFill rotWithShape="1">
+          <a:blip r:embed="rId3" cstate="print">
+            <a:extLst>
+              <a:ext uri="{28A0092B-C50C-407E-A947-70E740481C1C}">
+                <a14:useLocalDpi xmlns:a14="http://schemas.microsoft.com/office/drawing/2010/main" val="0"/>
+              </a:ext>
+            </a:extLst>
+          </a:blip>
+          <a:srcRect l="28031" r="12878"/>
+          <a:stretch/>
+        </p:blipFill>
+        <p:spPr>
+          <a:xfrm>
+            <a:off x="6695729" y="2057400"/>
+            <a:ext cx="4343402" cy="4134584"/>
+          </a:xfrm>
+          <a:prstGeom prst="roundRect">
+            <a:avLst>
+              <a:gd name="adj" fmla="val 11111"/>
+            </a:avLst>
+          </a:prstGeom>
+          <a:ln w="190500" cap="rnd">
+            <a:solidFill>
+              <a:srgbClr val="C8C6BD"/>
+            </a:solidFill>
+            <a:prstDash val="solid"/>
+          </a:ln>
+          <a:effectLst>
+            <a:outerShdw blurRad="101600" dist="50800" dir="7200000" algn="tl" rotWithShape="0">
+              <a:srgbClr val="000000">
+                <a:alpha val="45000"/>
+              </a:srgbClr>
+            </a:outerShdw>
+          </a:effectLst>
+          <a:scene3d>
+            <a:camera prst="perspectiveFront" fov="5400000"/>
+            <a:lightRig rig="threePt" dir="t">
+              <a:rot lat="0" lon="0" rev="19200000"/>
+            </a:lightRig>
+          </a:scene3d>
+          <a:sp3d extrusionH="25400">
+            <a:bevelT w="304800" h="152400" prst="hardEdge"/>
+            <a:extrusionClr>
+              <a:srgbClr val="FFFFFF"/>
+            </a:extrusionClr>
+          </a:sp3d>
+        </p:spPr>
+      </p:pic>
+    </p:spTree>
+    <p:extLst>
+      <p:ext uri="{BB962C8B-B14F-4D97-AF65-F5344CB8AC3E}">
+        <p14:creationId xmlns:p14="http://schemas.microsoft.com/office/powerpoint/2010/main" val="649986600"/>
+      </p:ext>
+    </p:extLst>
+  </p:cSld>
+  <p:clrMapOvr>
+    <a:masterClrMapping/>
+  </p:clrMapOvr>
+</p:sld>
+</file>
+
+<file path=ppt/slides/slide20.xml><?xml version="1.0" encoding="utf-8"?>
 <p:sld xmlns:a="http://schemas.openxmlformats.org/drawingml/2006/main" xmlns:r="http://schemas.openxmlformats.org/officeDocument/2006/relationships" xmlns:p="http://schemas.openxmlformats.org/presentationml/2006/main">
   <p:cSld>
     <p:spTree>
@@ -26950,377 +27967,7 @@
 </p:sld>
 </file>
 
-<file path=ppt/slides/slide2.xml><?xml version="1.0" encoding="utf-8"?>
-<p:sld xmlns:a="http://schemas.openxmlformats.org/drawingml/2006/main" xmlns:r="http://schemas.openxmlformats.org/officeDocument/2006/relationships" xmlns:p="http://schemas.openxmlformats.org/presentationml/2006/main">
-  <p:cSld>
-    <p:spTree>
-      <p:nvGrpSpPr>
-        <p:cNvPr id="1" name=""/>
-        <p:cNvGrpSpPr/>
-        <p:nvPr/>
-      </p:nvGrpSpPr>
-      <p:grpSpPr>
-        <a:xfrm>
-          <a:off x="0" y="0"/>
-          <a:ext cx="0" cy="0"/>
-          <a:chOff x="0" y="0"/>
-          <a:chExt cx="0" cy="0"/>
-        </a:xfrm>
-      </p:grpSpPr>
-      <p:sp>
-        <p:nvSpPr>
-          <p:cNvPr id="6" name="Title 1"/>
-          <p:cNvSpPr txBox="1">
-            <a:spLocks/>
-          </p:cNvSpPr>
-          <p:nvPr/>
-        </p:nvSpPr>
-        <p:spPr>
-          <a:xfrm>
-            <a:off x="244634" y="893"/>
-            <a:ext cx="10789459" cy="1363224"/>
-          </a:xfrm>
-          <a:prstGeom prst="rect">
-            <a:avLst/>
-          </a:prstGeom>
-        </p:spPr>
-        <p:txBody>
-          <a:bodyPr vert="horz" lIns="91416" tIns="45708" rIns="91416" bIns="45708" rtlCol="0" anchor="ctr">
-            <a:normAutofit/>
-          </a:bodyPr>
-          <a:lstStyle>
-            <a:lvl1pPr algn="ctr" defTabSz="914400" rtl="0" eaLnBrk="1" latinLnBrk="0" hangingPunct="1">
-              <a:lnSpc>
-                <a:spcPct val="90000"/>
-              </a:lnSpc>
-              <a:spcBef>
-                <a:spcPct val="0"/>
-              </a:spcBef>
-              <a:buNone/>
-              <a:defRPr sz="6000" kern="1200">
-                <a:solidFill>
-                  <a:schemeClr val="tx1"/>
-                </a:solidFill>
-                <a:latin typeface="+mj-lt"/>
-                <a:ea typeface="+mj-ea"/>
-                <a:cs typeface="+mj-cs"/>
-              </a:defRPr>
-            </a:lvl1pPr>
-          </a:lstStyle>
-          <a:p>
-            <a:pPr algn="l" defTabSz="914126"/>
-            <a:r>
-              <a:rPr lang="en-IN" sz="4400" b="1" dirty="0">
-                <a:solidFill>
-                  <a:srgbClr val="FFFF00"/>
-                </a:solidFill>
-                <a:latin typeface="Adobe Clean" panose="020B0503020404020204" pitchFamily="34" charset="0"/>
-              </a:rPr>
-              <a:t>Who am I</a:t>
-            </a:r>
-          </a:p>
-        </p:txBody>
-      </p:sp>
-      <p:sp>
-        <p:nvSpPr>
-          <p:cNvPr id="9" name="Content Placeholder 13"/>
-          <p:cNvSpPr txBox="1">
-            <a:spLocks/>
-          </p:cNvSpPr>
-          <p:nvPr/>
-        </p:nvSpPr>
-        <p:spPr>
-          <a:xfrm>
-            <a:off x="989012" y="2438401"/>
-            <a:ext cx="4495799" cy="2895600"/>
-          </a:xfrm>
-          <a:prstGeom prst="rect">
-            <a:avLst/>
-          </a:prstGeom>
-        </p:spPr>
-        <p:txBody>
-          <a:bodyPr vert="horz" lIns="91440" tIns="45720" rIns="91440" bIns="45720" rtlCol="0">
-            <a:normAutofit/>
-          </a:bodyPr>
-          <a:lstStyle>
-            <a:lvl1pPr marL="0" indent="0" algn="ctr" defTabSz="914126" rtl="0" eaLnBrk="1" latinLnBrk="0" hangingPunct="1">
-              <a:lnSpc>
-                <a:spcPct val="90000"/>
-              </a:lnSpc>
-              <a:spcBef>
-                <a:spcPts val="1000"/>
-              </a:spcBef>
-              <a:buFont typeface="Arial" panose="020B0604020202020204" pitchFamily="34" charset="0"/>
-              <a:buNone/>
-              <a:defRPr sz="2399" kern="1200">
-                <a:solidFill>
-                  <a:schemeClr val="tx1"/>
-                </a:solidFill>
-                <a:latin typeface="+mn-lt"/>
-                <a:ea typeface="+mn-ea"/>
-                <a:cs typeface="+mn-cs"/>
-              </a:defRPr>
-            </a:lvl1pPr>
-            <a:lvl2pPr marL="457063" indent="0" algn="ctr" defTabSz="914126" rtl="0" eaLnBrk="1" latinLnBrk="0" hangingPunct="1">
-              <a:lnSpc>
-                <a:spcPct val="90000"/>
-              </a:lnSpc>
-              <a:spcBef>
-                <a:spcPts val="500"/>
-              </a:spcBef>
-              <a:buFont typeface="Arial" panose="020B0604020202020204" pitchFamily="34" charset="0"/>
-              <a:buNone/>
-              <a:defRPr sz="1999" kern="1200">
-                <a:solidFill>
-                  <a:schemeClr val="tx1"/>
-                </a:solidFill>
-                <a:latin typeface="+mn-lt"/>
-                <a:ea typeface="+mn-ea"/>
-                <a:cs typeface="+mn-cs"/>
-              </a:defRPr>
-            </a:lvl2pPr>
-            <a:lvl3pPr marL="914126" indent="0" algn="ctr" defTabSz="914126" rtl="0" eaLnBrk="1" latinLnBrk="0" hangingPunct="1">
-              <a:lnSpc>
-                <a:spcPct val="90000"/>
-              </a:lnSpc>
-              <a:spcBef>
-                <a:spcPts val="500"/>
-              </a:spcBef>
-              <a:buFont typeface="Arial" panose="020B0604020202020204" pitchFamily="34" charset="0"/>
-              <a:buNone/>
-              <a:defRPr sz="1799" kern="1200">
-                <a:solidFill>
-                  <a:schemeClr val="tx1"/>
-                </a:solidFill>
-                <a:latin typeface="+mn-lt"/>
-                <a:ea typeface="+mn-ea"/>
-                <a:cs typeface="+mn-cs"/>
-              </a:defRPr>
-            </a:lvl3pPr>
-            <a:lvl4pPr marL="1371189" indent="0" algn="ctr" defTabSz="914126" rtl="0" eaLnBrk="1" latinLnBrk="0" hangingPunct="1">
-              <a:lnSpc>
-                <a:spcPct val="90000"/>
-              </a:lnSpc>
-              <a:spcBef>
-                <a:spcPts val="500"/>
-              </a:spcBef>
-              <a:buFont typeface="Arial" panose="020B0604020202020204" pitchFamily="34" charset="0"/>
-              <a:buNone/>
-              <a:defRPr sz="1600" kern="1200">
-                <a:solidFill>
-                  <a:schemeClr val="tx1"/>
-                </a:solidFill>
-                <a:latin typeface="+mn-lt"/>
-                <a:ea typeface="+mn-ea"/>
-                <a:cs typeface="+mn-cs"/>
-              </a:defRPr>
-            </a:lvl4pPr>
-            <a:lvl5pPr marL="1828251" indent="0" algn="ctr" defTabSz="914126" rtl="0" eaLnBrk="1" latinLnBrk="0" hangingPunct="1">
-              <a:lnSpc>
-                <a:spcPct val="90000"/>
-              </a:lnSpc>
-              <a:spcBef>
-                <a:spcPts val="500"/>
-              </a:spcBef>
-              <a:buFont typeface="Arial" panose="020B0604020202020204" pitchFamily="34" charset="0"/>
-              <a:buNone/>
-              <a:defRPr sz="1600" kern="1200">
-                <a:solidFill>
-                  <a:schemeClr val="tx1"/>
-                </a:solidFill>
-                <a:latin typeface="+mn-lt"/>
-                <a:ea typeface="+mn-ea"/>
-                <a:cs typeface="+mn-cs"/>
-              </a:defRPr>
-            </a:lvl5pPr>
-            <a:lvl6pPr marL="2285314" indent="0" algn="ctr" defTabSz="914126" rtl="0" eaLnBrk="1" latinLnBrk="0" hangingPunct="1">
-              <a:lnSpc>
-                <a:spcPct val="90000"/>
-              </a:lnSpc>
-              <a:spcBef>
-                <a:spcPts val="500"/>
-              </a:spcBef>
-              <a:buFont typeface="Arial" panose="020B0604020202020204" pitchFamily="34" charset="0"/>
-              <a:buNone/>
-              <a:defRPr sz="1600" kern="1200">
-                <a:solidFill>
-                  <a:schemeClr val="tx1"/>
-                </a:solidFill>
-                <a:latin typeface="+mn-lt"/>
-                <a:ea typeface="+mn-ea"/>
-                <a:cs typeface="+mn-cs"/>
-              </a:defRPr>
-            </a:lvl6pPr>
-            <a:lvl7pPr marL="2742377" indent="0" algn="ctr" defTabSz="914126" rtl="0" eaLnBrk="1" latinLnBrk="0" hangingPunct="1">
-              <a:lnSpc>
-                <a:spcPct val="90000"/>
-              </a:lnSpc>
-              <a:spcBef>
-                <a:spcPts val="500"/>
-              </a:spcBef>
-              <a:buFont typeface="Arial" panose="020B0604020202020204" pitchFamily="34" charset="0"/>
-              <a:buNone/>
-              <a:defRPr sz="1600" kern="1200">
-                <a:solidFill>
-                  <a:schemeClr val="tx1"/>
-                </a:solidFill>
-                <a:latin typeface="+mn-lt"/>
-                <a:ea typeface="+mn-ea"/>
-                <a:cs typeface="+mn-cs"/>
-              </a:defRPr>
-            </a:lvl7pPr>
-            <a:lvl8pPr marL="3199440" indent="0" algn="ctr" defTabSz="914126" rtl="0" eaLnBrk="1" latinLnBrk="0" hangingPunct="1">
-              <a:lnSpc>
-                <a:spcPct val="90000"/>
-              </a:lnSpc>
-              <a:spcBef>
-                <a:spcPts val="500"/>
-              </a:spcBef>
-              <a:buFont typeface="Arial" panose="020B0604020202020204" pitchFamily="34" charset="0"/>
-              <a:buNone/>
-              <a:defRPr sz="1600" kern="1200">
-                <a:solidFill>
-                  <a:schemeClr val="tx1"/>
-                </a:solidFill>
-                <a:latin typeface="+mn-lt"/>
-                <a:ea typeface="+mn-ea"/>
-                <a:cs typeface="+mn-cs"/>
-              </a:defRPr>
-            </a:lvl8pPr>
-            <a:lvl9pPr marL="3656503" indent="0" algn="ctr" defTabSz="914126" rtl="0" eaLnBrk="1" latinLnBrk="0" hangingPunct="1">
-              <a:lnSpc>
-                <a:spcPct val="90000"/>
-              </a:lnSpc>
-              <a:spcBef>
-                <a:spcPts val="500"/>
-              </a:spcBef>
-              <a:buFont typeface="Arial" panose="020B0604020202020204" pitchFamily="34" charset="0"/>
-              <a:buNone/>
-              <a:defRPr sz="1600" kern="1200">
-                <a:solidFill>
-                  <a:schemeClr val="tx1"/>
-                </a:solidFill>
-                <a:latin typeface="+mn-lt"/>
-                <a:ea typeface="+mn-ea"/>
-                <a:cs typeface="+mn-cs"/>
-              </a:defRPr>
-            </a:lvl9pPr>
-          </a:lstStyle>
-          <a:p>
-            <a:pPr algn="l"/>
-            <a:r>
-              <a:rPr lang="en-US" sz="2800" dirty="0"/>
-              <a:t>Shirak Avakian</a:t>
-            </a:r>
-          </a:p>
-          <a:p>
-            <a:pPr algn="l"/>
-            <a:r>
-              <a:rPr lang="en-US" sz="2800" dirty="0"/>
-              <a:t>Enterprise Solution Architect</a:t>
-            </a:r>
-          </a:p>
-          <a:p>
-            <a:pPr algn="l"/>
-            <a:r>
-              <a:rPr lang="en-US" sz="2800" dirty="0"/>
-              <a:t>QBI LLC</a:t>
-            </a:r>
-          </a:p>
-          <a:p>
-            <a:pPr algn="l"/>
-            <a:r>
-              <a:rPr lang="en-US" sz="2800" dirty="0">
-                <a:hlinkClick r:id="rId2"/>
-              </a:rPr>
-              <a:t>shirakavakian@gmail.com</a:t>
-            </a:r>
-            <a:endParaRPr lang="en-US" sz="2800" dirty="0"/>
-          </a:p>
-          <a:p>
-            <a:pPr algn="l"/>
-            <a:r>
-              <a:rPr lang="en-US" sz="2800" dirty="0"/>
-              <a:t>@</a:t>
-            </a:r>
-            <a:r>
-              <a:rPr lang="en-US" sz="2800" dirty="0" err="1"/>
-              <a:t>shirakavakian</a:t>
-            </a:r>
-            <a:endParaRPr lang="en-US" sz="2800" dirty="0"/>
-          </a:p>
-        </p:txBody>
-      </p:sp>
-      <p:pic>
-        <p:nvPicPr>
-          <p:cNvPr id="10" name="Picture 9"/>
-          <p:cNvPicPr>
-            <a:picLocks noChangeAspect="1"/>
-          </p:cNvPicPr>
-          <p:nvPr/>
-        </p:nvPicPr>
-        <p:blipFill rotWithShape="1">
-          <a:blip r:embed="rId3" cstate="print">
-            <a:extLst>
-              <a:ext uri="{28A0092B-C50C-407E-A947-70E740481C1C}">
-                <a14:useLocalDpi xmlns:a14="http://schemas.microsoft.com/office/drawing/2010/main" val="0"/>
-              </a:ext>
-            </a:extLst>
-          </a:blip>
-          <a:srcRect l="28031" r="12878"/>
-          <a:stretch/>
-        </p:blipFill>
-        <p:spPr>
-          <a:xfrm>
-            <a:off x="6695729" y="2057400"/>
-            <a:ext cx="4343402" cy="4134584"/>
-          </a:xfrm>
-          <a:prstGeom prst="roundRect">
-            <a:avLst>
-              <a:gd name="adj" fmla="val 11111"/>
-            </a:avLst>
-          </a:prstGeom>
-          <a:ln w="190500" cap="rnd">
-            <a:solidFill>
-              <a:srgbClr val="C8C6BD"/>
-            </a:solidFill>
-            <a:prstDash val="solid"/>
-          </a:ln>
-          <a:effectLst>
-            <a:outerShdw blurRad="101600" dist="50800" dir="7200000" algn="tl" rotWithShape="0">
-              <a:srgbClr val="000000">
-                <a:alpha val="45000"/>
-              </a:srgbClr>
-            </a:outerShdw>
-          </a:effectLst>
-          <a:scene3d>
-            <a:camera prst="perspectiveFront" fov="5400000"/>
-            <a:lightRig rig="threePt" dir="t">
-              <a:rot lat="0" lon="0" rev="19200000"/>
-            </a:lightRig>
-          </a:scene3d>
-          <a:sp3d extrusionH="25400">
-            <a:bevelT w="304800" h="152400" prst="hardEdge"/>
-            <a:extrusionClr>
-              <a:srgbClr val="FFFFFF"/>
-            </a:extrusionClr>
-          </a:sp3d>
-        </p:spPr>
-      </p:pic>
-    </p:spTree>
-    <p:extLst>
-      <p:ext uri="{BB962C8B-B14F-4D97-AF65-F5344CB8AC3E}">
-        <p14:creationId xmlns:p14="http://schemas.microsoft.com/office/powerpoint/2010/main" val="649986600"/>
-      </p:ext>
-    </p:extLst>
-  </p:cSld>
-  <p:clrMapOvr>
-    <a:masterClrMapping/>
-  </p:clrMapOvr>
-</p:sld>
-</file>
-
-<file path=ppt/slides/slide20.xml><?xml version="1.0" encoding="utf-8"?>
+<file path=ppt/slides/slide21.xml><?xml version="1.0" encoding="utf-8"?>
 <p:sld xmlns:a="http://schemas.openxmlformats.org/drawingml/2006/main" xmlns:r="http://schemas.openxmlformats.org/officeDocument/2006/relationships" xmlns:p="http://schemas.openxmlformats.org/presentationml/2006/main">
   <p:cSld>
     <p:spTree>
@@ -28058,7 +28705,7 @@
 </p:sld>
 </file>
 
-<file path=ppt/slides/slide21.xml><?xml version="1.0" encoding="utf-8"?>
+<file path=ppt/slides/slide22.xml><?xml version="1.0" encoding="utf-8"?>
 <p:sld xmlns:a="http://schemas.openxmlformats.org/drawingml/2006/main" xmlns:r="http://schemas.openxmlformats.org/officeDocument/2006/relationships" xmlns:p="http://schemas.openxmlformats.org/presentationml/2006/main">
   <p:cSld>
     <p:spTree>
@@ -28781,7 +29428,7 @@
 </p:sld>
 </file>
 
-<file path=ppt/slides/slide22.xml><?xml version="1.0" encoding="utf-8"?>
+<file path=ppt/slides/slide23.xml><?xml version="1.0" encoding="utf-8"?>
 <p:sld xmlns:a="http://schemas.openxmlformats.org/drawingml/2006/main" xmlns:r="http://schemas.openxmlformats.org/officeDocument/2006/relationships" xmlns:p="http://schemas.openxmlformats.org/presentationml/2006/main">
   <p:cSld>
     <p:spTree>
@@ -29135,7 +29782,7 @@
 </p:sld>
 </file>
 
-<file path=ppt/slides/slide23.xml><?xml version="1.0" encoding="utf-8"?>
+<file path=ppt/slides/slide24.xml><?xml version="1.0" encoding="utf-8"?>
 <p:sld xmlns:a="http://schemas.openxmlformats.org/drawingml/2006/main" xmlns:r="http://schemas.openxmlformats.org/officeDocument/2006/relationships" xmlns:p="http://schemas.openxmlformats.org/presentationml/2006/main">
   <p:cSld>
     <p:spTree>
@@ -30142,7 +30789,7 @@
 </p:sld>
 </file>
 
-<file path=ppt/slides/slide24.xml><?xml version="1.0" encoding="utf-8"?>
+<file path=ppt/slides/slide25.xml><?xml version="1.0" encoding="utf-8"?>
 <p:sld xmlns:a="http://schemas.openxmlformats.org/drawingml/2006/main" xmlns:r="http://schemas.openxmlformats.org/officeDocument/2006/relationships" xmlns:p="http://schemas.openxmlformats.org/presentationml/2006/main">
   <p:cSld>
     <p:spTree>
@@ -30835,7 +31482,7 @@
 </p:sld>
 </file>
 
-<file path=ppt/slides/slide25.xml><?xml version="1.0" encoding="utf-8"?>
+<file path=ppt/slides/slide26.xml><?xml version="1.0" encoding="utf-8"?>
 <p:sld xmlns:a="http://schemas.openxmlformats.org/drawingml/2006/main" xmlns:r="http://schemas.openxmlformats.org/officeDocument/2006/relationships" xmlns:p="http://schemas.openxmlformats.org/presentationml/2006/main">
   <p:cSld>
     <p:spTree>
@@ -33191,7 +33838,7 @@
 </p:sld>
 </file>
 
-<file path=ppt/slides/slide26.xml><?xml version="1.0" encoding="utf-8"?>
+<file path=ppt/slides/slide27.xml><?xml version="1.0" encoding="utf-8"?>
 <p:sld xmlns:a="http://schemas.openxmlformats.org/drawingml/2006/main" xmlns:r="http://schemas.openxmlformats.org/officeDocument/2006/relationships" xmlns:p="http://schemas.openxmlformats.org/presentationml/2006/main">
   <p:cSld>
     <p:spTree>
@@ -35934,7 +36581,7 @@
 </p:sld>
 </file>
 
-<file path=ppt/slides/slide27.xml><?xml version="1.0" encoding="utf-8"?>
+<file path=ppt/slides/slide28.xml><?xml version="1.0" encoding="utf-8"?>
 <p:sld xmlns:a="http://schemas.openxmlformats.org/drawingml/2006/main" xmlns:r="http://schemas.openxmlformats.org/officeDocument/2006/relationships" xmlns:p="http://schemas.openxmlformats.org/presentationml/2006/main">
   <p:cSld>
     <p:spTree>
@@ -37682,7 +38329,7 @@
 </p:sld>
 </file>
 
-<file path=ppt/slides/slide28.xml><?xml version="1.0" encoding="utf-8"?>
+<file path=ppt/slides/slide29.xml><?xml version="1.0" encoding="utf-8"?>
 <p:sld xmlns:a="http://schemas.openxmlformats.org/drawingml/2006/main" xmlns:r="http://schemas.openxmlformats.org/officeDocument/2006/relationships" xmlns:p="http://schemas.openxmlformats.org/presentationml/2006/main">
   <p:cSld>
     <p:spTree>
@@ -38840,7 +39487,548 @@
 </p:sld>
 </file>
 
-<file path=ppt/slides/slide29.xml><?xml version="1.0" encoding="utf-8"?>
+<file path=ppt/slides/slide3.xml><?xml version="1.0" encoding="utf-8"?>
+<p:sld xmlns:a="http://schemas.openxmlformats.org/drawingml/2006/main" xmlns:r="http://schemas.openxmlformats.org/officeDocument/2006/relationships" xmlns:p="http://schemas.openxmlformats.org/presentationml/2006/main">
+  <p:cSld>
+    <p:spTree>
+      <p:nvGrpSpPr>
+        <p:cNvPr id="1" name=""/>
+        <p:cNvGrpSpPr/>
+        <p:nvPr/>
+      </p:nvGrpSpPr>
+      <p:grpSpPr>
+        <a:xfrm>
+          <a:off x="0" y="0"/>
+          <a:ext cx="0" cy="0"/>
+          <a:chOff x="0" y="0"/>
+          <a:chExt cx="0" cy="0"/>
+        </a:xfrm>
+      </p:grpSpPr>
+      <p:sp>
+        <p:nvSpPr>
+          <p:cNvPr id="6" name="Title 1"/>
+          <p:cNvSpPr txBox="1">
+            <a:spLocks/>
+          </p:cNvSpPr>
+          <p:nvPr/>
+        </p:nvSpPr>
+        <p:spPr>
+          <a:xfrm>
+            <a:off x="244634" y="893"/>
+            <a:ext cx="10789459" cy="1363224"/>
+          </a:xfrm>
+          <a:prstGeom prst="rect">
+            <a:avLst/>
+          </a:prstGeom>
+        </p:spPr>
+        <p:txBody>
+          <a:bodyPr vert="horz" lIns="91416" tIns="45708" rIns="91416" bIns="45708" rtlCol="0" anchor="ctr">
+            <a:normAutofit/>
+          </a:bodyPr>
+          <a:lstStyle>
+            <a:lvl1pPr algn="ctr" defTabSz="914400" rtl="0" eaLnBrk="1" latinLnBrk="0" hangingPunct="1">
+              <a:lnSpc>
+                <a:spcPct val="90000"/>
+              </a:lnSpc>
+              <a:spcBef>
+                <a:spcPct val="0"/>
+              </a:spcBef>
+              <a:buNone/>
+              <a:defRPr sz="6000" kern="1200">
+                <a:solidFill>
+                  <a:schemeClr val="tx1"/>
+                </a:solidFill>
+                <a:latin typeface="+mj-lt"/>
+                <a:ea typeface="+mj-ea"/>
+                <a:cs typeface="+mj-cs"/>
+              </a:defRPr>
+            </a:lvl1pPr>
+          </a:lstStyle>
+          <a:p>
+            <a:pPr algn="l" defTabSz="914126"/>
+            <a:r>
+              <a:rPr lang="en-IN" sz="4400" b="1" dirty="0">
+                <a:solidFill>
+                  <a:srgbClr val="FFFF00"/>
+                </a:solidFill>
+                <a:latin typeface="Adobe Clean" panose="020B0503020404020204" pitchFamily="34" charset="0"/>
+              </a:rPr>
+              <a:t>Subjects</a:t>
+            </a:r>
+            <a:r>
+              <a:rPr lang="en-IN" sz="4999" b="1" dirty="0">
+                <a:solidFill>
+                  <a:srgbClr val="FFFF00"/>
+                </a:solidFill>
+                <a:latin typeface="Adobe Clean" panose="020B0503020404020204" pitchFamily="34" charset="0"/>
+              </a:rPr>
+              <a:t> </a:t>
+            </a:r>
+            <a:r>
+              <a:rPr lang="en-IN" sz="4400" b="1" dirty="0">
+                <a:solidFill>
+                  <a:srgbClr val="FFFF00"/>
+                </a:solidFill>
+                <a:latin typeface="Adobe Clean" panose="020B0503020404020204" pitchFamily="34" charset="0"/>
+              </a:rPr>
+              <a:t>to Cover</a:t>
+            </a:r>
+            <a:endParaRPr lang="en-IN" sz="4999" b="1" dirty="0">
+              <a:solidFill>
+                <a:srgbClr val="FFFF00"/>
+              </a:solidFill>
+              <a:latin typeface="Adobe Clean" panose="020B0503020404020204" pitchFamily="34" charset="0"/>
+            </a:endParaRPr>
+          </a:p>
+        </p:txBody>
+      </p:sp>
+      <p:sp>
+        <p:nvSpPr>
+          <p:cNvPr id="5" name="Content Placeholder 13"/>
+          <p:cNvSpPr txBox="1">
+            <a:spLocks/>
+          </p:cNvSpPr>
+          <p:nvPr/>
+        </p:nvSpPr>
+        <p:spPr>
+          <a:xfrm>
+            <a:off x="1293812" y="2895600"/>
+            <a:ext cx="8915399" cy="1752601"/>
+          </a:xfrm>
+          <a:prstGeom prst="rect">
+            <a:avLst/>
+          </a:prstGeom>
+        </p:spPr>
+        <p:txBody>
+          <a:bodyPr vert="horz" lIns="91440" tIns="45720" rIns="91440" bIns="45720" rtlCol="0">
+            <a:normAutofit/>
+          </a:bodyPr>
+          <a:lstStyle>
+            <a:lvl1pPr marL="0" indent="0" algn="ctr" defTabSz="914126" rtl="0" eaLnBrk="1" latinLnBrk="0" hangingPunct="1">
+              <a:lnSpc>
+                <a:spcPct val="90000"/>
+              </a:lnSpc>
+              <a:spcBef>
+                <a:spcPts val="1000"/>
+              </a:spcBef>
+              <a:buFont typeface="Arial" panose="020B0604020202020204" pitchFamily="34" charset="0"/>
+              <a:buNone/>
+              <a:defRPr sz="2399" kern="1200">
+                <a:solidFill>
+                  <a:schemeClr val="tx1"/>
+                </a:solidFill>
+                <a:latin typeface="+mn-lt"/>
+                <a:ea typeface="+mn-ea"/>
+                <a:cs typeface="+mn-cs"/>
+              </a:defRPr>
+            </a:lvl1pPr>
+            <a:lvl2pPr marL="457063" indent="0" algn="ctr" defTabSz="914126" rtl="0" eaLnBrk="1" latinLnBrk="0" hangingPunct="1">
+              <a:lnSpc>
+                <a:spcPct val="90000"/>
+              </a:lnSpc>
+              <a:spcBef>
+                <a:spcPts val="500"/>
+              </a:spcBef>
+              <a:buFont typeface="Arial" panose="020B0604020202020204" pitchFamily="34" charset="0"/>
+              <a:buNone/>
+              <a:defRPr sz="1999" kern="1200">
+                <a:solidFill>
+                  <a:schemeClr val="tx1"/>
+                </a:solidFill>
+                <a:latin typeface="+mn-lt"/>
+                <a:ea typeface="+mn-ea"/>
+                <a:cs typeface="+mn-cs"/>
+              </a:defRPr>
+            </a:lvl2pPr>
+            <a:lvl3pPr marL="914126" indent="0" algn="ctr" defTabSz="914126" rtl="0" eaLnBrk="1" latinLnBrk="0" hangingPunct="1">
+              <a:lnSpc>
+                <a:spcPct val="90000"/>
+              </a:lnSpc>
+              <a:spcBef>
+                <a:spcPts val="500"/>
+              </a:spcBef>
+              <a:buFont typeface="Arial" panose="020B0604020202020204" pitchFamily="34" charset="0"/>
+              <a:buNone/>
+              <a:defRPr sz="1799" kern="1200">
+                <a:solidFill>
+                  <a:schemeClr val="tx1"/>
+                </a:solidFill>
+                <a:latin typeface="+mn-lt"/>
+                <a:ea typeface="+mn-ea"/>
+                <a:cs typeface="+mn-cs"/>
+              </a:defRPr>
+            </a:lvl3pPr>
+            <a:lvl4pPr marL="1371189" indent="0" algn="ctr" defTabSz="914126" rtl="0" eaLnBrk="1" latinLnBrk="0" hangingPunct="1">
+              <a:lnSpc>
+                <a:spcPct val="90000"/>
+              </a:lnSpc>
+              <a:spcBef>
+                <a:spcPts val="500"/>
+              </a:spcBef>
+              <a:buFont typeface="Arial" panose="020B0604020202020204" pitchFamily="34" charset="0"/>
+              <a:buNone/>
+              <a:defRPr sz="1600" kern="1200">
+                <a:solidFill>
+                  <a:schemeClr val="tx1"/>
+                </a:solidFill>
+                <a:latin typeface="+mn-lt"/>
+                <a:ea typeface="+mn-ea"/>
+                <a:cs typeface="+mn-cs"/>
+              </a:defRPr>
+            </a:lvl4pPr>
+            <a:lvl5pPr marL="1828251" indent="0" algn="ctr" defTabSz="914126" rtl="0" eaLnBrk="1" latinLnBrk="0" hangingPunct="1">
+              <a:lnSpc>
+                <a:spcPct val="90000"/>
+              </a:lnSpc>
+              <a:spcBef>
+                <a:spcPts val="500"/>
+              </a:spcBef>
+              <a:buFont typeface="Arial" panose="020B0604020202020204" pitchFamily="34" charset="0"/>
+              <a:buNone/>
+              <a:defRPr sz="1600" kern="1200">
+                <a:solidFill>
+                  <a:schemeClr val="tx1"/>
+                </a:solidFill>
+                <a:latin typeface="+mn-lt"/>
+                <a:ea typeface="+mn-ea"/>
+                <a:cs typeface="+mn-cs"/>
+              </a:defRPr>
+            </a:lvl5pPr>
+            <a:lvl6pPr marL="2285314" indent="0" algn="ctr" defTabSz="914126" rtl="0" eaLnBrk="1" latinLnBrk="0" hangingPunct="1">
+              <a:lnSpc>
+                <a:spcPct val="90000"/>
+              </a:lnSpc>
+              <a:spcBef>
+                <a:spcPts val="500"/>
+              </a:spcBef>
+              <a:buFont typeface="Arial" panose="020B0604020202020204" pitchFamily="34" charset="0"/>
+              <a:buNone/>
+              <a:defRPr sz="1600" kern="1200">
+                <a:solidFill>
+                  <a:schemeClr val="tx1"/>
+                </a:solidFill>
+                <a:latin typeface="+mn-lt"/>
+                <a:ea typeface="+mn-ea"/>
+                <a:cs typeface="+mn-cs"/>
+              </a:defRPr>
+            </a:lvl6pPr>
+            <a:lvl7pPr marL="2742377" indent="0" algn="ctr" defTabSz="914126" rtl="0" eaLnBrk="1" latinLnBrk="0" hangingPunct="1">
+              <a:lnSpc>
+                <a:spcPct val="90000"/>
+              </a:lnSpc>
+              <a:spcBef>
+                <a:spcPts val="500"/>
+              </a:spcBef>
+              <a:buFont typeface="Arial" panose="020B0604020202020204" pitchFamily="34" charset="0"/>
+              <a:buNone/>
+              <a:defRPr sz="1600" kern="1200">
+                <a:solidFill>
+                  <a:schemeClr val="tx1"/>
+                </a:solidFill>
+                <a:latin typeface="+mn-lt"/>
+                <a:ea typeface="+mn-ea"/>
+                <a:cs typeface="+mn-cs"/>
+              </a:defRPr>
+            </a:lvl7pPr>
+            <a:lvl8pPr marL="3199440" indent="0" algn="ctr" defTabSz="914126" rtl="0" eaLnBrk="1" latinLnBrk="0" hangingPunct="1">
+              <a:lnSpc>
+                <a:spcPct val="90000"/>
+              </a:lnSpc>
+              <a:spcBef>
+                <a:spcPts val="500"/>
+              </a:spcBef>
+              <a:buFont typeface="Arial" panose="020B0604020202020204" pitchFamily="34" charset="0"/>
+              <a:buNone/>
+              <a:defRPr sz="1600" kern="1200">
+                <a:solidFill>
+                  <a:schemeClr val="tx1"/>
+                </a:solidFill>
+                <a:latin typeface="+mn-lt"/>
+                <a:ea typeface="+mn-ea"/>
+                <a:cs typeface="+mn-cs"/>
+              </a:defRPr>
+            </a:lvl8pPr>
+            <a:lvl9pPr marL="3656503" indent="0" algn="ctr" defTabSz="914126" rtl="0" eaLnBrk="1" latinLnBrk="0" hangingPunct="1">
+              <a:lnSpc>
+                <a:spcPct val="90000"/>
+              </a:lnSpc>
+              <a:spcBef>
+                <a:spcPts val="500"/>
+              </a:spcBef>
+              <a:buFont typeface="Arial" panose="020B0604020202020204" pitchFamily="34" charset="0"/>
+              <a:buNone/>
+              <a:defRPr sz="1600" kern="1200">
+                <a:solidFill>
+                  <a:schemeClr val="tx1"/>
+                </a:solidFill>
+                <a:latin typeface="+mn-lt"/>
+                <a:ea typeface="+mn-ea"/>
+                <a:cs typeface="+mn-cs"/>
+              </a:defRPr>
+            </a:lvl9pPr>
+          </a:lstStyle>
+          <a:p>
+            <a:pPr marL="457200" indent="-457200" algn="l">
+              <a:buFont typeface="Arial" panose="020B0604020202020204" pitchFamily="34" charset="0"/>
+              <a:buChar char="•"/>
+            </a:pPr>
+            <a:r>
+              <a:rPr lang="en-US" sz="3200" dirty="0"/>
+              <a:t>Questions to answer</a:t>
+            </a:r>
+          </a:p>
+          <a:p>
+            <a:pPr marL="457200" indent="-457200" algn="l">
+              <a:buFont typeface="Arial" panose="020B0604020202020204" pitchFamily="34" charset="0"/>
+              <a:buChar char="•"/>
+            </a:pPr>
+            <a:r>
+              <a:rPr lang="en-US" sz="3200" dirty="0"/>
+              <a:t>Software architect vs building architect</a:t>
+            </a:r>
+          </a:p>
+          <a:p>
+            <a:pPr marL="457200" indent="-457200" algn="l">
+              <a:buFont typeface="Arial" panose="020B0604020202020204" pitchFamily="34" charset="0"/>
+              <a:buChar char="•"/>
+            </a:pPr>
+            <a:r>
+              <a:rPr lang="en-US" sz="3200" dirty="0"/>
+              <a:t>Software architect vs code</a:t>
+            </a:r>
+          </a:p>
+        </p:txBody>
+      </p:sp>
+    </p:spTree>
+    <p:extLst>
+      <p:ext uri="{BB962C8B-B14F-4D97-AF65-F5344CB8AC3E}">
+        <p14:creationId xmlns:p14="http://schemas.microsoft.com/office/powerpoint/2010/main" val="2502900286"/>
+      </p:ext>
+    </p:extLst>
+  </p:cSld>
+  <p:clrMapOvr>
+    <a:masterClrMapping/>
+  </p:clrMapOvr>
+  <p:timing>
+    <p:tnLst>
+      <p:par>
+        <p:cTn id="1" dur="indefinite" restart="never" nodeType="tmRoot">
+          <p:childTnLst>
+            <p:seq concurrent="1" nextAc="seek">
+              <p:cTn id="2" dur="indefinite" nodeType="mainSeq">
+                <p:childTnLst>
+                  <p:par>
+                    <p:cTn id="3" fill="hold">
+                      <p:stCondLst>
+                        <p:cond delay="indefinite"/>
+                      </p:stCondLst>
+                      <p:childTnLst>
+                        <p:par>
+                          <p:cTn id="4" fill="hold">
+                            <p:stCondLst>
+                              <p:cond delay="0"/>
+                            </p:stCondLst>
+                            <p:childTnLst>
+                              <p:par>
+                                <p:cTn id="5" presetID="10" presetClass="entr" presetSubtype="0" fill="hold" grpId="0" nodeType="clickEffect">
+                                  <p:stCondLst>
+                                    <p:cond delay="0"/>
+                                  </p:stCondLst>
+                                  <p:childTnLst>
+                                    <p:set>
+                                      <p:cBhvr>
+                                        <p:cTn id="6" dur="1" fill="hold">
+                                          <p:stCondLst>
+                                            <p:cond delay="0"/>
+                                          </p:stCondLst>
+                                        </p:cTn>
+                                        <p:tgtEl>
+                                          <p:spTgt spid="5">
+                                            <p:txEl>
+                                              <p:pRg st="0" end="0"/>
+                                            </p:txEl>
+                                          </p:spTgt>
+                                        </p:tgtEl>
+                                        <p:attrNameLst>
+                                          <p:attrName>style.visibility</p:attrName>
+                                        </p:attrNameLst>
+                                      </p:cBhvr>
+                                      <p:to>
+                                        <p:strVal val="visible"/>
+                                      </p:to>
+                                    </p:set>
+                                    <p:animEffect transition="in" filter="fade">
+                                      <p:cBhvr>
+                                        <p:cTn id="7" dur="500"/>
+                                        <p:tgtEl>
+                                          <p:spTgt spid="5">
+                                            <p:txEl>
+                                              <p:pRg st="0" end="0"/>
+                                            </p:txEl>
+                                          </p:spTgt>
+                                        </p:tgtEl>
+                                      </p:cBhvr>
+                                    </p:animEffect>
+                                  </p:childTnLst>
+                                </p:cTn>
+                              </p:par>
+                            </p:childTnLst>
+                          </p:cTn>
+                        </p:par>
+                      </p:childTnLst>
+                    </p:cTn>
+                  </p:par>
+                  <p:par>
+                    <p:cTn id="8" fill="hold">
+                      <p:stCondLst>
+                        <p:cond delay="indefinite"/>
+                      </p:stCondLst>
+                      <p:childTnLst>
+                        <p:par>
+                          <p:cTn id="9" fill="hold">
+                            <p:stCondLst>
+                              <p:cond delay="0"/>
+                            </p:stCondLst>
+                            <p:childTnLst>
+                              <p:par>
+                                <p:cTn id="10" presetID="10" presetClass="entr" presetSubtype="0" fill="hold" grpId="0" nodeType="clickEffect">
+                                  <p:stCondLst>
+                                    <p:cond delay="0"/>
+                                  </p:stCondLst>
+                                  <p:childTnLst>
+                                    <p:set>
+                                      <p:cBhvr>
+                                        <p:cTn id="11" dur="1" fill="hold">
+                                          <p:stCondLst>
+                                            <p:cond delay="0"/>
+                                          </p:stCondLst>
+                                        </p:cTn>
+                                        <p:tgtEl>
+                                          <p:spTgt spid="5">
+                                            <p:txEl>
+                                              <p:pRg st="1" end="1"/>
+                                            </p:txEl>
+                                          </p:spTgt>
+                                        </p:tgtEl>
+                                        <p:attrNameLst>
+                                          <p:attrName>style.visibility</p:attrName>
+                                        </p:attrNameLst>
+                                      </p:cBhvr>
+                                      <p:to>
+                                        <p:strVal val="visible"/>
+                                      </p:to>
+                                    </p:set>
+                                    <p:animEffect transition="in" filter="fade">
+                                      <p:cBhvr>
+                                        <p:cTn id="12" dur="500"/>
+                                        <p:tgtEl>
+                                          <p:spTgt spid="5">
+                                            <p:txEl>
+                                              <p:pRg st="1" end="1"/>
+                                            </p:txEl>
+                                          </p:spTgt>
+                                        </p:tgtEl>
+                                      </p:cBhvr>
+                                    </p:animEffect>
+                                  </p:childTnLst>
+                                </p:cTn>
+                              </p:par>
+                            </p:childTnLst>
+                          </p:cTn>
+                        </p:par>
+                      </p:childTnLst>
+                    </p:cTn>
+                  </p:par>
+                  <p:par>
+                    <p:cTn id="13" fill="hold">
+                      <p:stCondLst>
+                        <p:cond delay="indefinite"/>
+                      </p:stCondLst>
+                      <p:childTnLst>
+                        <p:par>
+                          <p:cTn id="14" fill="hold">
+                            <p:stCondLst>
+                              <p:cond delay="0"/>
+                            </p:stCondLst>
+                            <p:childTnLst>
+                              <p:par>
+                                <p:cTn id="15" presetID="10" presetClass="entr" presetSubtype="0" fill="hold" grpId="0" nodeType="clickEffect">
+                                  <p:stCondLst>
+                                    <p:cond delay="0"/>
+                                  </p:stCondLst>
+                                  <p:childTnLst>
+                                    <p:set>
+                                      <p:cBhvr>
+                                        <p:cTn id="16" dur="1" fill="hold">
+                                          <p:stCondLst>
+                                            <p:cond delay="0"/>
+                                          </p:stCondLst>
+                                        </p:cTn>
+                                        <p:tgtEl>
+                                          <p:spTgt spid="5">
+                                            <p:txEl>
+                                              <p:pRg st="2" end="2"/>
+                                            </p:txEl>
+                                          </p:spTgt>
+                                        </p:tgtEl>
+                                        <p:attrNameLst>
+                                          <p:attrName>style.visibility</p:attrName>
+                                        </p:attrNameLst>
+                                      </p:cBhvr>
+                                      <p:to>
+                                        <p:strVal val="visible"/>
+                                      </p:to>
+                                    </p:set>
+                                    <p:animEffect transition="in" filter="fade">
+                                      <p:cBhvr>
+                                        <p:cTn id="17" dur="500"/>
+                                        <p:tgtEl>
+                                          <p:spTgt spid="5">
+                                            <p:txEl>
+                                              <p:pRg st="2" end="2"/>
+                                            </p:txEl>
+                                          </p:spTgt>
+                                        </p:tgtEl>
+                                      </p:cBhvr>
+                                    </p:animEffect>
+                                  </p:childTnLst>
+                                </p:cTn>
+                              </p:par>
+                            </p:childTnLst>
+                          </p:cTn>
+                        </p:par>
+                      </p:childTnLst>
+                    </p:cTn>
+                  </p:par>
+                </p:childTnLst>
+              </p:cTn>
+              <p:prevCondLst>
+                <p:cond evt="onPrev" delay="0">
+                  <p:tgtEl>
+                    <p:sldTgt/>
+                  </p:tgtEl>
+                </p:cond>
+              </p:prevCondLst>
+              <p:nextCondLst>
+                <p:cond evt="onNext" delay="0">
+                  <p:tgtEl>
+                    <p:sldTgt/>
+                  </p:tgtEl>
+                </p:cond>
+              </p:nextCondLst>
+            </p:seq>
+          </p:childTnLst>
+        </p:cTn>
+      </p:par>
+    </p:tnLst>
+    <p:bldLst>
+      <p:bldP spid="5" grpId="0" build="p"/>
+    </p:bldLst>
+  </p:timing>
+</p:sld>
+</file>
+
+<file path=ppt/slides/slide30.xml><?xml version="1.0" encoding="utf-8"?>
 <p:sld xmlns:a="http://schemas.openxmlformats.org/drawingml/2006/main" xmlns:r="http://schemas.openxmlformats.org/officeDocument/2006/relationships" xmlns:p="http://schemas.openxmlformats.org/presentationml/2006/main">
   <p:cSld>
     <p:spTree>
@@ -39433,548 +40621,7 @@
 </p:sld>
 </file>
 
-<file path=ppt/slides/slide3.xml><?xml version="1.0" encoding="utf-8"?>
-<p:sld xmlns:a="http://schemas.openxmlformats.org/drawingml/2006/main" xmlns:r="http://schemas.openxmlformats.org/officeDocument/2006/relationships" xmlns:p="http://schemas.openxmlformats.org/presentationml/2006/main">
-  <p:cSld>
-    <p:spTree>
-      <p:nvGrpSpPr>
-        <p:cNvPr id="1" name=""/>
-        <p:cNvGrpSpPr/>
-        <p:nvPr/>
-      </p:nvGrpSpPr>
-      <p:grpSpPr>
-        <a:xfrm>
-          <a:off x="0" y="0"/>
-          <a:ext cx="0" cy="0"/>
-          <a:chOff x="0" y="0"/>
-          <a:chExt cx="0" cy="0"/>
-        </a:xfrm>
-      </p:grpSpPr>
-      <p:sp>
-        <p:nvSpPr>
-          <p:cNvPr id="6" name="Title 1"/>
-          <p:cNvSpPr txBox="1">
-            <a:spLocks/>
-          </p:cNvSpPr>
-          <p:nvPr/>
-        </p:nvSpPr>
-        <p:spPr>
-          <a:xfrm>
-            <a:off x="244634" y="893"/>
-            <a:ext cx="10789459" cy="1363224"/>
-          </a:xfrm>
-          <a:prstGeom prst="rect">
-            <a:avLst/>
-          </a:prstGeom>
-        </p:spPr>
-        <p:txBody>
-          <a:bodyPr vert="horz" lIns="91416" tIns="45708" rIns="91416" bIns="45708" rtlCol="0" anchor="ctr">
-            <a:normAutofit/>
-          </a:bodyPr>
-          <a:lstStyle>
-            <a:lvl1pPr algn="ctr" defTabSz="914400" rtl="0" eaLnBrk="1" latinLnBrk="0" hangingPunct="1">
-              <a:lnSpc>
-                <a:spcPct val="90000"/>
-              </a:lnSpc>
-              <a:spcBef>
-                <a:spcPct val="0"/>
-              </a:spcBef>
-              <a:buNone/>
-              <a:defRPr sz="6000" kern="1200">
-                <a:solidFill>
-                  <a:schemeClr val="tx1"/>
-                </a:solidFill>
-                <a:latin typeface="+mj-lt"/>
-                <a:ea typeface="+mj-ea"/>
-                <a:cs typeface="+mj-cs"/>
-              </a:defRPr>
-            </a:lvl1pPr>
-          </a:lstStyle>
-          <a:p>
-            <a:pPr algn="l" defTabSz="914126"/>
-            <a:r>
-              <a:rPr lang="en-IN" sz="4400" b="1" dirty="0">
-                <a:solidFill>
-                  <a:srgbClr val="FFFF00"/>
-                </a:solidFill>
-                <a:latin typeface="Adobe Clean" panose="020B0503020404020204" pitchFamily="34" charset="0"/>
-              </a:rPr>
-              <a:t>Subjects</a:t>
-            </a:r>
-            <a:r>
-              <a:rPr lang="en-IN" sz="4999" b="1" dirty="0">
-                <a:solidFill>
-                  <a:srgbClr val="FFFF00"/>
-                </a:solidFill>
-                <a:latin typeface="Adobe Clean" panose="020B0503020404020204" pitchFamily="34" charset="0"/>
-              </a:rPr>
-              <a:t> </a:t>
-            </a:r>
-            <a:r>
-              <a:rPr lang="en-IN" sz="4400" b="1" dirty="0">
-                <a:solidFill>
-                  <a:srgbClr val="FFFF00"/>
-                </a:solidFill>
-                <a:latin typeface="Adobe Clean" panose="020B0503020404020204" pitchFamily="34" charset="0"/>
-              </a:rPr>
-              <a:t>to Cover</a:t>
-            </a:r>
-            <a:endParaRPr lang="en-IN" sz="4999" b="1" dirty="0">
-              <a:solidFill>
-                <a:srgbClr val="FFFF00"/>
-              </a:solidFill>
-              <a:latin typeface="Adobe Clean" panose="020B0503020404020204" pitchFamily="34" charset="0"/>
-            </a:endParaRPr>
-          </a:p>
-        </p:txBody>
-      </p:sp>
-      <p:sp>
-        <p:nvSpPr>
-          <p:cNvPr id="5" name="Content Placeholder 13"/>
-          <p:cNvSpPr txBox="1">
-            <a:spLocks/>
-          </p:cNvSpPr>
-          <p:nvPr/>
-        </p:nvSpPr>
-        <p:spPr>
-          <a:xfrm>
-            <a:off x="1293812" y="2895600"/>
-            <a:ext cx="8915399" cy="1752601"/>
-          </a:xfrm>
-          <a:prstGeom prst="rect">
-            <a:avLst/>
-          </a:prstGeom>
-        </p:spPr>
-        <p:txBody>
-          <a:bodyPr vert="horz" lIns="91440" tIns="45720" rIns="91440" bIns="45720" rtlCol="0">
-            <a:normAutofit/>
-          </a:bodyPr>
-          <a:lstStyle>
-            <a:lvl1pPr marL="0" indent="0" algn="ctr" defTabSz="914126" rtl="0" eaLnBrk="1" latinLnBrk="0" hangingPunct="1">
-              <a:lnSpc>
-                <a:spcPct val="90000"/>
-              </a:lnSpc>
-              <a:spcBef>
-                <a:spcPts val="1000"/>
-              </a:spcBef>
-              <a:buFont typeface="Arial" panose="020B0604020202020204" pitchFamily="34" charset="0"/>
-              <a:buNone/>
-              <a:defRPr sz="2399" kern="1200">
-                <a:solidFill>
-                  <a:schemeClr val="tx1"/>
-                </a:solidFill>
-                <a:latin typeface="+mn-lt"/>
-                <a:ea typeface="+mn-ea"/>
-                <a:cs typeface="+mn-cs"/>
-              </a:defRPr>
-            </a:lvl1pPr>
-            <a:lvl2pPr marL="457063" indent="0" algn="ctr" defTabSz="914126" rtl="0" eaLnBrk="1" latinLnBrk="0" hangingPunct="1">
-              <a:lnSpc>
-                <a:spcPct val="90000"/>
-              </a:lnSpc>
-              <a:spcBef>
-                <a:spcPts val="500"/>
-              </a:spcBef>
-              <a:buFont typeface="Arial" panose="020B0604020202020204" pitchFamily="34" charset="0"/>
-              <a:buNone/>
-              <a:defRPr sz="1999" kern="1200">
-                <a:solidFill>
-                  <a:schemeClr val="tx1"/>
-                </a:solidFill>
-                <a:latin typeface="+mn-lt"/>
-                <a:ea typeface="+mn-ea"/>
-                <a:cs typeface="+mn-cs"/>
-              </a:defRPr>
-            </a:lvl2pPr>
-            <a:lvl3pPr marL="914126" indent="0" algn="ctr" defTabSz="914126" rtl="0" eaLnBrk="1" latinLnBrk="0" hangingPunct="1">
-              <a:lnSpc>
-                <a:spcPct val="90000"/>
-              </a:lnSpc>
-              <a:spcBef>
-                <a:spcPts val="500"/>
-              </a:spcBef>
-              <a:buFont typeface="Arial" panose="020B0604020202020204" pitchFamily="34" charset="0"/>
-              <a:buNone/>
-              <a:defRPr sz="1799" kern="1200">
-                <a:solidFill>
-                  <a:schemeClr val="tx1"/>
-                </a:solidFill>
-                <a:latin typeface="+mn-lt"/>
-                <a:ea typeface="+mn-ea"/>
-                <a:cs typeface="+mn-cs"/>
-              </a:defRPr>
-            </a:lvl3pPr>
-            <a:lvl4pPr marL="1371189" indent="0" algn="ctr" defTabSz="914126" rtl="0" eaLnBrk="1" latinLnBrk="0" hangingPunct="1">
-              <a:lnSpc>
-                <a:spcPct val="90000"/>
-              </a:lnSpc>
-              <a:spcBef>
-                <a:spcPts val="500"/>
-              </a:spcBef>
-              <a:buFont typeface="Arial" panose="020B0604020202020204" pitchFamily="34" charset="0"/>
-              <a:buNone/>
-              <a:defRPr sz="1600" kern="1200">
-                <a:solidFill>
-                  <a:schemeClr val="tx1"/>
-                </a:solidFill>
-                <a:latin typeface="+mn-lt"/>
-                <a:ea typeface="+mn-ea"/>
-                <a:cs typeface="+mn-cs"/>
-              </a:defRPr>
-            </a:lvl4pPr>
-            <a:lvl5pPr marL="1828251" indent="0" algn="ctr" defTabSz="914126" rtl="0" eaLnBrk="1" latinLnBrk="0" hangingPunct="1">
-              <a:lnSpc>
-                <a:spcPct val="90000"/>
-              </a:lnSpc>
-              <a:spcBef>
-                <a:spcPts val="500"/>
-              </a:spcBef>
-              <a:buFont typeface="Arial" panose="020B0604020202020204" pitchFamily="34" charset="0"/>
-              <a:buNone/>
-              <a:defRPr sz="1600" kern="1200">
-                <a:solidFill>
-                  <a:schemeClr val="tx1"/>
-                </a:solidFill>
-                <a:latin typeface="+mn-lt"/>
-                <a:ea typeface="+mn-ea"/>
-                <a:cs typeface="+mn-cs"/>
-              </a:defRPr>
-            </a:lvl5pPr>
-            <a:lvl6pPr marL="2285314" indent="0" algn="ctr" defTabSz="914126" rtl="0" eaLnBrk="1" latinLnBrk="0" hangingPunct="1">
-              <a:lnSpc>
-                <a:spcPct val="90000"/>
-              </a:lnSpc>
-              <a:spcBef>
-                <a:spcPts val="500"/>
-              </a:spcBef>
-              <a:buFont typeface="Arial" panose="020B0604020202020204" pitchFamily="34" charset="0"/>
-              <a:buNone/>
-              <a:defRPr sz="1600" kern="1200">
-                <a:solidFill>
-                  <a:schemeClr val="tx1"/>
-                </a:solidFill>
-                <a:latin typeface="+mn-lt"/>
-                <a:ea typeface="+mn-ea"/>
-                <a:cs typeface="+mn-cs"/>
-              </a:defRPr>
-            </a:lvl6pPr>
-            <a:lvl7pPr marL="2742377" indent="0" algn="ctr" defTabSz="914126" rtl="0" eaLnBrk="1" latinLnBrk="0" hangingPunct="1">
-              <a:lnSpc>
-                <a:spcPct val="90000"/>
-              </a:lnSpc>
-              <a:spcBef>
-                <a:spcPts val="500"/>
-              </a:spcBef>
-              <a:buFont typeface="Arial" panose="020B0604020202020204" pitchFamily="34" charset="0"/>
-              <a:buNone/>
-              <a:defRPr sz="1600" kern="1200">
-                <a:solidFill>
-                  <a:schemeClr val="tx1"/>
-                </a:solidFill>
-                <a:latin typeface="+mn-lt"/>
-                <a:ea typeface="+mn-ea"/>
-                <a:cs typeface="+mn-cs"/>
-              </a:defRPr>
-            </a:lvl7pPr>
-            <a:lvl8pPr marL="3199440" indent="0" algn="ctr" defTabSz="914126" rtl="0" eaLnBrk="1" latinLnBrk="0" hangingPunct="1">
-              <a:lnSpc>
-                <a:spcPct val="90000"/>
-              </a:lnSpc>
-              <a:spcBef>
-                <a:spcPts val="500"/>
-              </a:spcBef>
-              <a:buFont typeface="Arial" panose="020B0604020202020204" pitchFamily="34" charset="0"/>
-              <a:buNone/>
-              <a:defRPr sz="1600" kern="1200">
-                <a:solidFill>
-                  <a:schemeClr val="tx1"/>
-                </a:solidFill>
-                <a:latin typeface="+mn-lt"/>
-                <a:ea typeface="+mn-ea"/>
-                <a:cs typeface="+mn-cs"/>
-              </a:defRPr>
-            </a:lvl8pPr>
-            <a:lvl9pPr marL="3656503" indent="0" algn="ctr" defTabSz="914126" rtl="0" eaLnBrk="1" latinLnBrk="0" hangingPunct="1">
-              <a:lnSpc>
-                <a:spcPct val="90000"/>
-              </a:lnSpc>
-              <a:spcBef>
-                <a:spcPts val="500"/>
-              </a:spcBef>
-              <a:buFont typeface="Arial" panose="020B0604020202020204" pitchFamily="34" charset="0"/>
-              <a:buNone/>
-              <a:defRPr sz="1600" kern="1200">
-                <a:solidFill>
-                  <a:schemeClr val="tx1"/>
-                </a:solidFill>
-                <a:latin typeface="+mn-lt"/>
-                <a:ea typeface="+mn-ea"/>
-                <a:cs typeface="+mn-cs"/>
-              </a:defRPr>
-            </a:lvl9pPr>
-          </a:lstStyle>
-          <a:p>
-            <a:pPr marL="457200" indent="-457200" algn="l">
-              <a:buFont typeface="Arial" panose="020B0604020202020204" pitchFamily="34" charset="0"/>
-              <a:buChar char="•"/>
-            </a:pPr>
-            <a:r>
-              <a:rPr lang="en-US" sz="3200" dirty="0"/>
-              <a:t>Questions to answer</a:t>
-            </a:r>
-          </a:p>
-          <a:p>
-            <a:pPr marL="457200" indent="-457200" algn="l">
-              <a:buFont typeface="Arial" panose="020B0604020202020204" pitchFamily="34" charset="0"/>
-              <a:buChar char="•"/>
-            </a:pPr>
-            <a:r>
-              <a:rPr lang="en-US" sz="3200" dirty="0"/>
-              <a:t>Software architect vs building architect</a:t>
-            </a:r>
-          </a:p>
-          <a:p>
-            <a:pPr marL="457200" indent="-457200" algn="l">
-              <a:buFont typeface="Arial" panose="020B0604020202020204" pitchFamily="34" charset="0"/>
-              <a:buChar char="•"/>
-            </a:pPr>
-            <a:r>
-              <a:rPr lang="en-US" sz="3200" dirty="0"/>
-              <a:t>Software architect vs code</a:t>
-            </a:r>
-          </a:p>
-        </p:txBody>
-      </p:sp>
-    </p:spTree>
-    <p:extLst>
-      <p:ext uri="{BB962C8B-B14F-4D97-AF65-F5344CB8AC3E}">
-        <p14:creationId xmlns:p14="http://schemas.microsoft.com/office/powerpoint/2010/main" val="2502900286"/>
-      </p:ext>
-    </p:extLst>
-  </p:cSld>
-  <p:clrMapOvr>
-    <a:masterClrMapping/>
-  </p:clrMapOvr>
-  <p:timing>
-    <p:tnLst>
-      <p:par>
-        <p:cTn id="1" dur="indefinite" restart="never" nodeType="tmRoot">
-          <p:childTnLst>
-            <p:seq concurrent="1" nextAc="seek">
-              <p:cTn id="2" dur="indefinite" nodeType="mainSeq">
-                <p:childTnLst>
-                  <p:par>
-                    <p:cTn id="3" fill="hold">
-                      <p:stCondLst>
-                        <p:cond delay="indefinite"/>
-                      </p:stCondLst>
-                      <p:childTnLst>
-                        <p:par>
-                          <p:cTn id="4" fill="hold">
-                            <p:stCondLst>
-                              <p:cond delay="0"/>
-                            </p:stCondLst>
-                            <p:childTnLst>
-                              <p:par>
-                                <p:cTn id="5" presetID="10" presetClass="entr" presetSubtype="0" fill="hold" grpId="0" nodeType="clickEffect">
-                                  <p:stCondLst>
-                                    <p:cond delay="0"/>
-                                  </p:stCondLst>
-                                  <p:childTnLst>
-                                    <p:set>
-                                      <p:cBhvr>
-                                        <p:cTn id="6" dur="1" fill="hold">
-                                          <p:stCondLst>
-                                            <p:cond delay="0"/>
-                                          </p:stCondLst>
-                                        </p:cTn>
-                                        <p:tgtEl>
-                                          <p:spTgt spid="5">
-                                            <p:txEl>
-                                              <p:pRg st="0" end="0"/>
-                                            </p:txEl>
-                                          </p:spTgt>
-                                        </p:tgtEl>
-                                        <p:attrNameLst>
-                                          <p:attrName>style.visibility</p:attrName>
-                                        </p:attrNameLst>
-                                      </p:cBhvr>
-                                      <p:to>
-                                        <p:strVal val="visible"/>
-                                      </p:to>
-                                    </p:set>
-                                    <p:animEffect transition="in" filter="fade">
-                                      <p:cBhvr>
-                                        <p:cTn id="7" dur="500"/>
-                                        <p:tgtEl>
-                                          <p:spTgt spid="5">
-                                            <p:txEl>
-                                              <p:pRg st="0" end="0"/>
-                                            </p:txEl>
-                                          </p:spTgt>
-                                        </p:tgtEl>
-                                      </p:cBhvr>
-                                    </p:animEffect>
-                                  </p:childTnLst>
-                                </p:cTn>
-                              </p:par>
-                            </p:childTnLst>
-                          </p:cTn>
-                        </p:par>
-                      </p:childTnLst>
-                    </p:cTn>
-                  </p:par>
-                  <p:par>
-                    <p:cTn id="8" fill="hold">
-                      <p:stCondLst>
-                        <p:cond delay="indefinite"/>
-                      </p:stCondLst>
-                      <p:childTnLst>
-                        <p:par>
-                          <p:cTn id="9" fill="hold">
-                            <p:stCondLst>
-                              <p:cond delay="0"/>
-                            </p:stCondLst>
-                            <p:childTnLst>
-                              <p:par>
-                                <p:cTn id="10" presetID="10" presetClass="entr" presetSubtype="0" fill="hold" grpId="0" nodeType="clickEffect">
-                                  <p:stCondLst>
-                                    <p:cond delay="0"/>
-                                  </p:stCondLst>
-                                  <p:childTnLst>
-                                    <p:set>
-                                      <p:cBhvr>
-                                        <p:cTn id="11" dur="1" fill="hold">
-                                          <p:stCondLst>
-                                            <p:cond delay="0"/>
-                                          </p:stCondLst>
-                                        </p:cTn>
-                                        <p:tgtEl>
-                                          <p:spTgt spid="5">
-                                            <p:txEl>
-                                              <p:pRg st="1" end="1"/>
-                                            </p:txEl>
-                                          </p:spTgt>
-                                        </p:tgtEl>
-                                        <p:attrNameLst>
-                                          <p:attrName>style.visibility</p:attrName>
-                                        </p:attrNameLst>
-                                      </p:cBhvr>
-                                      <p:to>
-                                        <p:strVal val="visible"/>
-                                      </p:to>
-                                    </p:set>
-                                    <p:animEffect transition="in" filter="fade">
-                                      <p:cBhvr>
-                                        <p:cTn id="12" dur="500"/>
-                                        <p:tgtEl>
-                                          <p:spTgt spid="5">
-                                            <p:txEl>
-                                              <p:pRg st="1" end="1"/>
-                                            </p:txEl>
-                                          </p:spTgt>
-                                        </p:tgtEl>
-                                      </p:cBhvr>
-                                    </p:animEffect>
-                                  </p:childTnLst>
-                                </p:cTn>
-                              </p:par>
-                            </p:childTnLst>
-                          </p:cTn>
-                        </p:par>
-                      </p:childTnLst>
-                    </p:cTn>
-                  </p:par>
-                  <p:par>
-                    <p:cTn id="13" fill="hold">
-                      <p:stCondLst>
-                        <p:cond delay="indefinite"/>
-                      </p:stCondLst>
-                      <p:childTnLst>
-                        <p:par>
-                          <p:cTn id="14" fill="hold">
-                            <p:stCondLst>
-                              <p:cond delay="0"/>
-                            </p:stCondLst>
-                            <p:childTnLst>
-                              <p:par>
-                                <p:cTn id="15" presetID="10" presetClass="entr" presetSubtype="0" fill="hold" grpId="0" nodeType="clickEffect">
-                                  <p:stCondLst>
-                                    <p:cond delay="0"/>
-                                  </p:stCondLst>
-                                  <p:childTnLst>
-                                    <p:set>
-                                      <p:cBhvr>
-                                        <p:cTn id="16" dur="1" fill="hold">
-                                          <p:stCondLst>
-                                            <p:cond delay="0"/>
-                                          </p:stCondLst>
-                                        </p:cTn>
-                                        <p:tgtEl>
-                                          <p:spTgt spid="5">
-                                            <p:txEl>
-                                              <p:pRg st="2" end="2"/>
-                                            </p:txEl>
-                                          </p:spTgt>
-                                        </p:tgtEl>
-                                        <p:attrNameLst>
-                                          <p:attrName>style.visibility</p:attrName>
-                                        </p:attrNameLst>
-                                      </p:cBhvr>
-                                      <p:to>
-                                        <p:strVal val="visible"/>
-                                      </p:to>
-                                    </p:set>
-                                    <p:animEffect transition="in" filter="fade">
-                                      <p:cBhvr>
-                                        <p:cTn id="17" dur="500"/>
-                                        <p:tgtEl>
-                                          <p:spTgt spid="5">
-                                            <p:txEl>
-                                              <p:pRg st="2" end="2"/>
-                                            </p:txEl>
-                                          </p:spTgt>
-                                        </p:tgtEl>
-                                      </p:cBhvr>
-                                    </p:animEffect>
-                                  </p:childTnLst>
-                                </p:cTn>
-                              </p:par>
-                            </p:childTnLst>
-                          </p:cTn>
-                        </p:par>
-                      </p:childTnLst>
-                    </p:cTn>
-                  </p:par>
-                </p:childTnLst>
-              </p:cTn>
-              <p:prevCondLst>
-                <p:cond evt="onPrev" delay="0">
-                  <p:tgtEl>
-                    <p:sldTgt/>
-                  </p:tgtEl>
-                </p:cond>
-              </p:prevCondLst>
-              <p:nextCondLst>
-                <p:cond evt="onNext" delay="0">
-                  <p:tgtEl>
-                    <p:sldTgt/>
-                  </p:tgtEl>
-                </p:cond>
-              </p:nextCondLst>
-            </p:seq>
-          </p:childTnLst>
-        </p:cTn>
-      </p:par>
-    </p:tnLst>
-    <p:bldLst>
-      <p:bldP spid="5" grpId="0" build="p"/>
-    </p:bldLst>
-  </p:timing>
-</p:sld>
-</file>
-
-<file path=ppt/slides/slide30.xml><?xml version="1.0" encoding="utf-8"?>
+<file path=ppt/slides/slide31.xml><?xml version="1.0" encoding="utf-8"?>
 <p:sld xmlns:a="http://schemas.openxmlformats.org/drawingml/2006/main" xmlns:r="http://schemas.openxmlformats.org/officeDocument/2006/relationships" xmlns:p="http://schemas.openxmlformats.org/presentationml/2006/main">
   <p:cSld>
     <p:spTree>
@@ -41468,7 +42115,7 @@
 </p:sld>
 </file>
 
-<file path=ppt/slides/slide31.xml><?xml version="1.0" encoding="utf-8"?>
+<file path=ppt/slides/slide32.xml><?xml version="1.0" encoding="utf-8"?>
 <p:sld xmlns:a="http://schemas.openxmlformats.org/drawingml/2006/main" xmlns:r="http://schemas.openxmlformats.org/officeDocument/2006/relationships" xmlns:p="http://schemas.openxmlformats.org/presentationml/2006/main">
   <p:cSld>
     <p:spTree>
@@ -43079,7 +43726,7 @@
 </p:sld>
 </file>
 
-<file path=ppt/slides/slide32.xml><?xml version="1.0" encoding="utf-8"?>
+<file path=ppt/slides/slide33.xml><?xml version="1.0" encoding="utf-8"?>
 <p:sld xmlns:a="http://schemas.openxmlformats.org/drawingml/2006/main" xmlns:r="http://schemas.openxmlformats.org/officeDocument/2006/relationships" xmlns:p="http://schemas.openxmlformats.org/presentationml/2006/main">
   <p:cSld>
     <p:spTree>
@@ -46087,6 +46734,144 @@
           </a:p>
         </p:txBody>
       </p:sp>
+      <p:pic>
+        <p:nvPicPr>
+          <p:cNvPr id="2" name="Picture 1"/>
+          <p:cNvPicPr>
+            <a:picLocks noChangeAspect="1"/>
+          </p:cNvPicPr>
+          <p:nvPr/>
+        </p:nvPicPr>
+        <p:blipFill>
+          <a:blip r:embed="rId2">
+            <a:extLst>
+              <a:ext uri="{28A0092B-C50C-407E-A947-70E740481C1C}">
+                <a14:useLocalDpi xmlns:a14="http://schemas.microsoft.com/office/drawing/2010/main" val="0"/>
+              </a:ext>
+            </a:extLst>
+          </a:blip>
+          <a:stretch>
+            <a:fillRect/>
+          </a:stretch>
+        </p:blipFill>
+        <p:spPr>
+          <a:xfrm>
+            <a:off x="2741612" y="1600200"/>
+            <a:ext cx="6858000" cy="5143500"/>
+          </a:xfrm>
+          <a:prstGeom prst="rect">
+            <a:avLst/>
+          </a:prstGeom>
+        </p:spPr>
+      </p:pic>
+    </p:spTree>
+    <p:extLst>
+      <p:ext uri="{BB962C8B-B14F-4D97-AF65-F5344CB8AC3E}">
+        <p14:creationId xmlns:p14="http://schemas.microsoft.com/office/powerpoint/2010/main" val="4105637618"/>
+      </p:ext>
+    </p:extLst>
+  </p:cSld>
+  <p:clrMapOvr>
+    <a:masterClrMapping/>
+  </p:clrMapOvr>
+</p:sld>
+</file>
+
+<file path=ppt/slides/slide8.xml><?xml version="1.0" encoding="utf-8"?>
+<p:sld xmlns:a="http://schemas.openxmlformats.org/drawingml/2006/main" xmlns:r="http://schemas.openxmlformats.org/officeDocument/2006/relationships" xmlns:p="http://schemas.openxmlformats.org/presentationml/2006/main">
+  <p:cSld>
+    <p:spTree>
+      <p:nvGrpSpPr>
+        <p:cNvPr id="1" name=""/>
+        <p:cNvGrpSpPr/>
+        <p:nvPr/>
+      </p:nvGrpSpPr>
+      <p:grpSpPr>
+        <a:xfrm>
+          <a:off x="0" y="0"/>
+          <a:ext cx="0" cy="0"/>
+          <a:chOff x="0" y="0"/>
+          <a:chExt cx="0" cy="0"/>
+        </a:xfrm>
+      </p:grpSpPr>
+      <p:sp>
+        <p:nvSpPr>
+          <p:cNvPr id="6" name="Title 1"/>
+          <p:cNvSpPr txBox="1">
+            <a:spLocks/>
+          </p:cNvSpPr>
+          <p:nvPr/>
+        </p:nvSpPr>
+        <p:spPr>
+          <a:xfrm>
+            <a:off x="244634" y="893"/>
+            <a:ext cx="10789459" cy="1363224"/>
+          </a:xfrm>
+          <a:prstGeom prst="rect">
+            <a:avLst/>
+          </a:prstGeom>
+        </p:spPr>
+        <p:txBody>
+          <a:bodyPr vert="horz" lIns="91416" tIns="45708" rIns="91416" bIns="45708" rtlCol="0" anchor="ctr">
+            <a:normAutofit/>
+          </a:bodyPr>
+          <a:lstStyle>
+            <a:lvl1pPr algn="ctr" defTabSz="914400" rtl="0" eaLnBrk="1" latinLnBrk="0" hangingPunct="1">
+              <a:lnSpc>
+                <a:spcPct val="90000"/>
+              </a:lnSpc>
+              <a:spcBef>
+                <a:spcPct val="0"/>
+              </a:spcBef>
+              <a:buNone/>
+              <a:defRPr sz="6000" kern="1200">
+                <a:solidFill>
+                  <a:schemeClr val="tx1"/>
+                </a:solidFill>
+                <a:latin typeface="+mj-lt"/>
+                <a:ea typeface="+mj-ea"/>
+                <a:cs typeface="+mj-cs"/>
+              </a:defRPr>
+            </a:lvl1pPr>
+          </a:lstStyle>
+          <a:p>
+            <a:pPr algn="l" defTabSz="914126"/>
+            <a:r>
+              <a:rPr lang="en-IN" sz="4400" b="1" dirty="0">
+                <a:solidFill>
+                  <a:srgbClr val="FFFF00"/>
+                </a:solidFill>
+                <a:latin typeface="Adobe Clean" panose="020B0503020404020204" pitchFamily="34" charset="0"/>
+              </a:rPr>
+              <a:t>Software</a:t>
+            </a:r>
+            <a:r>
+              <a:rPr lang="en-IN" sz="4999" b="1" dirty="0">
+                <a:solidFill>
+                  <a:srgbClr val="FFFF00"/>
+                </a:solidFill>
+                <a:latin typeface="Adobe Clean" panose="020B0503020404020204" pitchFamily="34" charset="0"/>
+              </a:rPr>
+              <a:t> </a:t>
+            </a:r>
+            <a:r>
+              <a:rPr lang="en-IN" sz="4400" b="1" dirty="0">
+                <a:solidFill>
+                  <a:srgbClr val="FFFF00"/>
+                </a:solidFill>
+                <a:latin typeface="Adobe Clean" panose="020B0503020404020204" pitchFamily="34" charset="0"/>
+              </a:rPr>
+              <a:t>Architect</a:t>
+            </a:r>
+            <a:endParaRPr lang="en-IN" sz="4999" b="1" dirty="0">
+              <a:solidFill>
+                <a:srgbClr val="FFFF00"/>
+              </a:solidFill>
+              <a:latin typeface="Adobe Clean" panose="020B0503020404020204" pitchFamily="34" charset="0"/>
+            </a:endParaRPr>
+          </a:p>
+        </p:txBody>
+      </p:sp>
       <p:sp>
         <p:nvSpPr>
           <p:cNvPr id="5" name="TextBox 4"/>
@@ -46096,7 +46881,7 @@
         <p:spPr>
           <a:xfrm>
             <a:off x="608012" y="1828800"/>
-            <a:ext cx="9753600" cy="677108"/>
+            <a:ext cx="9067800" cy="677108"/>
           </a:xfrm>
           <a:prstGeom prst="rect">
             <a:avLst/>
@@ -46275,7 +47060,7 @@
     </p:spTree>
     <p:extLst>
       <p:ext uri="{BB962C8B-B14F-4D97-AF65-F5344CB8AC3E}">
-        <p14:creationId xmlns:p14="http://schemas.microsoft.com/office/powerpoint/2010/main" val="4105637618"/>
+        <p14:creationId xmlns:p14="http://schemas.microsoft.com/office/powerpoint/2010/main" val="1978724325"/>
       </p:ext>
     </p:extLst>
   </p:cSld>
@@ -46791,7 +47576,7 @@
 </p:sld>
 </file>
 
-<file path=ppt/slides/slide8.xml><?xml version="1.0" encoding="utf-8"?>
+<file path=ppt/slides/slide9.xml><?xml version="1.0" encoding="utf-8"?>
 <p:sld xmlns:a="http://schemas.openxmlformats.org/drawingml/2006/main" xmlns:r="http://schemas.openxmlformats.org/officeDocument/2006/relationships" xmlns:p="http://schemas.openxmlformats.org/presentationml/2006/main">
   <p:cSld>
     <p:spTree>
@@ -46904,652 +47689,6 @@
   <p:clrMapOvr>
     <a:masterClrMapping/>
   </p:clrMapOvr>
-</p:sld>
-</file>
-
-<file path=ppt/slides/slide9.xml><?xml version="1.0" encoding="utf-8"?>
-<p:sld xmlns:a="http://schemas.openxmlformats.org/drawingml/2006/main" xmlns:r="http://schemas.openxmlformats.org/officeDocument/2006/relationships" xmlns:p="http://schemas.openxmlformats.org/presentationml/2006/main">
-  <p:cSld>
-    <p:spTree>
-      <p:nvGrpSpPr>
-        <p:cNvPr id="1" name=""/>
-        <p:cNvGrpSpPr/>
-        <p:nvPr/>
-      </p:nvGrpSpPr>
-      <p:grpSpPr>
-        <a:xfrm>
-          <a:off x="0" y="0"/>
-          <a:ext cx="0" cy="0"/>
-          <a:chOff x="0" y="0"/>
-          <a:chExt cx="0" cy="0"/>
-        </a:xfrm>
-      </p:grpSpPr>
-      <p:sp>
-        <p:nvSpPr>
-          <p:cNvPr id="6" name="Title 1"/>
-          <p:cNvSpPr txBox="1">
-            <a:spLocks/>
-          </p:cNvSpPr>
-          <p:nvPr/>
-        </p:nvSpPr>
-        <p:spPr>
-          <a:xfrm>
-            <a:off x="244634" y="893"/>
-            <a:ext cx="10789459" cy="1363224"/>
-          </a:xfrm>
-          <a:prstGeom prst="rect">
-            <a:avLst/>
-          </a:prstGeom>
-        </p:spPr>
-        <p:txBody>
-          <a:bodyPr vert="horz" lIns="91416" tIns="45708" rIns="91416" bIns="45708" rtlCol="0" anchor="ctr">
-            <a:normAutofit/>
-          </a:bodyPr>
-          <a:lstStyle>
-            <a:lvl1pPr algn="ctr" defTabSz="914400" rtl="0" eaLnBrk="1" latinLnBrk="0" hangingPunct="1">
-              <a:lnSpc>
-                <a:spcPct val="90000"/>
-              </a:lnSpc>
-              <a:spcBef>
-                <a:spcPct val="0"/>
-              </a:spcBef>
-              <a:buNone/>
-              <a:defRPr sz="6000" kern="1200">
-                <a:solidFill>
-                  <a:schemeClr val="tx1"/>
-                </a:solidFill>
-                <a:latin typeface="+mj-lt"/>
-                <a:ea typeface="+mj-ea"/>
-                <a:cs typeface="+mj-cs"/>
-              </a:defRPr>
-            </a:lvl1pPr>
-          </a:lstStyle>
-          <a:p>
-            <a:pPr algn="l" defTabSz="914126"/>
-            <a:r>
-              <a:rPr lang="en-IN" sz="4400" b="1" dirty="0">
-                <a:solidFill>
-                  <a:srgbClr val="FFFF00"/>
-                </a:solidFill>
-                <a:latin typeface="Adobe Clean" panose="020B0503020404020204" pitchFamily="34" charset="0"/>
-              </a:rPr>
-              <a:t>Software Architect vs Building Architect</a:t>
-            </a:r>
-          </a:p>
-        </p:txBody>
-      </p:sp>
-      <p:sp>
-        <p:nvSpPr>
-          <p:cNvPr id="9" name="TextBox 8"/>
-          <p:cNvSpPr txBox="1"/>
-          <p:nvPr/>
-        </p:nvSpPr>
-        <p:spPr>
-          <a:xfrm>
-            <a:off x="2781863" y="2546302"/>
-            <a:ext cx="5715000" cy="1015663"/>
-          </a:xfrm>
-          <a:prstGeom prst="rect">
-            <a:avLst/>
-          </a:prstGeom>
-          <a:noFill/>
-        </p:spPr>
-        <p:txBody>
-          <a:bodyPr wrap="square" rtlCol="0">
-            <a:spAutoFit/>
-          </a:bodyPr>
-          <a:lstStyle/>
-          <a:p>
-            <a:r>
-              <a:rPr lang="en-US" sz="2400" b="1" dirty="0"/>
-              <a:t>Building Architecture:</a:t>
-            </a:r>
-            <a:br>
-              <a:rPr lang="en-US" sz="2400" b="1" dirty="0"/>
-            </a:br>
-            <a:r>
-              <a:rPr lang="en-US" dirty="0"/>
-              <a:t>Is both the process and the product of </a:t>
-            </a:r>
-            <a:r>
-              <a:rPr lang="en-US" dirty="0">
-                <a:hlinkClick r:id="rId2" tooltip="Planning"/>
-              </a:rPr>
-              <a:t>planning</a:t>
-            </a:r>
-            <a:r>
-              <a:rPr lang="en-US" dirty="0"/>
-              <a:t>, </a:t>
-            </a:r>
-            <a:r>
-              <a:rPr lang="en-US" dirty="0">
-                <a:hlinkClick r:id="rId3" tooltip="Design"/>
-              </a:rPr>
-              <a:t>designing</a:t>
-            </a:r>
-            <a:r>
-              <a:rPr lang="en-US" dirty="0"/>
-              <a:t>, </a:t>
-            </a:r>
-          </a:p>
-          <a:p>
-            <a:r>
-              <a:rPr lang="en-US" dirty="0"/>
-              <a:t>and </a:t>
-            </a:r>
-            <a:r>
-              <a:rPr lang="en-US" dirty="0">
-                <a:hlinkClick r:id="rId4" tooltip="Construction"/>
-              </a:rPr>
-              <a:t>constructing</a:t>
-            </a:r>
-            <a:r>
-              <a:rPr lang="en-US" dirty="0"/>
-              <a:t> buildings and other physical structures.</a:t>
-            </a:r>
-          </a:p>
-        </p:txBody>
-      </p:sp>
-      <p:sp>
-        <p:nvSpPr>
-          <p:cNvPr id="10" name="TextBox 9"/>
-          <p:cNvSpPr txBox="1"/>
-          <p:nvPr/>
-        </p:nvSpPr>
-        <p:spPr>
-          <a:xfrm>
-            <a:off x="2781863" y="4800600"/>
-            <a:ext cx="6248400" cy="1015663"/>
-          </a:xfrm>
-          <a:prstGeom prst="rect">
-            <a:avLst/>
-          </a:prstGeom>
-          <a:noFill/>
-        </p:spPr>
-        <p:txBody>
-          <a:bodyPr wrap="square" rtlCol="0">
-            <a:spAutoFit/>
-          </a:bodyPr>
-          <a:lstStyle/>
-          <a:p>
-            <a:r>
-              <a:rPr lang="en-US" sz="2400" b="1" dirty="0"/>
-              <a:t>Software Architecture:</a:t>
-            </a:r>
-            <a:br>
-              <a:rPr lang="en-US" sz="2400" b="1" dirty="0"/>
-            </a:br>
-            <a:r>
-              <a:rPr lang="en-US" dirty="0"/>
-              <a:t>Is both the process and the product of </a:t>
-            </a:r>
-            <a:r>
-              <a:rPr lang="en-US" dirty="0">
-                <a:hlinkClick r:id="rId2" tooltip="Planning"/>
-              </a:rPr>
-              <a:t>planning</a:t>
-            </a:r>
-            <a:r>
-              <a:rPr lang="en-US" dirty="0"/>
-              <a:t>, </a:t>
-            </a:r>
-            <a:r>
-              <a:rPr lang="en-US" dirty="0">
-                <a:hlinkClick r:id="rId3" tooltip="Design"/>
-              </a:rPr>
-              <a:t>designing</a:t>
-            </a:r>
-            <a:r>
-              <a:rPr lang="en-US" dirty="0"/>
-              <a:t>, </a:t>
-            </a:r>
-          </a:p>
-          <a:p>
-            <a:r>
-              <a:rPr lang="en-US" dirty="0"/>
-              <a:t>and </a:t>
-            </a:r>
-            <a:r>
-              <a:rPr lang="en-US" u="sng" dirty="0">
-                <a:solidFill>
-                  <a:srgbClr val="FFC000"/>
-                </a:solidFill>
-              </a:rPr>
-              <a:t>coding</a:t>
-            </a:r>
-            <a:r>
-              <a:rPr lang="en-US" dirty="0"/>
-              <a:t> </a:t>
-            </a:r>
-            <a:r>
-              <a:rPr lang="en-US" dirty="0" err="1"/>
-              <a:t>softwares</a:t>
-            </a:r>
-            <a:r>
-              <a:rPr lang="en-US" dirty="0"/>
-              <a:t> and other physical/digital requirements.</a:t>
-            </a:r>
-          </a:p>
-        </p:txBody>
-      </p:sp>
-      <p:pic>
-        <p:nvPicPr>
-          <p:cNvPr id="2" name="Picture 1"/>
-          <p:cNvPicPr>
-            <a:picLocks noChangeAspect="1"/>
-          </p:cNvPicPr>
-          <p:nvPr/>
-        </p:nvPicPr>
-        <p:blipFill>
-          <a:blip r:embed="rId5">
-            <a:extLst>
-              <a:ext uri="{28A0092B-C50C-407E-A947-70E740481C1C}">
-                <a14:useLocalDpi xmlns:a14="http://schemas.microsoft.com/office/drawing/2010/main" val="0"/>
-              </a:ext>
-            </a:extLst>
-          </a:blip>
-          <a:stretch>
-            <a:fillRect/>
-          </a:stretch>
-        </p:blipFill>
-        <p:spPr>
-          <a:xfrm>
-            <a:off x="684212" y="1828800"/>
-            <a:ext cx="1752600" cy="2450669"/>
-          </a:xfrm>
-          <a:prstGeom prst="rect">
-            <a:avLst/>
-          </a:prstGeom>
-          <a:ln w="190500" cap="sq">
-            <a:solidFill>
-              <a:srgbClr val="C8C6BD"/>
-            </a:solidFill>
-            <a:prstDash val="solid"/>
-            <a:miter lim="800000"/>
-          </a:ln>
-          <a:effectLst>
-            <a:outerShdw blurRad="254000" algn="bl" rotWithShape="0">
-              <a:srgbClr val="000000">
-                <a:alpha val="43000"/>
-              </a:srgbClr>
-            </a:outerShdw>
-          </a:effectLst>
-          <a:scene3d>
-            <a:camera prst="perspectiveFront" fov="5400000"/>
-            <a:lightRig rig="threePt" dir="t">
-              <a:rot lat="0" lon="0" rev="2100000"/>
-            </a:lightRig>
-          </a:scene3d>
-          <a:sp3d extrusionH="25400">
-            <a:bevelT w="304800" h="152400" prst="hardEdge"/>
-            <a:extrusionClr>
-              <a:srgbClr val="000000"/>
-            </a:extrusionClr>
-          </a:sp3d>
-        </p:spPr>
-      </p:pic>
-      <p:pic>
-        <p:nvPicPr>
-          <p:cNvPr id="3" name="Picture 2"/>
-          <p:cNvPicPr>
-            <a:picLocks noChangeAspect="1"/>
-          </p:cNvPicPr>
-          <p:nvPr/>
-        </p:nvPicPr>
-        <p:blipFill>
-          <a:blip r:embed="rId6">
-            <a:extLst>
-              <a:ext uri="{28A0092B-C50C-407E-A947-70E740481C1C}">
-                <a14:useLocalDpi xmlns:a14="http://schemas.microsoft.com/office/drawing/2010/main" val="0"/>
-              </a:ext>
-            </a:extLst>
-          </a:blip>
-          <a:stretch>
-            <a:fillRect/>
-          </a:stretch>
-        </p:blipFill>
-        <p:spPr>
-          <a:xfrm>
-            <a:off x="8990012" y="4279469"/>
-            <a:ext cx="2438400" cy="2085975"/>
-          </a:xfrm>
-          <a:prstGeom prst="rect">
-            <a:avLst/>
-          </a:prstGeom>
-        </p:spPr>
-      </p:pic>
-    </p:spTree>
-    <p:extLst>
-      <p:ext uri="{BB962C8B-B14F-4D97-AF65-F5344CB8AC3E}">
-        <p14:creationId xmlns:p14="http://schemas.microsoft.com/office/powerpoint/2010/main" val="16522918"/>
-      </p:ext>
-    </p:extLst>
-  </p:cSld>
-  <p:clrMapOvr>
-    <a:masterClrMapping/>
-  </p:clrMapOvr>
-  <p:timing>
-    <p:tnLst>
-      <p:par>
-        <p:cTn id="1" dur="indefinite" restart="never" nodeType="tmRoot">
-          <p:childTnLst>
-            <p:seq concurrent="1" nextAc="seek">
-              <p:cTn id="2" dur="indefinite" nodeType="mainSeq">
-                <p:childTnLst>
-                  <p:par>
-                    <p:cTn id="3" fill="hold">
-                      <p:stCondLst>
-                        <p:cond delay="indefinite"/>
-                      </p:stCondLst>
-                      <p:childTnLst>
-                        <p:par>
-                          <p:cTn id="4" fill="hold">
-                            <p:stCondLst>
-                              <p:cond delay="0"/>
-                            </p:stCondLst>
-                            <p:childTnLst>
-                              <p:par>
-                                <p:cTn id="5" presetID="10" presetClass="entr" presetSubtype="0" fill="hold" nodeType="clickEffect">
-                                  <p:stCondLst>
-                                    <p:cond delay="0"/>
-                                  </p:stCondLst>
-                                  <p:childTnLst>
-                                    <p:set>
-                                      <p:cBhvr>
-                                        <p:cTn id="6" dur="1" fill="hold">
-                                          <p:stCondLst>
-                                            <p:cond delay="0"/>
-                                          </p:stCondLst>
-                                        </p:cTn>
-                                        <p:tgtEl>
-                                          <p:spTgt spid="2"/>
-                                        </p:tgtEl>
-                                        <p:attrNameLst>
-                                          <p:attrName>style.visibility</p:attrName>
-                                        </p:attrNameLst>
-                                      </p:cBhvr>
-                                      <p:to>
-                                        <p:strVal val="visible"/>
-                                      </p:to>
-                                    </p:set>
-                                    <p:animEffect transition="in" filter="fade">
-                                      <p:cBhvr>
-                                        <p:cTn id="7" dur="500"/>
-                                        <p:tgtEl>
-                                          <p:spTgt spid="2"/>
-                                        </p:tgtEl>
-                                      </p:cBhvr>
-                                    </p:animEffect>
-                                  </p:childTnLst>
-                                </p:cTn>
-                              </p:par>
-                            </p:childTnLst>
-                          </p:cTn>
-                        </p:par>
-                      </p:childTnLst>
-                    </p:cTn>
-                  </p:par>
-                  <p:par>
-                    <p:cTn id="8" fill="hold">
-                      <p:stCondLst>
-                        <p:cond delay="indefinite"/>
-                      </p:stCondLst>
-                      <p:childTnLst>
-                        <p:par>
-                          <p:cTn id="9" fill="hold">
-                            <p:stCondLst>
-                              <p:cond delay="0"/>
-                            </p:stCondLst>
-                            <p:childTnLst>
-                              <p:par>
-                                <p:cTn id="10" presetID="2" presetClass="entr" presetSubtype="4" fill="hold" grpId="0" nodeType="clickEffect">
-                                  <p:stCondLst>
-                                    <p:cond delay="0"/>
-                                  </p:stCondLst>
-                                  <p:childTnLst>
-                                    <p:set>
-                                      <p:cBhvr>
-                                        <p:cTn id="11" dur="1" fill="hold">
-                                          <p:stCondLst>
-                                            <p:cond delay="0"/>
-                                          </p:stCondLst>
-                                        </p:cTn>
-                                        <p:tgtEl>
-                                          <p:spTgt spid="9"/>
-                                        </p:tgtEl>
-                                        <p:attrNameLst>
-                                          <p:attrName>style.visibility</p:attrName>
-                                        </p:attrNameLst>
-                                      </p:cBhvr>
-                                      <p:to>
-                                        <p:strVal val="visible"/>
-                                      </p:to>
-                                    </p:set>
-                                    <p:anim calcmode="lin" valueType="num">
-                                      <p:cBhvr additive="base">
-                                        <p:cTn id="12" dur="500" fill="hold"/>
-                                        <p:tgtEl>
-                                          <p:spTgt spid="9"/>
-                                        </p:tgtEl>
-                                        <p:attrNameLst>
-                                          <p:attrName>ppt_x</p:attrName>
-                                        </p:attrNameLst>
-                                      </p:cBhvr>
-                                      <p:tavLst>
-                                        <p:tav tm="0">
-                                          <p:val>
-                                            <p:strVal val="#ppt_x"/>
-                                          </p:val>
-                                        </p:tav>
-                                        <p:tav tm="100000">
-                                          <p:val>
-                                            <p:strVal val="#ppt_x"/>
-                                          </p:val>
-                                        </p:tav>
-                                      </p:tavLst>
-                                    </p:anim>
-                                    <p:anim calcmode="lin" valueType="num">
-                                      <p:cBhvr additive="base">
-                                        <p:cTn id="13" dur="500" fill="hold"/>
-                                        <p:tgtEl>
-                                          <p:spTgt spid="9"/>
-                                        </p:tgtEl>
-                                        <p:attrNameLst>
-                                          <p:attrName>ppt_y</p:attrName>
-                                        </p:attrNameLst>
-                                      </p:cBhvr>
-                                      <p:tavLst>
-                                        <p:tav tm="0">
-                                          <p:val>
-                                            <p:strVal val="1+#ppt_h/2"/>
-                                          </p:val>
-                                        </p:tav>
-                                        <p:tav tm="100000">
-                                          <p:val>
-                                            <p:strVal val="#ppt_y"/>
-                                          </p:val>
-                                        </p:tav>
-                                      </p:tavLst>
-                                    </p:anim>
-                                  </p:childTnLst>
-                                </p:cTn>
-                              </p:par>
-                            </p:childTnLst>
-                          </p:cTn>
-                        </p:par>
-                      </p:childTnLst>
-                    </p:cTn>
-                  </p:par>
-                  <p:par>
-                    <p:cTn id="14" fill="hold">
-                      <p:stCondLst>
-                        <p:cond delay="indefinite"/>
-                      </p:stCondLst>
-                      <p:childTnLst>
-                        <p:par>
-                          <p:cTn id="15" fill="hold">
-                            <p:stCondLst>
-                              <p:cond delay="0"/>
-                            </p:stCondLst>
-                            <p:childTnLst>
-                              <p:par>
-                                <p:cTn id="16" presetID="10" presetClass="entr" presetSubtype="0" fill="hold" nodeType="clickEffect">
-                                  <p:stCondLst>
-                                    <p:cond delay="0"/>
-                                  </p:stCondLst>
-                                  <p:childTnLst>
-                                    <p:set>
-                                      <p:cBhvr>
-                                        <p:cTn id="17" dur="1" fill="hold">
-                                          <p:stCondLst>
-                                            <p:cond delay="0"/>
-                                          </p:stCondLst>
-                                        </p:cTn>
-                                        <p:tgtEl>
-                                          <p:spTgt spid="3"/>
-                                        </p:tgtEl>
-                                        <p:attrNameLst>
-                                          <p:attrName>style.visibility</p:attrName>
-                                        </p:attrNameLst>
-                                      </p:cBhvr>
-                                      <p:to>
-                                        <p:strVal val="visible"/>
-                                      </p:to>
-                                    </p:set>
-                                    <p:animEffect transition="in" filter="fade">
-                                      <p:cBhvr>
-                                        <p:cTn id="18" dur="500"/>
-                                        <p:tgtEl>
-                                          <p:spTgt spid="3"/>
-                                        </p:tgtEl>
-                                      </p:cBhvr>
-                                    </p:animEffect>
-                                  </p:childTnLst>
-                                </p:cTn>
-                              </p:par>
-                            </p:childTnLst>
-                          </p:cTn>
-                        </p:par>
-                      </p:childTnLst>
-                    </p:cTn>
-                  </p:par>
-                  <p:par>
-                    <p:cTn id="19" fill="hold">
-                      <p:stCondLst>
-                        <p:cond delay="indefinite"/>
-                      </p:stCondLst>
-                      <p:childTnLst>
-                        <p:par>
-                          <p:cTn id="20" fill="hold">
-                            <p:stCondLst>
-                              <p:cond delay="0"/>
-                            </p:stCondLst>
-                            <p:childTnLst>
-                              <p:par>
-                                <p:cTn id="21" presetID="2" presetClass="entr" presetSubtype="4" fill="hold" grpId="0" nodeType="clickEffect">
-                                  <p:stCondLst>
-                                    <p:cond delay="0"/>
-                                  </p:stCondLst>
-                                  <p:childTnLst>
-                                    <p:set>
-                                      <p:cBhvr>
-                                        <p:cTn id="22" dur="1" fill="hold">
-                                          <p:stCondLst>
-                                            <p:cond delay="0"/>
-                                          </p:stCondLst>
-                                        </p:cTn>
-                                        <p:tgtEl>
-                                          <p:spTgt spid="10"/>
-                                        </p:tgtEl>
-                                        <p:attrNameLst>
-                                          <p:attrName>style.visibility</p:attrName>
-                                        </p:attrNameLst>
-                                      </p:cBhvr>
-                                      <p:to>
-                                        <p:strVal val="visible"/>
-                                      </p:to>
-                                    </p:set>
-                                    <p:anim calcmode="lin" valueType="num">
-                                      <p:cBhvr additive="base">
-                                        <p:cTn id="23" dur="500" fill="hold"/>
-                                        <p:tgtEl>
-                                          <p:spTgt spid="10"/>
-                                        </p:tgtEl>
-                                        <p:attrNameLst>
-                                          <p:attrName>ppt_x</p:attrName>
-                                        </p:attrNameLst>
-                                      </p:cBhvr>
-                                      <p:tavLst>
-                                        <p:tav tm="0">
-                                          <p:val>
-                                            <p:strVal val="#ppt_x"/>
-                                          </p:val>
-                                        </p:tav>
-                                        <p:tav tm="100000">
-                                          <p:val>
-                                            <p:strVal val="#ppt_x"/>
-                                          </p:val>
-                                        </p:tav>
-                                      </p:tavLst>
-                                    </p:anim>
-                                    <p:anim calcmode="lin" valueType="num">
-                                      <p:cBhvr additive="base">
-                                        <p:cTn id="24" dur="500" fill="hold"/>
-                                        <p:tgtEl>
-                                          <p:spTgt spid="10"/>
-                                        </p:tgtEl>
-                                        <p:attrNameLst>
-                                          <p:attrName>ppt_y</p:attrName>
-                                        </p:attrNameLst>
-                                      </p:cBhvr>
-                                      <p:tavLst>
-                                        <p:tav tm="0">
-                                          <p:val>
-                                            <p:strVal val="1+#ppt_h/2"/>
-                                          </p:val>
-                                        </p:tav>
-                                        <p:tav tm="100000">
-                                          <p:val>
-                                            <p:strVal val="#ppt_y"/>
-                                          </p:val>
-                                        </p:tav>
-                                      </p:tavLst>
-                                    </p:anim>
-                                  </p:childTnLst>
-                                </p:cTn>
-                              </p:par>
-                            </p:childTnLst>
-                          </p:cTn>
-                        </p:par>
-                      </p:childTnLst>
-                    </p:cTn>
-                  </p:par>
-                </p:childTnLst>
-              </p:cTn>
-              <p:prevCondLst>
-                <p:cond evt="onPrev" delay="0">
-                  <p:tgtEl>
-                    <p:sldTgt/>
-                  </p:tgtEl>
-                </p:cond>
-              </p:prevCondLst>
-              <p:nextCondLst>
-                <p:cond evt="onNext" delay="0">
-                  <p:tgtEl>
-                    <p:sldTgt/>
-                  </p:tgtEl>
-                </p:cond>
-              </p:nextCondLst>
-            </p:seq>
-          </p:childTnLst>
-        </p:cTn>
-      </p:par>
-    </p:tnLst>
-    <p:bldLst>
-      <p:bldP spid="9" grpId="0"/>
-      <p:bldP spid="10" grpId="0"/>
-    </p:bldLst>
-  </p:timing>
 </p:sld>
 </file>
 
